--- a/Powerpoint.pptx
+++ b/Powerpoint.pptx
@@ -169,8 +169,8 @@
           </a:prstGeom>
           <a:noFill/>
           <a:extLst>
-            <a:ext uri="{909E8E84-426E-40dd-AFC4-6F175D3DCCD1}">
-              <a14:hiddenFill xmlns:a14="http://schemas.microsoft.com/office/drawing/2010/main" xmlns="">
+            <a:ext uri="{909E8E84-426E-40DD-AFC4-6F175D3DCCD1}">
+              <a14:hiddenFill xmlns:a14="http://schemas.microsoft.com/office/drawing/2010/main">
                 <a:solidFill>
                   <a:srgbClr val="FFFFFF"/>
                 </a:solidFill>
@@ -228,8 +228,8 @@
               <a:noFill/>
             </a:ln>
             <a:extLst>
-              <a:ext uri="{91240B29-F687-4f45-9708-019B960494DF}">
-                <a14:hiddenLine xmlns:a14="http://schemas.microsoft.com/office/drawing/2010/main" xmlns="" w="9525">
+              <a:ext uri="{91240B29-F687-4F45-9708-019B960494DF}">
+                <a14:hiddenLine xmlns:a14="http://schemas.microsoft.com/office/drawing/2010/main" w="9525">
                   <a:solidFill>
                     <a:srgbClr val="000000"/>
                   </a:solidFill>
@@ -318,8 +318,8 @@
               <a:noFill/>
             </a:ln>
             <a:extLst>
-              <a:ext uri="{91240B29-F687-4f45-9708-019B960494DF}">
-                <a14:hiddenLine xmlns:a14="http://schemas.microsoft.com/office/drawing/2010/main" xmlns="" w="9525">
+              <a:ext uri="{91240B29-F687-4F45-9708-019B960494DF}">
+                <a14:hiddenLine xmlns:a14="http://schemas.microsoft.com/office/drawing/2010/main" w="9525">
                   <a:solidFill>
                     <a:srgbClr val="000000"/>
                   </a:solidFill>
@@ -408,8 +408,8 @@
               <a:noFill/>
             </a:ln>
             <a:extLst>
-              <a:ext uri="{91240B29-F687-4f45-9708-019B960494DF}">
-                <a14:hiddenLine xmlns:a14="http://schemas.microsoft.com/office/drawing/2010/main" xmlns="" w="9525">
+              <a:ext uri="{91240B29-F687-4F45-9708-019B960494DF}">
+                <a14:hiddenLine xmlns:a14="http://schemas.microsoft.com/office/drawing/2010/main" w="9525">
                   <a:solidFill>
                     <a:srgbClr val="000000"/>
                   </a:solidFill>
@@ -442,8 +442,8 @@
               <a:noFill/>
             </a:ln>
             <a:extLst>
-              <a:ext uri="{91240B29-F687-4f45-9708-019B960494DF}">
-                <a14:hiddenLine xmlns:a14="http://schemas.microsoft.com/office/drawing/2010/main" xmlns="" w="9525">
+              <a:ext uri="{91240B29-F687-4F45-9708-019B960494DF}">
+                <a14:hiddenLine xmlns:a14="http://schemas.microsoft.com/office/drawing/2010/main" w="9525">
                   <a:solidFill>
                     <a:srgbClr val="000000"/>
                   </a:solidFill>
@@ -532,8 +532,8 @@
               <a:noFill/>
             </a:ln>
             <a:extLst>
-              <a:ext uri="{91240B29-F687-4f45-9708-019B960494DF}">
-                <a14:hiddenLine xmlns:a14="http://schemas.microsoft.com/office/drawing/2010/main" xmlns="" w="9525">
+              <a:ext uri="{91240B29-F687-4F45-9708-019B960494DF}">
+                <a14:hiddenLine xmlns:a14="http://schemas.microsoft.com/office/drawing/2010/main" w="9525">
                   <a:solidFill>
                     <a:srgbClr val="000000"/>
                   </a:solidFill>
@@ -594,8 +594,8 @@
               <a:noFill/>
             </a:ln>
             <a:extLst>
-              <a:ext uri="{91240B29-F687-4f45-9708-019B960494DF}">
-                <a14:hiddenLine xmlns:a14="http://schemas.microsoft.com/office/drawing/2010/main" xmlns="" w="9525">
+              <a:ext uri="{91240B29-F687-4F45-9708-019B960494DF}">
+                <a14:hiddenLine xmlns:a14="http://schemas.microsoft.com/office/drawing/2010/main" w="9525">
                   <a:solidFill>
                     <a:srgbClr val="000000"/>
                   </a:solidFill>
@@ -656,8 +656,8 @@
               <a:noFill/>
             </a:ln>
             <a:extLst>
-              <a:ext uri="{91240B29-F687-4f45-9708-019B960494DF}">
-                <a14:hiddenLine xmlns:a14="http://schemas.microsoft.com/office/drawing/2010/main" xmlns="" w="9525">
+              <a:ext uri="{91240B29-F687-4F45-9708-019B960494DF}">
+                <a14:hiddenLine xmlns:a14="http://schemas.microsoft.com/office/drawing/2010/main" w="9525">
                   <a:solidFill>
                     <a:srgbClr val="000000"/>
                   </a:solidFill>
@@ -746,8 +746,8 @@
               <a:noFill/>
             </a:ln>
             <a:extLst>
-              <a:ext uri="{91240B29-F687-4f45-9708-019B960494DF}">
-                <a14:hiddenLine xmlns:a14="http://schemas.microsoft.com/office/drawing/2010/main" xmlns="" w="9525">
+              <a:ext uri="{91240B29-F687-4F45-9708-019B960494DF}">
+                <a14:hiddenLine xmlns:a14="http://schemas.microsoft.com/office/drawing/2010/main" w="9525">
                   <a:solidFill>
                     <a:srgbClr val="000000"/>
                   </a:solidFill>
@@ -808,8 +808,8 @@
               <a:noFill/>
             </a:ln>
             <a:extLst>
-              <a:ext uri="{91240B29-F687-4f45-9708-019B960494DF}">
-                <a14:hiddenLine xmlns:a14="http://schemas.microsoft.com/office/drawing/2010/main" xmlns="" w="9525">
+              <a:ext uri="{91240B29-F687-4F45-9708-019B960494DF}">
+                <a14:hiddenLine xmlns:a14="http://schemas.microsoft.com/office/drawing/2010/main" w="9525">
                   <a:solidFill>
                     <a:srgbClr val="000000"/>
                   </a:solidFill>
@@ -870,8 +870,8 @@
               <a:noFill/>
             </a:ln>
             <a:extLst>
-              <a:ext uri="{91240B29-F687-4f45-9708-019B960494DF}">
-                <a14:hiddenLine xmlns:a14="http://schemas.microsoft.com/office/drawing/2010/main" xmlns="" w="9525">
+              <a:ext uri="{91240B29-F687-4F45-9708-019B960494DF}">
+                <a14:hiddenLine xmlns:a14="http://schemas.microsoft.com/office/drawing/2010/main" w="9525">
                   <a:solidFill>
                     <a:srgbClr val="000000"/>
                   </a:solidFill>
@@ -960,8 +960,8 @@
               <a:noFill/>
             </a:ln>
             <a:extLst>
-              <a:ext uri="{91240B29-F687-4f45-9708-019B960494DF}">
-                <a14:hiddenLine xmlns:a14="http://schemas.microsoft.com/office/drawing/2010/main" xmlns="" w="9525">
+              <a:ext uri="{91240B29-F687-4F45-9708-019B960494DF}">
+                <a14:hiddenLine xmlns:a14="http://schemas.microsoft.com/office/drawing/2010/main" w="9525">
                   <a:solidFill>
                     <a:srgbClr val="000000"/>
                   </a:solidFill>
@@ -1050,8 +1050,8 @@
               <a:noFill/>
             </a:ln>
             <a:extLst>
-              <a:ext uri="{91240B29-F687-4f45-9708-019B960494DF}">
-                <a14:hiddenLine xmlns:a14="http://schemas.microsoft.com/office/drawing/2010/main" xmlns="" w="9525">
+              <a:ext uri="{91240B29-F687-4F45-9708-019B960494DF}">
+                <a14:hiddenLine xmlns:a14="http://schemas.microsoft.com/office/drawing/2010/main" w="9525">
                   <a:solidFill>
                     <a:srgbClr val="000000"/>
                   </a:solidFill>
@@ -1112,8 +1112,8 @@
               <a:noFill/>
             </a:ln>
             <a:extLst>
-              <a:ext uri="{91240B29-F687-4f45-9708-019B960494DF}">
-                <a14:hiddenLine xmlns:a14="http://schemas.microsoft.com/office/drawing/2010/main" xmlns="" w="9525">
+              <a:ext uri="{91240B29-F687-4F45-9708-019B960494DF}">
+                <a14:hiddenLine xmlns:a14="http://schemas.microsoft.com/office/drawing/2010/main" w="9525">
                   <a:solidFill>
                     <a:srgbClr val="000000"/>
                   </a:solidFill>
@@ -1222,8 +1222,8 @@
               <a:noFill/>
             </a:ln>
             <a:extLst>
-              <a:ext uri="{91240B29-F687-4f45-9708-019B960494DF}">
-                <a14:hiddenLine xmlns:a14="http://schemas.microsoft.com/office/drawing/2010/main" xmlns="" w="9525">
+              <a:ext uri="{91240B29-F687-4F45-9708-019B960494DF}">
+                <a14:hiddenLine xmlns:a14="http://schemas.microsoft.com/office/drawing/2010/main" w="9525">
                   <a:solidFill>
                     <a:srgbClr val="000000"/>
                   </a:solidFill>
@@ -1284,8 +1284,8 @@
               <a:noFill/>
             </a:ln>
             <a:extLst>
-              <a:ext uri="{91240B29-F687-4f45-9708-019B960494DF}">
-                <a14:hiddenLine xmlns:a14="http://schemas.microsoft.com/office/drawing/2010/main" xmlns="" w="9525">
+              <a:ext uri="{91240B29-F687-4F45-9708-019B960494DF}">
+                <a14:hiddenLine xmlns:a14="http://schemas.microsoft.com/office/drawing/2010/main" w="9525">
                   <a:solidFill>
                     <a:srgbClr val="000000"/>
                   </a:solidFill>
@@ -1374,8 +1374,8 @@
               <a:noFill/>
             </a:ln>
             <a:extLst>
-              <a:ext uri="{91240B29-F687-4f45-9708-019B960494DF}">
-                <a14:hiddenLine xmlns:a14="http://schemas.microsoft.com/office/drawing/2010/main" xmlns="" w="9525">
+              <a:ext uri="{91240B29-F687-4F45-9708-019B960494DF}">
+                <a14:hiddenLine xmlns:a14="http://schemas.microsoft.com/office/drawing/2010/main" w="9525">
                   <a:solidFill>
                     <a:srgbClr val="000000"/>
                   </a:solidFill>
@@ -1464,8 +1464,8 @@
               <a:noFill/>
             </a:ln>
             <a:extLst>
-              <a:ext uri="{91240B29-F687-4f45-9708-019B960494DF}">
-                <a14:hiddenLine xmlns:a14="http://schemas.microsoft.com/office/drawing/2010/main" xmlns="" w="9525">
+              <a:ext uri="{91240B29-F687-4F45-9708-019B960494DF}">
+                <a14:hiddenLine xmlns:a14="http://schemas.microsoft.com/office/drawing/2010/main" w="9525">
                   <a:solidFill>
                     <a:srgbClr val="000000"/>
                   </a:solidFill>
@@ -1526,8 +1526,8 @@
               <a:noFill/>
             </a:ln>
             <a:extLst>
-              <a:ext uri="{91240B29-F687-4f45-9708-019B960494DF}">
-                <a14:hiddenLine xmlns:a14="http://schemas.microsoft.com/office/drawing/2010/main" xmlns="" w="9525">
+              <a:ext uri="{91240B29-F687-4F45-9708-019B960494DF}">
+                <a14:hiddenLine xmlns:a14="http://schemas.microsoft.com/office/drawing/2010/main" w="9525">
                   <a:solidFill>
                     <a:srgbClr val="000000"/>
                   </a:solidFill>
@@ -1616,8 +1616,8 @@
               <a:noFill/>
             </a:ln>
             <a:extLst>
-              <a:ext uri="{91240B29-F687-4f45-9708-019B960494DF}">
-                <a14:hiddenLine xmlns:a14="http://schemas.microsoft.com/office/drawing/2010/main" xmlns="" w="9525">
+              <a:ext uri="{91240B29-F687-4F45-9708-019B960494DF}">
+                <a14:hiddenLine xmlns:a14="http://schemas.microsoft.com/office/drawing/2010/main" w="9525">
                   <a:solidFill>
                     <a:srgbClr val="000000"/>
                   </a:solidFill>
@@ -1706,8 +1706,8 @@
               <a:noFill/>
             </a:ln>
             <a:extLst>
-              <a:ext uri="{91240B29-F687-4f45-9708-019B960494DF}">
-                <a14:hiddenLine xmlns:a14="http://schemas.microsoft.com/office/drawing/2010/main" xmlns="" w="9525">
+              <a:ext uri="{91240B29-F687-4F45-9708-019B960494DF}">
+                <a14:hiddenLine xmlns:a14="http://schemas.microsoft.com/office/drawing/2010/main" w="9525">
                   <a:solidFill>
                     <a:srgbClr val="000000"/>
                   </a:solidFill>
@@ -1762,8 +1762,8 @@
               <a:noFill/>
             </a:ln>
             <a:extLst>
-              <a:ext uri="{91240B29-F687-4f45-9708-019B960494DF}">
-                <a14:hiddenLine xmlns:a14="http://schemas.microsoft.com/office/drawing/2010/main" xmlns="" w="9525">
+              <a:ext uri="{91240B29-F687-4F45-9708-019B960494DF}">
+                <a14:hiddenLine xmlns:a14="http://schemas.microsoft.com/office/drawing/2010/main" w="9525">
                   <a:solidFill>
                     <a:srgbClr val="000000"/>
                   </a:solidFill>
@@ -1852,8 +1852,8 @@
               <a:noFill/>
             </a:ln>
             <a:extLst>
-              <a:ext uri="{91240B29-F687-4f45-9708-019B960494DF}">
-                <a14:hiddenLine xmlns:a14="http://schemas.microsoft.com/office/drawing/2010/main" xmlns="" w="9525">
+              <a:ext uri="{91240B29-F687-4F45-9708-019B960494DF}">
+                <a14:hiddenLine xmlns:a14="http://schemas.microsoft.com/office/drawing/2010/main" w="9525">
                   <a:solidFill>
                     <a:srgbClr val="000000"/>
                   </a:solidFill>
@@ -1908,8 +1908,8 @@
               <a:noFill/>
             </a:ln>
             <a:extLst>
-              <a:ext uri="{91240B29-F687-4f45-9708-019B960494DF}">
-                <a14:hiddenLine xmlns:a14="http://schemas.microsoft.com/office/drawing/2010/main" xmlns="" w="9525">
+              <a:ext uri="{91240B29-F687-4F45-9708-019B960494DF}">
+                <a14:hiddenLine xmlns:a14="http://schemas.microsoft.com/office/drawing/2010/main" w="9525">
                   <a:solidFill>
                     <a:srgbClr val="000000"/>
                   </a:solidFill>
@@ -1998,8 +1998,8 @@
               <a:noFill/>
             </a:ln>
             <a:extLst>
-              <a:ext uri="{91240B29-F687-4f45-9708-019B960494DF}">
-                <a14:hiddenLine xmlns:a14="http://schemas.microsoft.com/office/drawing/2010/main" xmlns="" w="9525">
+              <a:ext uri="{91240B29-F687-4F45-9708-019B960494DF}">
+                <a14:hiddenLine xmlns:a14="http://schemas.microsoft.com/office/drawing/2010/main" w="9525">
                   <a:solidFill>
                     <a:srgbClr val="000000"/>
                   </a:solidFill>
@@ -2066,8 +2066,8 @@
               <a:noFill/>
             </a:ln>
             <a:extLst>
-              <a:ext uri="{91240B29-F687-4f45-9708-019B960494DF}">
-                <a14:hiddenLine xmlns:a14="http://schemas.microsoft.com/office/drawing/2010/main" xmlns="" w="9525">
+              <a:ext uri="{91240B29-F687-4F45-9708-019B960494DF}">
+                <a14:hiddenLine xmlns:a14="http://schemas.microsoft.com/office/drawing/2010/main" w="9525">
                   <a:solidFill>
                     <a:srgbClr val="000000"/>
                   </a:solidFill>
@@ -2156,8 +2156,8 @@
               <a:noFill/>
             </a:ln>
             <a:extLst>
-              <a:ext uri="{91240B29-F687-4f45-9708-019B960494DF}">
-                <a14:hiddenLine xmlns:a14="http://schemas.microsoft.com/office/drawing/2010/main" xmlns="" w="9525">
+              <a:ext uri="{91240B29-F687-4F45-9708-019B960494DF}">
+                <a14:hiddenLine xmlns:a14="http://schemas.microsoft.com/office/drawing/2010/main" w="9525">
                   <a:solidFill>
                     <a:srgbClr val="000000"/>
                   </a:solidFill>
@@ -2224,8 +2224,8 @@
               <a:noFill/>
             </a:ln>
             <a:extLst>
-              <a:ext uri="{91240B29-F687-4f45-9708-019B960494DF}">
-                <a14:hiddenLine xmlns:a14="http://schemas.microsoft.com/office/drawing/2010/main" xmlns="" w="9525">
+              <a:ext uri="{91240B29-F687-4F45-9708-019B960494DF}">
+                <a14:hiddenLine xmlns:a14="http://schemas.microsoft.com/office/drawing/2010/main" w="9525">
                   <a:solidFill>
                     <a:srgbClr val="000000"/>
                   </a:solidFill>
@@ -2314,8 +2314,8 @@
               <a:noFill/>
             </a:ln>
             <a:extLst>
-              <a:ext uri="{91240B29-F687-4f45-9708-019B960494DF}">
-                <a14:hiddenLine xmlns:a14="http://schemas.microsoft.com/office/drawing/2010/main" xmlns="" w="9525">
+              <a:ext uri="{91240B29-F687-4F45-9708-019B960494DF}">
+                <a14:hiddenLine xmlns:a14="http://schemas.microsoft.com/office/drawing/2010/main" w="9525">
                   <a:solidFill>
                     <a:srgbClr val="000000"/>
                   </a:solidFill>
@@ -2348,8 +2348,8 @@
               <a:noFill/>
             </a:ln>
             <a:extLst>
-              <a:ext uri="{91240B29-F687-4f45-9708-019B960494DF}">
-                <a14:hiddenLine xmlns:a14="http://schemas.microsoft.com/office/drawing/2010/main" xmlns="" w="9525">
+              <a:ext uri="{91240B29-F687-4F45-9708-019B960494DF}">
+                <a14:hiddenLine xmlns:a14="http://schemas.microsoft.com/office/drawing/2010/main" w="9525">
                   <a:solidFill>
                     <a:srgbClr val="000000"/>
                   </a:solidFill>
@@ -2438,8 +2438,8 @@
               <a:noFill/>
             </a:ln>
             <a:extLst>
-              <a:ext uri="{91240B29-F687-4f45-9708-019B960494DF}">
-                <a14:hiddenLine xmlns:a14="http://schemas.microsoft.com/office/drawing/2010/main" xmlns="" w="9525">
+              <a:ext uri="{91240B29-F687-4F45-9708-019B960494DF}">
+                <a14:hiddenLine xmlns:a14="http://schemas.microsoft.com/office/drawing/2010/main" w="9525">
                   <a:solidFill>
                     <a:srgbClr val="000000"/>
                   </a:solidFill>
@@ -2500,8 +2500,8 @@
               <a:noFill/>
             </a:ln>
             <a:extLst>
-              <a:ext uri="{91240B29-F687-4f45-9708-019B960494DF}">
-                <a14:hiddenLine xmlns:a14="http://schemas.microsoft.com/office/drawing/2010/main" xmlns="" w="9525">
+              <a:ext uri="{91240B29-F687-4F45-9708-019B960494DF}">
+                <a14:hiddenLine xmlns:a14="http://schemas.microsoft.com/office/drawing/2010/main" w="9525">
                   <a:solidFill>
                     <a:srgbClr val="000000"/>
                   </a:solidFill>
@@ -2562,8 +2562,8 @@
               <a:noFill/>
             </a:ln>
             <a:extLst>
-              <a:ext uri="{91240B29-F687-4f45-9708-019B960494DF}">
-                <a14:hiddenLine xmlns:a14="http://schemas.microsoft.com/office/drawing/2010/main" xmlns="" w="9525">
+              <a:ext uri="{91240B29-F687-4F45-9708-019B960494DF}">
+                <a14:hiddenLine xmlns:a14="http://schemas.microsoft.com/office/drawing/2010/main" w="9525">
                   <a:solidFill>
                     <a:srgbClr val="000000"/>
                   </a:solidFill>
@@ -2652,8 +2652,8 @@
               <a:noFill/>
             </a:ln>
             <a:extLst>
-              <a:ext uri="{91240B29-F687-4f45-9708-019B960494DF}">
-                <a14:hiddenLine xmlns:a14="http://schemas.microsoft.com/office/drawing/2010/main" xmlns="" w="9525">
+              <a:ext uri="{91240B29-F687-4F45-9708-019B960494DF}">
+                <a14:hiddenLine xmlns:a14="http://schemas.microsoft.com/office/drawing/2010/main" w="9525">
                   <a:solidFill>
                     <a:srgbClr val="000000"/>
                   </a:solidFill>
@@ -2720,8 +2720,8 @@
               <a:noFill/>
             </a:ln>
             <a:extLst>
-              <a:ext uri="{91240B29-F687-4f45-9708-019B960494DF}">
-                <a14:hiddenLine xmlns:a14="http://schemas.microsoft.com/office/drawing/2010/main" xmlns="" w="9525">
+              <a:ext uri="{91240B29-F687-4F45-9708-019B960494DF}">
+                <a14:hiddenLine xmlns:a14="http://schemas.microsoft.com/office/drawing/2010/main" w="9525">
                   <a:solidFill>
                     <a:srgbClr val="000000"/>
                   </a:solidFill>
@@ -2782,8 +2782,8 @@
               <a:noFill/>
             </a:ln>
             <a:extLst>
-              <a:ext uri="{91240B29-F687-4f45-9708-019B960494DF}">
-                <a14:hiddenLine xmlns:a14="http://schemas.microsoft.com/office/drawing/2010/main" xmlns="" w="9525">
+              <a:ext uri="{91240B29-F687-4F45-9708-019B960494DF}">
+                <a14:hiddenLine xmlns:a14="http://schemas.microsoft.com/office/drawing/2010/main" w="9525">
                   <a:solidFill>
                     <a:srgbClr val="000000"/>
                   </a:solidFill>
@@ -2872,8 +2872,8 @@
               <a:noFill/>
             </a:ln>
             <a:extLst>
-              <a:ext uri="{91240B29-F687-4f45-9708-019B960494DF}">
-                <a14:hiddenLine xmlns:a14="http://schemas.microsoft.com/office/drawing/2010/main" xmlns="" w="9525">
+              <a:ext uri="{91240B29-F687-4F45-9708-019B960494DF}">
+                <a14:hiddenLine xmlns:a14="http://schemas.microsoft.com/office/drawing/2010/main" w="9525">
                   <a:solidFill>
                     <a:srgbClr val="000000"/>
                   </a:solidFill>
@@ -2934,8 +2934,8 @@
               <a:noFill/>
             </a:ln>
             <a:extLst>
-              <a:ext uri="{91240B29-F687-4f45-9708-019B960494DF}">
-                <a14:hiddenLine xmlns:a14="http://schemas.microsoft.com/office/drawing/2010/main" xmlns="" w="9525">
+              <a:ext uri="{91240B29-F687-4F45-9708-019B960494DF}">
+                <a14:hiddenLine xmlns:a14="http://schemas.microsoft.com/office/drawing/2010/main" w="9525">
                   <a:solidFill>
                     <a:srgbClr val="000000"/>
                   </a:solidFill>
@@ -3024,8 +3024,8 @@
               <a:noFill/>
             </a:ln>
             <a:extLst>
-              <a:ext uri="{91240B29-F687-4f45-9708-019B960494DF}">
-                <a14:hiddenLine xmlns:a14="http://schemas.microsoft.com/office/drawing/2010/main" xmlns="" w="9525">
+              <a:ext uri="{91240B29-F687-4F45-9708-019B960494DF}">
+                <a14:hiddenLine xmlns:a14="http://schemas.microsoft.com/office/drawing/2010/main" w="9525">
                   <a:solidFill>
                     <a:srgbClr val="000000"/>
                   </a:solidFill>
@@ -3086,8 +3086,8 @@
               <a:noFill/>
             </a:ln>
             <a:extLst>
-              <a:ext uri="{91240B29-F687-4f45-9708-019B960494DF}">
-                <a14:hiddenLine xmlns:a14="http://schemas.microsoft.com/office/drawing/2010/main" xmlns="" w="9525">
+              <a:ext uri="{91240B29-F687-4F45-9708-019B960494DF}">
+                <a14:hiddenLine xmlns:a14="http://schemas.microsoft.com/office/drawing/2010/main" w="9525">
                   <a:solidFill>
                     <a:srgbClr val="000000"/>
                   </a:solidFill>
@@ -3176,8 +3176,8 @@
               <a:noFill/>
             </a:ln>
             <a:extLst>
-              <a:ext uri="{91240B29-F687-4f45-9708-019B960494DF}">
-                <a14:hiddenLine xmlns:a14="http://schemas.microsoft.com/office/drawing/2010/main" xmlns="" w="9525">
+              <a:ext uri="{91240B29-F687-4F45-9708-019B960494DF}">
+                <a14:hiddenLine xmlns:a14="http://schemas.microsoft.com/office/drawing/2010/main" w="9525">
                   <a:solidFill>
                     <a:srgbClr val="000000"/>
                   </a:solidFill>
@@ -3210,8 +3210,8 @@
               <a:noFill/>
             </a:ln>
             <a:extLst>
-              <a:ext uri="{91240B29-F687-4f45-9708-019B960494DF}">
-                <a14:hiddenLine xmlns:a14="http://schemas.microsoft.com/office/drawing/2010/main" xmlns="" w="9525">
+              <a:ext uri="{91240B29-F687-4F45-9708-019B960494DF}">
+                <a14:hiddenLine xmlns:a14="http://schemas.microsoft.com/office/drawing/2010/main" w="9525">
                   <a:solidFill>
                     <a:srgbClr val="000000"/>
                   </a:solidFill>
@@ -3275,8 +3275,8 @@
               <a:noFill/>
             </a:ln>
             <a:extLst>
-              <a:ext uri="{91240B29-F687-4f45-9708-019B960494DF}">
-                <a14:hiddenLine xmlns:a14="http://schemas.microsoft.com/office/drawing/2010/main" xmlns="" w="9525">
+              <a:ext uri="{91240B29-F687-4F45-9708-019B960494DF}">
+                <a14:hiddenLine xmlns:a14="http://schemas.microsoft.com/office/drawing/2010/main" w="9525">
                   <a:solidFill>
                     <a:srgbClr val="000000"/>
                   </a:solidFill>
@@ -3365,8 +3365,8 @@
               <a:noFill/>
             </a:ln>
             <a:extLst>
-              <a:ext uri="{91240B29-F687-4f45-9708-019B960494DF}">
-                <a14:hiddenLine xmlns:a14="http://schemas.microsoft.com/office/drawing/2010/main" xmlns="" w="9525">
+              <a:ext uri="{91240B29-F687-4F45-9708-019B960494DF}">
+                <a14:hiddenLine xmlns:a14="http://schemas.microsoft.com/office/drawing/2010/main" w="9525">
                   <a:solidFill>
                     <a:srgbClr val="000000"/>
                   </a:solidFill>
@@ -3427,8 +3427,8 @@
               <a:noFill/>
             </a:ln>
             <a:extLst>
-              <a:ext uri="{91240B29-F687-4f45-9708-019B960494DF}">
-                <a14:hiddenLine xmlns:a14="http://schemas.microsoft.com/office/drawing/2010/main" xmlns="" w="9525">
+              <a:ext uri="{91240B29-F687-4F45-9708-019B960494DF}">
+                <a14:hiddenLine xmlns:a14="http://schemas.microsoft.com/office/drawing/2010/main" w="9525">
                   <a:solidFill>
                     <a:srgbClr val="000000"/>
                   </a:solidFill>
@@ -3517,8 +3517,8 @@
               <a:noFill/>
             </a:ln>
             <a:extLst>
-              <a:ext uri="{91240B29-F687-4f45-9708-019B960494DF}">
-                <a14:hiddenLine xmlns:a14="http://schemas.microsoft.com/office/drawing/2010/main" xmlns="" w="9525">
+              <a:ext uri="{91240B29-F687-4F45-9708-019B960494DF}">
+                <a14:hiddenLine xmlns:a14="http://schemas.microsoft.com/office/drawing/2010/main" w="9525">
                   <a:solidFill>
                     <a:srgbClr val="000000"/>
                   </a:solidFill>
@@ -3607,8 +3607,8 @@
               <a:noFill/>
             </a:ln>
             <a:extLst>
-              <a:ext uri="{91240B29-F687-4f45-9708-019B960494DF}">
-                <a14:hiddenLine xmlns:a14="http://schemas.microsoft.com/office/drawing/2010/main" xmlns="" w="9525">
+              <a:ext uri="{91240B29-F687-4F45-9708-019B960494DF}">
+                <a14:hiddenLine xmlns:a14="http://schemas.microsoft.com/office/drawing/2010/main" w="9525">
                   <a:solidFill>
                     <a:srgbClr val="000000"/>
                   </a:solidFill>
@@ -3672,8 +3672,8 @@
               <a:noFill/>
             </a:ln>
             <a:extLst>
-              <a:ext uri="{91240B29-F687-4f45-9708-019B960494DF}">
-                <a14:hiddenLine xmlns:a14="http://schemas.microsoft.com/office/drawing/2010/main" xmlns="" w="9525">
+              <a:ext uri="{91240B29-F687-4F45-9708-019B960494DF}">
+                <a14:hiddenLine xmlns:a14="http://schemas.microsoft.com/office/drawing/2010/main" w="9525">
                   <a:solidFill>
                     <a:srgbClr val="000000"/>
                   </a:solidFill>
@@ -3734,8 +3734,8 @@
               <a:noFill/>
             </a:ln>
             <a:extLst>
-              <a:ext uri="{91240B29-F687-4f45-9708-019B960494DF}">
-                <a14:hiddenLine xmlns:a14="http://schemas.microsoft.com/office/drawing/2010/main" xmlns="" w="9525">
+              <a:ext uri="{91240B29-F687-4F45-9708-019B960494DF}">
+                <a14:hiddenLine xmlns:a14="http://schemas.microsoft.com/office/drawing/2010/main" w="9525">
                   <a:solidFill>
                     <a:srgbClr val="000000"/>
                   </a:solidFill>
@@ -3824,8 +3824,8 @@
               <a:noFill/>
             </a:ln>
             <a:extLst>
-              <a:ext uri="{91240B29-F687-4f45-9708-019B960494DF}">
-                <a14:hiddenLine xmlns:a14="http://schemas.microsoft.com/office/drawing/2010/main" xmlns="" w="9525">
+              <a:ext uri="{91240B29-F687-4F45-9708-019B960494DF}">
+                <a14:hiddenLine xmlns:a14="http://schemas.microsoft.com/office/drawing/2010/main" w="9525">
                   <a:solidFill>
                     <a:srgbClr val="000000"/>
                   </a:solidFill>
@@ -3914,8 +3914,8 @@
               <a:noFill/>
             </a:ln>
             <a:extLst>
-              <a:ext uri="{91240B29-F687-4f45-9708-019B960494DF}">
-                <a14:hiddenLine xmlns:a14="http://schemas.microsoft.com/office/drawing/2010/main" xmlns="" w="9525">
+              <a:ext uri="{91240B29-F687-4F45-9708-019B960494DF}">
+                <a14:hiddenLine xmlns:a14="http://schemas.microsoft.com/office/drawing/2010/main" w="9525">
                   <a:solidFill>
                     <a:srgbClr val="000000"/>
                   </a:solidFill>
@@ -3976,8 +3976,8 @@
               <a:noFill/>
             </a:ln>
             <a:extLst>
-              <a:ext uri="{91240B29-F687-4f45-9708-019B960494DF}">
-                <a14:hiddenLine xmlns:a14="http://schemas.microsoft.com/office/drawing/2010/main" xmlns="" w="9525">
+              <a:ext uri="{91240B29-F687-4F45-9708-019B960494DF}">
+                <a14:hiddenLine xmlns:a14="http://schemas.microsoft.com/office/drawing/2010/main" w="9525">
                   <a:solidFill>
                     <a:srgbClr val="000000"/>
                   </a:solidFill>
@@ -4096,8 +4096,8 @@
               <a:noFill/>
             </a:ln>
             <a:extLst>
-              <a:ext uri="{91240B29-F687-4f45-9708-019B960494DF}">
-                <a14:hiddenLine xmlns:a14="http://schemas.microsoft.com/office/drawing/2010/main" xmlns="" w="9525">
+              <a:ext uri="{91240B29-F687-4F45-9708-019B960494DF}">
+                <a14:hiddenLine xmlns:a14="http://schemas.microsoft.com/office/drawing/2010/main" w="9525">
                   <a:solidFill>
                     <a:srgbClr val="000000"/>
                   </a:solidFill>
@@ -4164,8 +4164,8 @@
               <a:noFill/>
             </a:ln>
             <a:extLst>
-              <a:ext uri="{91240B29-F687-4f45-9708-019B960494DF}">
-                <a14:hiddenLine xmlns:a14="http://schemas.microsoft.com/office/drawing/2010/main" xmlns="" w="9525">
+              <a:ext uri="{91240B29-F687-4F45-9708-019B960494DF}">
+                <a14:hiddenLine xmlns:a14="http://schemas.microsoft.com/office/drawing/2010/main" w="9525">
                   <a:solidFill>
                     <a:srgbClr val="000000"/>
                   </a:solidFill>
@@ -4254,8 +4254,8 @@
               <a:noFill/>
             </a:ln>
             <a:extLst>
-              <a:ext uri="{91240B29-F687-4f45-9708-019B960494DF}">
-                <a14:hiddenLine xmlns:a14="http://schemas.microsoft.com/office/drawing/2010/main" xmlns="" w="9525">
+              <a:ext uri="{91240B29-F687-4F45-9708-019B960494DF}">
+                <a14:hiddenLine xmlns:a14="http://schemas.microsoft.com/office/drawing/2010/main" w="9525">
                   <a:solidFill>
                     <a:srgbClr val="000000"/>
                   </a:solidFill>
@@ -4395,7 +4395,7 @@
           <a:p>
             <a:fld id="{48A87A34-81AB-432B-8DAE-1953F412C126}" type="datetimeFigureOut">
               <a:rPr lang="en-US" dirty="0"/>
-              <a:t>3/6/2014</a:t>
+              <a:t>3/18/2014</a:t>
             </a:fld>
             <a:endParaRPr lang="en-US" dirty="0"/>
           </a:p>
@@ -4657,7 +4657,7 @@
           <a:p>
             <a:fld id="{48A87A34-81AB-432B-8DAE-1953F412C126}" type="datetimeFigureOut">
               <a:rPr lang="en-US" dirty="0"/>
-              <a:t>3/6/2014</a:t>
+              <a:t>3/18/2014</a:t>
             </a:fld>
             <a:endParaRPr lang="en-US" dirty="0"/>
           </a:p>
@@ -4848,7 +4848,7 @@
           <a:p>
             <a:fld id="{48A87A34-81AB-432B-8DAE-1953F412C126}" type="datetimeFigureOut">
               <a:rPr lang="en-US" dirty="0"/>
-              <a:t>3/6/2014</a:t>
+              <a:t>3/18/2014</a:t>
             </a:fld>
             <a:endParaRPr lang="en-US" dirty="0"/>
           </a:p>
@@ -5106,7 +5106,7 @@
           <a:p>
             <a:fld id="{48A87A34-81AB-432B-8DAE-1953F412C126}" type="datetimeFigureOut">
               <a:rPr lang="en-US" dirty="0"/>
-              <a:t>3/6/2014</a:t>
+              <a:t>3/18/2014</a:t>
             </a:fld>
             <a:endParaRPr lang="en-US" dirty="0"/>
           </a:p>
@@ -5535,7 +5535,7 @@
           <a:p>
             <a:fld id="{48A87A34-81AB-432B-8DAE-1953F412C126}" type="datetimeFigureOut">
               <a:rPr lang="en-US" dirty="0"/>
-              <a:t>3/6/2014</a:t>
+              <a:t>3/18/2014</a:t>
             </a:fld>
             <a:endParaRPr lang="en-US" dirty="0"/>
           </a:p>
@@ -6076,7 +6076,7 @@
           <a:p>
             <a:fld id="{48A87A34-81AB-432B-8DAE-1953F412C126}" type="datetimeFigureOut">
               <a:rPr lang="en-US" dirty="0"/>
-              <a:t>3/6/2014</a:t>
+              <a:t>3/18/2014</a:t>
             </a:fld>
             <a:endParaRPr lang="en-US" dirty="0"/>
           </a:p>
@@ -6791,7 +6791,7 @@
           <a:p>
             <a:fld id="{48A87A34-81AB-432B-8DAE-1953F412C126}" type="datetimeFigureOut">
               <a:rPr lang="en-US" dirty="0"/>
-              <a:t>3/6/2014</a:t>
+              <a:t>3/18/2014</a:t>
             </a:fld>
             <a:endParaRPr lang="en-US" dirty="0"/>
           </a:p>
@@ -6956,7 +6956,7 @@
           <a:p>
             <a:fld id="{48A87A34-81AB-432B-8DAE-1953F412C126}" type="datetimeFigureOut">
               <a:rPr lang="en-US" dirty="0"/>
-              <a:t>3/6/2014</a:t>
+              <a:t>3/18/2014</a:t>
             </a:fld>
             <a:endParaRPr lang="en-US" dirty="0"/>
           </a:p>
@@ -7131,7 +7131,7 @@
           <a:p>
             <a:fld id="{48A87A34-81AB-432B-8DAE-1953F412C126}" type="datetimeFigureOut">
               <a:rPr lang="en-US" dirty="0"/>
-              <a:t>3/6/2014</a:t>
+              <a:t>3/18/2014</a:t>
             </a:fld>
             <a:endParaRPr lang="en-US" dirty="0"/>
           </a:p>
@@ -7296,7 +7296,7 @@
           <a:p>
             <a:fld id="{48A87A34-81AB-432B-8DAE-1953F412C126}" type="datetimeFigureOut">
               <a:rPr lang="en-US" dirty="0"/>
-              <a:t>3/6/2014</a:t>
+              <a:t>3/18/2014</a:t>
             </a:fld>
             <a:endParaRPr lang="en-US" dirty="0"/>
           </a:p>
@@ -7541,7 +7541,7 @@
           <a:p>
             <a:fld id="{48A87A34-81AB-432B-8DAE-1953F412C126}" type="datetimeFigureOut">
               <a:rPr lang="en-US" dirty="0"/>
-              <a:t>3/6/2014</a:t>
+              <a:t>3/18/2014</a:t>
             </a:fld>
             <a:endParaRPr lang="en-US" dirty="0"/>
           </a:p>
@@ -7768,7 +7768,7 @@
           <a:p>
             <a:fld id="{48A87A34-81AB-432B-8DAE-1953F412C126}" type="datetimeFigureOut">
               <a:rPr lang="en-US" dirty="0"/>
-              <a:t>3/6/2014</a:t>
+              <a:t>3/18/2014</a:t>
             </a:fld>
             <a:endParaRPr lang="en-US" dirty="0"/>
           </a:p>
@@ -8144,7 +8144,7 @@
           <a:p>
             <a:fld id="{48A87A34-81AB-432B-8DAE-1953F412C126}" type="datetimeFigureOut">
               <a:rPr lang="en-US" dirty="0"/>
-              <a:t>3/6/2014</a:t>
+              <a:t>3/18/2014</a:t>
             </a:fld>
             <a:endParaRPr lang="en-US" dirty="0"/>
           </a:p>
@@ -8257,7 +8257,7 @@
           <a:p>
             <a:fld id="{48A87A34-81AB-432B-8DAE-1953F412C126}" type="datetimeFigureOut">
               <a:rPr lang="en-US" dirty="0"/>
-              <a:t>3/6/2014</a:t>
+              <a:t>3/18/2014</a:t>
             </a:fld>
             <a:endParaRPr lang="en-US" dirty="0"/>
           </a:p>
@@ -8347,7 +8347,7 @@
           <a:p>
             <a:fld id="{48A87A34-81AB-432B-8DAE-1953F412C126}" type="datetimeFigureOut">
               <a:rPr lang="en-US" dirty="0"/>
-              <a:t>3/6/2014</a:t>
+              <a:t>3/18/2014</a:t>
             </a:fld>
             <a:endParaRPr lang="en-US" dirty="0"/>
           </a:p>
@@ -8591,7 +8591,7 @@
           <a:p>
             <a:fld id="{48A87A34-81AB-432B-8DAE-1953F412C126}" type="datetimeFigureOut">
               <a:rPr lang="en-US" dirty="0"/>
-              <a:t>3/6/2014</a:t>
+              <a:t>3/18/2014</a:t>
             </a:fld>
             <a:endParaRPr lang="en-US" dirty="0"/>
           </a:p>
@@ -8866,7 +8866,7 @@
           <a:p>
             <a:fld id="{48A87A34-81AB-432B-8DAE-1953F412C126}" type="datetimeFigureOut">
               <a:rPr lang="en-US" dirty="0"/>
-              <a:t>3/6/2014</a:t>
+              <a:t>3/18/2014</a:t>
             </a:fld>
             <a:endParaRPr lang="en-US" dirty="0"/>
           </a:p>
@@ -8983,8 +8983,8 @@
           </a:prstGeom>
           <a:noFill/>
           <a:extLst>
-            <a:ext uri="{909E8E84-426E-40dd-AFC4-6F175D3DCCD1}">
-              <a14:hiddenFill xmlns:a14="http://schemas.microsoft.com/office/drawing/2010/main" xmlns="">
+            <a:ext uri="{909E8E84-426E-40DD-AFC4-6F175D3DCCD1}">
+              <a14:hiddenFill xmlns:a14="http://schemas.microsoft.com/office/drawing/2010/main">
                 <a:solidFill>
                   <a:srgbClr val="FFFFFF"/>
                 </a:solidFill>
@@ -9057,8 +9057,8 @@
                 <a:noFill/>
               </a:ln>
               <a:extLst>
-                <a:ext uri="{91240B29-F687-4f45-9708-019B960494DF}">
-                  <a14:hiddenLine xmlns:a14="http://schemas.microsoft.com/office/drawing/2010/main" xmlns="" w="9525">
+                <a:ext uri="{91240B29-F687-4F45-9708-019B960494DF}">
+                  <a14:hiddenLine xmlns:a14="http://schemas.microsoft.com/office/drawing/2010/main" w="9525">
                     <a:solidFill>
                       <a:srgbClr val="000000"/>
                     </a:solidFill>
@@ -9147,8 +9147,8 @@
                 <a:noFill/>
               </a:ln>
               <a:extLst>
-                <a:ext uri="{91240B29-F687-4f45-9708-019B960494DF}">
-                  <a14:hiddenLine xmlns:a14="http://schemas.microsoft.com/office/drawing/2010/main" xmlns="" w="9525">
+                <a:ext uri="{91240B29-F687-4F45-9708-019B960494DF}">
+                  <a14:hiddenLine xmlns:a14="http://schemas.microsoft.com/office/drawing/2010/main" w="9525">
                     <a:solidFill>
                       <a:srgbClr val="000000"/>
                     </a:solidFill>
@@ -9237,8 +9237,8 @@
                 <a:noFill/>
               </a:ln>
               <a:extLst>
-                <a:ext uri="{91240B29-F687-4f45-9708-019B960494DF}">
-                  <a14:hiddenLine xmlns:a14="http://schemas.microsoft.com/office/drawing/2010/main" xmlns="" w="9525">
+                <a:ext uri="{91240B29-F687-4F45-9708-019B960494DF}">
+                  <a14:hiddenLine xmlns:a14="http://schemas.microsoft.com/office/drawing/2010/main" w="9525">
                     <a:solidFill>
                       <a:srgbClr val="000000"/>
                     </a:solidFill>
@@ -9299,8 +9299,8 @@
                 <a:noFill/>
               </a:ln>
               <a:extLst>
-                <a:ext uri="{91240B29-F687-4f45-9708-019B960494DF}">
-                  <a14:hiddenLine xmlns:a14="http://schemas.microsoft.com/office/drawing/2010/main" xmlns="" w="9525">
+                <a:ext uri="{91240B29-F687-4F45-9708-019B960494DF}">
+                  <a14:hiddenLine xmlns:a14="http://schemas.microsoft.com/office/drawing/2010/main" w="9525">
                     <a:solidFill>
                       <a:srgbClr val="000000"/>
                     </a:solidFill>
@@ -9389,8 +9389,8 @@
                 <a:noFill/>
               </a:ln>
               <a:extLst>
-                <a:ext uri="{91240B29-F687-4f45-9708-019B960494DF}">
-                  <a14:hiddenLine xmlns:a14="http://schemas.microsoft.com/office/drawing/2010/main" xmlns="" w="9525">
+                <a:ext uri="{91240B29-F687-4F45-9708-019B960494DF}">
+                  <a14:hiddenLine xmlns:a14="http://schemas.microsoft.com/office/drawing/2010/main" w="9525">
                     <a:solidFill>
                       <a:srgbClr val="000000"/>
                     </a:solidFill>
@@ -9451,8 +9451,8 @@
                 <a:noFill/>
               </a:ln>
               <a:extLst>
-                <a:ext uri="{91240B29-F687-4f45-9708-019B960494DF}">
-                  <a14:hiddenLine xmlns:a14="http://schemas.microsoft.com/office/drawing/2010/main" xmlns="" w="9525">
+                <a:ext uri="{91240B29-F687-4F45-9708-019B960494DF}">
+                  <a14:hiddenLine xmlns:a14="http://schemas.microsoft.com/office/drawing/2010/main" w="9525">
                     <a:solidFill>
                       <a:srgbClr val="000000"/>
                     </a:solidFill>
@@ -9513,8 +9513,8 @@
                 <a:noFill/>
               </a:ln>
               <a:extLst>
-                <a:ext uri="{91240B29-F687-4f45-9708-019B960494DF}">
-                  <a14:hiddenLine xmlns:a14="http://schemas.microsoft.com/office/drawing/2010/main" xmlns="" w="9525">
+                <a:ext uri="{91240B29-F687-4F45-9708-019B960494DF}">
+                  <a14:hiddenLine xmlns:a14="http://schemas.microsoft.com/office/drawing/2010/main" w="9525">
                     <a:solidFill>
                       <a:srgbClr val="000000"/>
                     </a:solidFill>
@@ -9603,8 +9603,8 @@
                 <a:noFill/>
               </a:ln>
               <a:extLst>
-                <a:ext uri="{91240B29-F687-4f45-9708-019B960494DF}">
-                  <a14:hiddenLine xmlns:a14="http://schemas.microsoft.com/office/drawing/2010/main" xmlns="" w="9525">
+                <a:ext uri="{91240B29-F687-4F45-9708-019B960494DF}">
+                  <a14:hiddenLine xmlns:a14="http://schemas.microsoft.com/office/drawing/2010/main" w="9525">
                     <a:solidFill>
                       <a:srgbClr val="000000"/>
                     </a:solidFill>
@@ -9693,8 +9693,8 @@
                 <a:noFill/>
               </a:ln>
               <a:extLst>
-                <a:ext uri="{91240B29-F687-4f45-9708-019B960494DF}">
-                  <a14:hiddenLine xmlns:a14="http://schemas.microsoft.com/office/drawing/2010/main" xmlns="" w="9525">
+                <a:ext uri="{91240B29-F687-4F45-9708-019B960494DF}">
+                  <a14:hiddenLine xmlns:a14="http://schemas.microsoft.com/office/drawing/2010/main" w="9525">
                     <a:solidFill>
                       <a:srgbClr val="000000"/>
                     </a:solidFill>
@@ -9755,8 +9755,8 @@
                 <a:noFill/>
               </a:ln>
               <a:extLst>
-                <a:ext uri="{91240B29-F687-4f45-9708-019B960494DF}">
-                  <a14:hiddenLine xmlns:a14="http://schemas.microsoft.com/office/drawing/2010/main" xmlns="" w="9525">
+                <a:ext uri="{91240B29-F687-4F45-9708-019B960494DF}">
+                  <a14:hiddenLine xmlns:a14="http://schemas.microsoft.com/office/drawing/2010/main" w="9525">
                     <a:solidFill>
                       <a:srgbClr val="000000"/>
                     </a:solidFill>
@@ -9865,8 +9865,8 @@
                 <a:noFill/>
               </a:ln>
               <a:extLst>
-                <a:ext uri="{91240B29-F687-4f45-9708-019B960494DF}">
-                  <a14:hiddenLine xmlns:a14="http://schemas.microsoft.com/office/drawing/2010/main" xmlns="" w="9525">
+                <a:ext uri="{91240B29-F687-4F45-9708-019B960494DF}">
+                  <a14:hiddenLine xmlns:a14="http://schemas.microsoft.com/office/drawing/2010/main" w="9525">
                     <a:solidFill>
                       <a:srgbClr val="000000"/>
                     </a:solidFill>
@@ -9949,8 +9949,8 @@
                 <a:noFill/>
               </a:ln>
               <a:extLst>
-                <a:ext uri="{91240B29-F687-4f45-9708-019B960494DF}">
-                  <a14:hiddenLine xmlns:a14="http://schemas.microsoft.com/office/drawing/2010/main" xmlns="" w="9525">
+                <a:ext uri="{91240B29-F687-4F45-9708-019B960494DF}">
+                  <a14:hiddenLine xmlns:a14="http://schemas.microsoft.com/office/drawing/2010/main" w="9525">
                     <a:solidFill>
                       <a:srgbClr val="000000"/>
                     </a:solidFill>
@@ -10011,8 +10011,8 @@
                 <a:noFill/>
               </a:ln>
               <a:extLst>
-                <a:ext uri="{91240B29-F687-4f45-9708-019B960494DF}">
-                  <a14:hiddenLine xmlns:a14="http://schemas.microsoft.com/office/drawing/2010/main" xmlns="" w="9525">
+                <a:ext uri="{91240B29-F687-4F45-9708-019B960494DF}">
+                  <a14:hiddenLine xmlns:a14="http://schemas.microsoft.com/office/drawing/2010/main" w="9525">
                     <a:solidFill>
                       <a:srgbClr val="000000"/>
                     </a:solidFill>
@@ -10073,8 +10073,8 @@
                 <a:noFill/>
               </a:ln>
               <a:extLst>
-                <a:ext uri="{91240B29-F687-4f45-9708-019B960494DF}">
-                  <a14:hiddenLine xmlns:a14="http://schemas.microsoft.com/office/drawing/2010/main" xmlns="" w="9525">
+                <a:ext uri="{91240B29-F687-4F45-9708-019B960494DF}">
+                  <a14:hiddenLine xmlns:a14="http://schemas.microsoft.com/office/drawing/2010/main" w="9525">
                     <a:solidFill>
                       <a:srgbClr val="000000"/>
                     </a:solidFill>
@@ -10163,8 +10163,8 @@
                 <a:noFill/>
               </a:ln>
               <a:extLst>
-                <a:ext uri="{91240B29-F687-4f45-9708-019B960494DF}">
-                  <a14:hiddenLine xmlns:a14="http://schemas.microsoft.com/office/drawing/2010/main" xmlns="" w="9525">
+                <a:ext uri="{91240B29-F687-4F45-9708-019B960494DF}">
+                  <a14:hiddenLine xmlns:a14="http://schemas.microsoft.com/office/drawing/2010/main" w="9525">
                     <a:solidFill>
                       <a:srgbClr val="000000"/>
                     </a:solidFill>
@@ -10197,8 +10197,8 @@
                 <a:noFill/>
               </a:ln>
               <a:extLst>
-                <a:ext uri="{91240B29-F687-4f45-9708-019B960494DF}">
-                  <a14:hiddenLine xmlns:a14="http://schemas.microsoft.com/office/drawing/2010/main" xmlns="" w="9525">
+                <a:ext uri="{91240B29-F687-4F45-9708-019B960494DF}">
+                  <a14:hiddenLine xmlns:a14="http://schemas.microsoft.com/office/drawing/2010/main" w="9525">
                     <a:solidFill>
                       <a:srgbClr val="000000"/>
                     </a:solidFill>
@@ -10262,8 +10262,8 @@
                 <a:noFill/>
               </a:ln>
               <a:extLst>
-                <a:ext uri="{91240B29-F687-4f45-9708-019B960494DF}">
-                  <a14:hiddenLine xmlns:a14="http://schemas.microsoft.com/office/drawing/2010/main" xmlns="" w="9525">
+                <a:ext uri="{91240B29-F687-4F45-9708-019B960494DF}">
+                  <a14:hiddenLine xmlns:a14="http://schemas.microsoft.com/office/drawing/2010/main" w="9525">
                     <a:solidFill>
                       <a:srgbClr val="000000"/>
                     </a:solidFill>
@@ -10352,8 +10352,8 @@
                 <a:noFill/>
               </a:ln>
               <a:extLst>
-                <a:ext uri="{91240B29-F687-4f45-9708-019B960494DF}">
-                  <a14:hiddenLine xmlns:a14="http://schemas.microsoft.com/office/drawing/2010/main" xmlns="" w="9525">
+                <a:ext uri="{91240B29-F687-4F45-9708-019B960494DF}">
+                  <a14:hiddenLine xmlns:a14="http://schemas.microsoft.com/office/drawing/2010/main" w="9525">
                     <a:solidFill>
                       <a:srgbClr val="000000"/>
                     </a:solidFill>
@@ -10414,8 +10414,8 @@
                 <a:noFill/>
               </a:ln>
               <a:extLst>
-                <a:ext uri="{91240B29-F687-4f45-9708-019B960494DF}">
-                  <a14:hiddenLine xmlns:a14="http://schemas.microsoft.com/office/drawing/2010/main" xmlns="" w="9525">
+                <a:ext uri="{91240B29-F687-4F45-9708-019B960494DF}">
+                  <a14:hiddenLine xmlns:a14="http://schemas.microsoft.com/office/drawing/2010/main" w="9525">
                     <a:solidFill>
                       <a:srgbClr val="000000"/>
                     </a:solidFill>
@@ -10504,8 +10504,8 @@
                 <a:noFill/>
               </a:ln>
               <a:extLst>
-                <a:ext uri="{91240B29-F687-4f45-9708-019B960494DF}">
-                  <a14:hiddenLine xmlns:a14="http://schemas.microsoft.com/office/drawing/2010/main" xmlns="" w="9525">
+                <a:ext uri="{91240B29-F687-4F45-9708-019B960494DF}">
+                  <a14:hiddenLine xmlns:a14="http://schemas.microsoft.com/office/drawing/2010/main" w="9525">
                     <a:solidFill>
                       <a:srgbClr val="000000"/>
                     </a:solidFill>
@@ -10569,8 +10569,8 @@
                 <a:noFill/>
               </a:ln>
               <a:extLst>
-                <a:ext uri="{91240B29-F687-4f45-9708-019B960494DF}">
-                  <a14:hiddenLine xmlns:a14="http://schemas.microsoft.com/office/drawing/2010/main" xmlns="" w="9525">
+                <a:ext uri="{91240B29-F687-4F45-9708-019B960494DF}">
+                  <a14:hiddenLine xmlns:a14="http://schemas.microsoft.com/office/drawing/2010/main" w="9525">
                     <a:solidFill>
                       <a:srgbClr val="000000"/>
                     </a:solidFill>
@@ -10631,8 +10631,8 @@
                 <a:noFill/>
               </a:ln>
               <a:extLst>
-                <a:ext uri="{91240B29-F687-4f45-9708-019B960494DF}">
-                  <a14:hiddenLine xmlns:a14="http://schemas.microsoft.com/office/drawing/2010/main" xmlns="" w="9525">
+                <a:ext uri="{91240B29-F687-4F45-9708-019B960494DF}">
+                  <a14:hiddenLine xmlns:a14="http://schemas.microsoft.com/office/drawing/2010/main" w="9525">
                     <a:solidFill>
                       <a:srgbClr val="000000"/>
                     </a:solidFill>
@@ -10721,8 +10721,8 @@
                 <a:noFill/>
               </a:ln>
               <a:extLst>
-                <a:ext uri="{91240B29-F687-4f45-9708-019B960494DF}">
-                  <a14:hiddenLine xmlns:a14="http://schemas.microsoft.com/office/drawing/2010/main" xmlns="" w="9525">
+                <a:ext uri="{91240B29-F687-4F45-9708-019B960494DF}">
+                  <a14:hiddenLine xmlns:a14="http://schemas.microsoft.com/office/drawing/2010/main" w="9525">
                     <a:solidFill>
                       <a:srgbClr val="000000"/>
                     </a:solidFill>
@@ -10811,8 +10811,8 @@
                 <a:noFill/>
               </a:ln>
               <a:extLst>
-                <a:ext uri="{91240B29-F687-4f45-9708-019B960494DF}">
-                  <a14:hiddenLine xmlns:a14="http://schemas.microsoft.com/office/drawing/2010/main" xmlns="" w="9525">
+                <a:ext uri="{91240B29-F687-4F45-9708-019B960494DF}">
+                  <a14:hiddenLine xmlns:a14="http://schemas.microsoft.com/office/drawing/2010/main" w="9525">
                     <a:solidFill>
                       <a:srgbClr val="000000"/>
                     </a:solidFill>
@@ -10876,8 +10876,8 @@
                 <a:noFill/>
               </a:ln>
               <a:extLst>
-                <a:ext uri="{91240B29-F687-4f45-9708-019B960494DF}">
-                  <a14:hiddenLine xmlns:a14="http://schemas.microsoft.com/office/drawing/2010/main" xmlns="" w="9525">
+                <a:ext uri="{91240B29-F687-4F45-9708-019B960494DF}">
+                  <a14:hiddenLine xmlns:a14="http://schemas.microsoft.com/office/drawing/2010/main" w="9525">
                     <a:solidFill>
                       <a:srgbClr val="000000"/>
                     </a:solidFill>
@@ -10996,8 +10996,8 @@
                 <a:noFill/>
               </a:ln>
               <a:extLst>
-                <a:ext uri="{91240B29-F687-4f45-9708-019B960494DF}">
-                  <a14:hiddenLine xmlns:a14="http://schemas.microsoft.com/office/drawing/2010/main" xmlns="" w="9525">
+                <a:ext uri="{91240B29-F687-4F45-9708-019B960494DF}">
+                  <a14:hiddenLine xmlns:a14="http://schemas.microsoft.com/office/drawing/2010/main" w="9525">
                     <a:solidFill>
                       <a:srgbClr val="000000"/>
                     </a:solidFill>
@@ -11077,8 +11077,8 @@
                 <a:noFill/>
               </a:ln>
               <a:extLst>
-                <a:ext uri="{91240B29-F687-4f45-9708-019B960494DF}">
-                  <a14:hiddenLine xmlns:a14="http://schemas.microsoft.com/office/drawing/2010/main" xmlns="" w="9525">
+                <a:ext uri="{91240B29-F687-4F45-9708-019B960494DF}">
+                  <a14:hiddenLine xmlns:a14="http://schemas.microsoft.com/office/drawing/2010/main" w="9525">
                     <a:solidFill>
                       <a:srgbClr val="000000"/>
                     </a:solidFill>
@@ -11192,8 +11192,8 @@
                 <a:noFill/>
               </a:ln>
               <a:extLst>
-                <a:ext uri="{91240B29-F687-4f45-9708-019B960494DF}">
-                  <a14:hiddenLine xmlns:a14="http://schemas.microsoft.com/office/drawing/2010/main" xmlns="" w="9525">
+                <a:ext uri="{91240B29-F687-4F45-9708-019B960494DF}">
+                  <a14:hiddenLine xmlns:a14="http://schemas.microsoft.com/office/drawing/2010/main" w="9525">
                     <a:solidFill>
                       <a:srgbClr val="000000"/>
                     </a:solidFill>
@@ -11282,8 +11282,8 @@
                 <a:noFill/>
               </a:ln>
               <a:extLst>
-                <a:ext uri="{91240B29-F687-4f45-9708-019B960494DF}">
-                  <a14:hiddenLine xmlns:a14="http://schemas.microsoft.com/office/drawing/2010/main" xmlns="" w="9525">
+                <a:ext uri="{91240B29-F687-4F45-9708-019B960494DF}">
+                  <a14:hiddenLine xmlns:a14="http://schemas.microsoft.com/office/drawing/2010/main" w="9525">
                     <a:solidFill>
                       <a:srgbClr val="000000"/>
                     </a:solidFill>
@@ -11347,8 +11347,8 @@
                 <a:noFill/>
               </a:ln>
               <a:extLst>
-                <a:ext uri="{91240B29-F687-4f45-9708-019B960494DF}">
-                  <a14:hiddenLine xmlns:a14="http://schemas.microsoft.com/office/drawing/2010/main" xmlns="" w="9525">
+                <a:ext uri="{91240B29-F687-4F45-9708-019B960494DF}">
+                  <a14:hiddenLine xmlns:a14="http://schemas.microsoft.com/office/drawing/2010/main" w="9525">
                     <a:solidFill>
                       <a:srgbClr val="000000"/>
                     </a:solidFill>
@@ -11437,8 +11437,8 @@
                 <a:noFill/>
               </a:ln>
               <a:extLst>
-                <a:ext uri="{91240B29-F687-4f45-9708-019B960494DF}">
-                  <a14:hiddenLine xmlns:a14="http://schemas.microsoft.com/office/drawing/2010/main" xmlns="" w="9525">
+                <a:ext uri="{91240B29-F687-4F45-9708-019B960494DF}">
+                  <a14:hiddenLine xmlns:a14="http://schemas.microsoft.com/office/drawing/2010/main" w="9525">
                     <a:solidFill>
                       <a:srgbClr val="000000"/>
                     </a:solidFill>
@@ -11505,8 +11505,8 @@
                 <a:noFill/>
               </a:ln>
               <a:extLst>
-                <a:ext uri="{91240B29-F687-4f45-9708-019B960494DF}">
-                  <a14:hiddenLine xmlns:a14="http://schemas.microsoft.com/office/drawing/2010/main" xmlns="" w="9525">
+                <a:ext uri="{91240B29-F687-4F45-9708-019B960494DF}">
+                  <a14:hiddenLine xmlns:a14="http://schemas.microsoft.com/office/drawing/2010/main" w="9525">
                     <a:solidFill>
                       <a:srgbClr val="000000"/>
                     </a:solidFill>
@@ -11595,8 +11595,8 @@
                 <a:noFill/>
               </a:ln>
               <a:extLst>
-                <a:ext uri="{91240B29-F687-4f45-9708-019B960494DF}">
-                  <a14:hiddenLine xmlns:a14="http://schemas.microsoft.com/office/drawing/2010/main" xmlns="" w="9525">
+                <a:ext uri="{91240B29-F687-4F45-9708-019B960494DF}">
+                  <a14:hiddenLine xmlns:a14="http://schemas.microsoft.com/office/drawing/2010/main" w="9525">
                     <a:solidFill>
                       <a:srgbClr val="000000"/>
                     </a:solidFill>
@@ -11663,8 +11663,8 @@
                 <a:noFill/>
               </a:ln>
               <a:extLst>
-                <a:ext uri="{91240B29-F687-4f45-9708-019B960494DF}">
-                  <a14:hiddenLine xmlns:a14="http://schemas.microsoft.com/office/drawing/2010/main" xmlns="" w="9525">
+                <a:ext uri="{91240B29-F687-4F45-9708-019B960494DF}">
+                  <a14:hiddenLine xmlns:a14="http://schemas.microsoft.com/office/drawing/2010/main" w="9525">
                     <a:solidFill>
                       <a:srgbClr val="000000"/>
                     </a:solidFill>
@@ -11753,8 +11753,8 @@
                 <a:noFill/>
               </a:ln>
               <a:extLst>
-                <a:ext uri="{91240B29-F687-4f45-9708-019B960494DF}">
-                  <a14:hiddenLine xmlns:a14="http://schemas.microsoft.com/office/drawing/2010/main" xmlns="" w="9525">
+                <a:ext uri="{91240B29-F687-4F45-9708-019B960494DF}">
+                  <a14:hiddenLine xmlns:a14="http://schemas.microsoft.com/office/drawing/2010/main" w="9525">
                     <a:solidFill>
                       <a:srgbClr val="000000"/>
                     </a:solidFill>
@@ -11787,8 +11787,8 @@
                 <a:noFill/>
               </a:ln>
               <a:extLst>
-                <a:ext uri="{91240B29-F687-4f45-9708-019B960494DF}">
-                  <a14:hiddenLine xmlns:a14="http://schemas.microsoft.com/office/drawing/2010/main" xmlns="" w="9525">
+                <a:ext uri="{91240B29-F687-4F45-9708-019B960494DF}">
+                  <a14:hiddenLine xmlns:a14="http://schemas.microsoft.com/office/drawing/2010/main" w="9525">
                     <a:solidFill>
                       <a:srgbClr val="000000"/>
                     </a:solidFill>
@@ -11929,7 +11929,7 @@
             <a:fld id="{48A87A34-81AB-432B-8DAE-1953F412C126}" type="datetimeFigureOut">
               <a:rPr lang="en-US" dirty="0"/>
               <a:pPr/>
-              <a:t>3/6/2014</a:t>
+              <a:t>3/18/2014</a:t>
             </a:fld>
             <a:endParaRPr lang="en-US" dirty="0"/>
           </a:p>
@@ -12385,7 +12385,15 @@
           <a:p>
             <a:r>
               <a:rPr lang="en-US" dirty="0" smtClean="0"/>
-              <a:t>By Yi Zhao, Jack Phillips and …</a:t>
+              <a:t>By Yi Zhao, Jack Phillips </a:t>
+            </a:r>
+            <a:r>
+              <a:rPr lang="en-US" dirty="0" smtClean="0"/>
+              <a:t>and Ken </a:t>
+            </a:r>
+            <a:r>
+              <a:rPr lang="en-US" smtClean="0"/>
+              <a:t>pomeranz</a:t>
             </a:r>
             <a:endParaRPr lang="en-US" dirty="0"/>
           </a:p>
@@ -12945,7 +12953,31 @@
           <a:bodyPr/>
           <a:lstStyle/>
           <a:p>
-            <a:endParaRPr lang="en-US"/>
+            <a:r>
+              <a:rPr lang="en-US" dirty="0" smtClean="0"/>
+              <a:t>Doodle style design philosophy</a:t>
+            </a:r>
+          </a:p>
+          <a:p>
+            <a:r>
+              <a:rPr lang="en-US" dirty="0" smtClean="0"/>
+              <a:t>Made to emulate a real world working place</a:t>
+            </a:r>
+          </a:p>
+          <a:p>
+            <a:r>
+              <a:rPr lang="en-US" dirty="0" smtClean="0"/>
+              <a:t>The backgrounds progressively become more complex</a:t>
+            </a:r>
+          </a:p>
+          <a:p>
+            <a:r>
+              <a:rPr lang="en-US" dirty="0" smtClean="0"/>
+              <a:t>The colors are used sparingly and for clarity only</a:t>
+            </a:r>
+          </a:p>
+          <a:p>
+            <a:endParaRPr lang="en-US" dirty="0" smtClean="0"/>
           </a:p>
         </p:txBody>
       </p:sp>
@@ -13279,7 +13311,7 @@
   <a:extraClrSchemeLst/>
   <a:extLst>
     <a:ext uri="{05A4C25C-085E-4340-85A3-A5531E510DB2}">
-      <thm15:themeFamily xmlns:thm15="http://schemas.microsoft.com/office/thememl/2012/main" name="Circuit" id="{0AC2F7E7-15F5-431C-B2A2-456FE929F56C}" vid="{142578CA-DEC9-49C3-80AF-C113973CC9A9}"/>
+      <thm15:themeFamily xmlns:thm15="http://schemas.microsoft.com/office/thememl/2012/main" xmlns="" name="Circuit" id="{0AC2F7E7-15F5-431C-B2A2-456FE929F56C}" vid="{142578CA-DEC9-49C3-80AF-C113973CC9A9}"/>
     </a:ext>
   </a:extLst>
 </a:theme>

--- a/Powerpoint.pptx
+++ b/Powerpoint.pptx
@@ -6,8 +6,8 @@
   </p:sldMasterIdLst>
   <p:sldIdLst>
     <p:sldId id="256" r:id="rId2"/>
-    <p:sldId id="257" r:id="rId3"/>
-    <p:sldId id="262" r:id="rId4"/>
+    <p:sldId id="263" r:id="rId3"/>
+    <p:sldId id="257" r:id="rId4"/>
     <p:sldId id="258" r:id="rId5"/>
     <p:sldId id="259" r:id="rId6"/>
     <p:sldId id="260" r:id="rId7"/>
@@ -169,7 +169,7 @@
           </a:prstGeom>
           <a:noFill/>
           <a:extLst>
-            <a:ext uri="{909E8E84-426E-40DD-AFC4-6F175D3DCCD1}">
+            <a:ext uri="{909E8E84-426E-40dd-AFC4-6F175D3DCCD1}">
               <a14:hiddenFill xmlns:a14="http://schemas.microsoft.com/office/drawing/2010/main">
                 <a:solidFill>
                   <a:srgbClr val="FFFFFF"/>
@@ -228,7 +228,7 @@
               <a:noFill/>
             </a:ln>
             <a:extLst>
-              <a:ext uri="{91240B29-F687-4F45-9708-019B960494DF}">
+              <a:ext uri="{91240B29-F687-4f45-9708-019B960494DF}">
                 <a14:hiddenLine xmlns:a14="http://schemas.microsoft.com/office/drawing/2010/main" w="9525">
                   <a:solidFill>
                     <a:srgbClr val="000000"/>
@@ -318,7 +318,7 @@
               <a:noFill/>
             </a:ln>
             <a:extLst>
-              <a:ext uri="{91240B29-F687-4F45-9708-019B960494DF}">
+              <a:ext uri="{91240B29-F687-4f45-9708-019B960494DF}">
                 <a14:hiddenLine xmlns:a14="http://schemas.microsoft.com/office/drawing/2010/main" w="9525">
                   <a:solidFill>
                     <a:srgbClr val="000000"/>
@@ -408,7 +408,7 @@
               <a:noFill/>
             </a:ln>
             <a:extLst>
-              <a:ext uri="{91240B29-F687-4F45-9708-019B960494DF}">
+              <a:ext uri="{91240B29-F687-4f45-9708-019B960494DF}">
                 <a14:hiddenLine xmlns:a14="http://schemas.microsoft.com/office/drawing/2010/main" w="9525">
                   <a:solidFill>
                     <a:srgbClr val="000000"/>
@@ -442,7 +442,7 @@
               <a:noFill/>
             </a:ln>
             <a:extLst>
-              <a:ext uri="{91240B29-F687-4F45-9708-019B960494DF}">
+              <a:ext uri="{91240B29-F687-4f45-9708-019B960494DF}">
                 <a14:hiddenLine xmlns:a14="http://schemas.microsoft.com/office/drawing/2010/main" w="9525">
                   <a:solidFill>
                     <a:srgbClr val="000000"/>
@@ -532,7 +532,7 @@
               <a:noFill/>
             </a:ln>
             <a:extLst>
-              <a:ext uri="{91240B29-F687-4F45-9708-019B960494DF}">
+              <a:ext uri="{91240B29-F687-4f45-9708-019B960494DF}">
                 <a14:hiddenLine xmlns:a14="http://schemas.microsoft.com/office/drawing/2010/main" w="9525">
                   <a:solidFill>
                     <a:srgbClr val="000000"/>
@@ -594,7 +594,7 @@
               <a:noFill/>
             </a:ln>
             <a:extLst>
-              <a:ext uri="{91240B29-F687-4F45-9708-019B960494DF}">
+              <a:ext uri="{91240B29-F687-4f45-9708-019B960494DF}">
                 <a14:hiddenLine xmlns:a14="http://schemas.microsoft.com/office/drawing/2010/main" w="9525">
                   <a:solidFill>
                     <a:srgbClr val="000000"/>
@@ -656,7 +656,7 @@
               <a:noFill/>
             </a:ln>
             <a:extLst>
-              <a:ext uri="{91240B29-F687-4F45-9708-019B960494DF}">
+              <a:ext uri="{91240B29-F687-4f45-9708-019B960494DF}">
                 <a14:hiddenLine xmlns:a14="http://schemas.microsoft.com/office/drawing/2010/main" w="9525">
                   <a:solidFill>
                     <a:srgbClr val="000000"/>
@@ -746,7 +746,7 @@
               <a:noFill/>
             </a:ln>
             <a:extLst>
-              <a:ext uri="{91240B29-F687-4F45-9708-019B960494DF}">
+              <a:ext uri="{91240B29-F687-4f45-9708-019B960494DF}">
                 <a14:hiddenLine xmlns:a14="http://schemas.microsoft.com/office/drawing/2010/main" w="9525">
                   <a:solidFill>
                     <a:srgbClr val="000000"/>
@@ -808,7 +808,7 @@
               <a:noFill/>
             </a:ln>
             <a:extLst>
-              <a:ext uri="{91240B29-F687-4F45-9708-019B960494DF}">
+              <a:ext uri="{91240B29-F687-4f45-9708-019B960494DF}">
                 <a14:hiddenLine xmlns:a14="http://schemas.microsoft.com/office/drawing/2010/main" w="9525">
                   <a:solidFill>
                     <a:srgbClr val="000000"/>
@@ -870,7 +870,7 @@
               <a:noFill/>
             </a:ln>
             <a:extLst>
-              <a:ext uri="{91240B29-F687-4F45-9708-019B960494DF}">
+              <a:ext uri="{91240B29-F687-4f45-9708-019B960494DF}">
                 <a14:hiddenLine xmlns:a14="http://schemas.microsoft.com/office/drawing/2010/main" w="9525">
                   <a:solidFill>
                     <a:srgbClr val="000000"/>
@@ -960,7 +960,7 @@
               <a:noFill/>
             </a:ln>
             <a:extLst>
-              <a:ext uri="{91240B29-F687-4F45-9708-019B960494DF}">
+              <a:ext uri="{91240B29-F687-4f45-9708-019B960494DF}">
                 <a14:hiddenLine xmlns:a14="http://schemas.microsoft.com/office/drawing/2010/main" w="9525">
                   <a:solidFill>
                     <a:srgbClr val="000000"/>
@@ -1050,7 +1050,7 @@
               <a:noFill/>
             </a:ln>
             <a:extLst>
-              <a:ext uri="{91240B29-F687-4F45-9708-019B960494DF}">
+              <a:ext uri="{91240B29-F687-4f45-9708-019B960494DF}">
                 <a14:hiddenLine xmlns:a14="http://schemas.microsoft.com/office/drawing/2010/main" w="9525">
                   <a:solidFill>
                     <a:srgbClr val="000000"/>
@@ -1112,7 +1112,7 @@
               <a:noFill/>
             </a:ln>
             <a:extLst>
-              <a:ext uri="{91240B29-F687-4F45-9708-019B960494DF}">
+              <a:ext uri="{91240B29-F687-4f45-9708-019B960494DF}">
                 <a14:hiddenLine xmlns:a14="http://schemas.microsoft.com/office/drawing/2010/main" w="9525">
                   <a:solidFill>
                     <a:srgbClr val="000000"/>
@@ -1222,7 +1222,7 @@
               <a:noFill/>
             </a:ln>
             <a:extLst>
-              <a:ext uri="{91240B29-F687-4F45-9708-019B960494DF}">
+              <a:ext uri="{91240B29-F687-4f45-9708-019B960494DF}">
                 <a14:hiddenLine xmlns:a14="http://schemas.microsoft.com/office/drawing/2010/main" w="9525">
                   <a:solidFill>
                     <a:srgbClr val="000000"/>
@@ -1284,7 +1284,7 @@
               <a:noFill/>
             </a:ln>
             <a:extLst>
-              <a:ext uri="{91240B29-F687-4F45-9708-019B960494DF}">
+              <a:ext uri="{91240B29-F687-4f45-9708-019B960494DF}">
                 <a14:hiddenLine xmlns:a14="http://schemas.microsoft.com/office/drawing/2010/main" w="9525">
                   <a:solidFill>
                     <a:srgbClr val="000000"/>
@@ -1374,7 +1374,7 @@
               <a:noFill/>
             </a:ln>
             <a:extLst>
-              <a:ext uri="{91240B29-F687-4F45-9708-019B960494DF}">
+              <a:ext uri="{91240B29-F687-4f45-9708-019B960494DF}">
                 <a14:hiddenLine xmlns:a14="http://schemas.microsoft.com/office/drawing/2010/main" w="9525">
                   <a:solidFill>
                     <a:srgbClr val="000000"/>
@@ -1464,7 +1464,7 @@
               <a:noFill/>
             </a:ln>
             <a:extLst>
-              <a:ext uri="{91240B29-F687-4F45-9708-019B960494DF}">
+              <a:ext uri="{91240B29-F687-4f45-9708-019B960494DF}">
                 <a14:hiddenLine xmlns:a14="http://schemas.microsoft.com/office/drawing/2010/main" w="9525">
                   <a:solidFill>
                     <a:srgbClr val="000000"/>
@@ -1526,7 +1526,7 @@
               <a:noFill/>
             </a:ln>
             <a:extLst>
-              <a:ext uri="{91240B29-F687-4F45-9708-019B960494DF}">
+              <a:ext uri="{91240B29-F687-4f45-9708-019B960494DF}">
                 <a14:hiddenLine xmlns:a14="http://schemas.microsoft.com/office/drawing/2010/main" w="9525">
                   <a:solidFill>
                     <a:srgbClr val="000000"/>
@@ -1616,7 +1616,7 @@
               <a:noFill/>
             </a:ln>
             <a:extLst>
-              <a:ext uri="{91240B29-F687-4F45-9708-019B960494DF}">
+              <a:ext uri="{91240B29-F687-4f45-9708-019B960494DF}">
                 <a14:hiddenLine xmlns:a14="http://schemas.microsoft.com/office/drawing/2010/main" w="9525">
                   <a:solidFill>
                     <a:srgbClr val="000000"/>
@@ -1706,7 +1706,7 @@
               <a:noFill/>
             </a:ln>
             <a:extLst>
-              <a:ext uri="{91240B29-F687-4F45-9708-019B960494DF}">
+              <a:ext uri="{91240B29-F687-4f45-9708-019B960494DF}">
                 <a14:hiddenLine xmlns:a14="http://schemas.microsoft.com/office/drawing/2010/main" w="9525">
                   <a:solidFill>
                     <a:srgbClr val="000000"/>
@@ -1762,7 +1762,7 @@
               <a:noFill/>
             </a:ln>
             <a:extLst>
-              <a:ext uri="{91240B29-F687-4F45-9708-019B960494DF}">
+              <a:ext uri="{91240B29-F687-4f45-9708-019B960494DF}">
                 <a14:hiddenLine xmlns:a14="http://schemas.microsoft.com/office/drawing/2010/main" w="9525">
                   <a:solidFill>
                     <a:srgbClr val="000000"/>
@@ -1852,7 +1852,7 @@
               <a:noFill/>
             </a:ln>
             <a:extLst>
-              <a:ext uri="{91240B29-F687-4F45-9708-019B960494DF}">
+              <a:ext uri="{91240B29-F687-4f45-9708-019B960494DF}">
                 <a14:hiddenLine xmlns:a14="http://schemas.microsoft.com/office/drawing/2010/main" w="9525">
                   <a:solidFill>
                     <a:srgbClr val="000000"/>
@@ -1908,7 +1908,7 @@
               <a:noFill/>
             </a:ln>
             <a:extLst>
-              <a:ext uri="{91240B29-F687-4F45-9708-019B960494DF}">
+              <a:ext uri="{91240B29-F687-4f45-9708-019B960494DF}">
                 <a14:hiddenLine xmlns:a14="http://schemas.microsoft.com/office/drawing/2010/main" w="9525">
                   <a:solidFill>
                     <a:srgbClr val="000000"/>
@@ -1998,7 +1998,7 @@
               <a:noFill/>
             </a:ln>
             <a:extLst>
-              <a:ext uri="{91240B29-F687-4F45-9708-019B960494DF}">
+              <a:ext uri="{91240B29-F687-4f45-9708-019B960494DF}">
                 <a14:hiddenLine xmlns:a14="http://schemas.microsoft.com/office/drawing/2010/main" w="9525">
                   <a:solidFill>
                     <a:srgbClr val="000000"/>
@@ -2066,7 +2066,7 @@
               <a:noFill/>
             </a:ln>
             <a:extLst>
-              <a:ext uri="{91240B29-F687-4F45-9708-019B960494DF}">
+              <a:ext uri="{91240B29-F687-4f45-9708-019B960494DF}">
                 <a14:hiddenLine xmlns:a14="http://schemas.microsoft.com/office/drawing/2010/main" w="9525">
                   <a:solidFill>
                     <a:srgbClr val="000000"/>
@@ -2156,7 +2156,7 @@
               <a:noFill/>
             </a:ln>
             <a:extLst>
-              <a:ext uri="{91240B29-F687-4F45-9708-019B960494DF}">
+              <a:ext uri="{91240B29-F687-4f45-9708-019B960494DF}">
                 <a14:hiddenLine xmlns:a14="http://schemas.microsoft.com/office/drawing/2010/main" w="9525">
                   <a:solidFill>
                     <a:srgbClr val="000000"/>
@@ -2224,7 +2224,7 @@
               <a:noFill/>
             </a:ln>
             <a:extLst>
-              <a:ext uri="{91240B29-F687-4F45-9708-019B960494DF}">
+              <a:ext uri="{91240B29-F687-4f45-9708-019B960494DF}">
                 <a14:hiddenLine xmlns:a14="http://schemas.microsoft.com/office/drawing/2010/main" w="9525">
                   <a:solidFill>
                     <a:srgbClr val="000000"/>
@@ -2314,7 +2314,7 @@
               <a:noFill/>
             </a:ln>
             <a:extLst>
-              <a:ext uri="{91240B29-F687-4F45-9708-019B960494DF}">
+              <a:ext uri="{91240B29-F687-4f45-9708-019B960494DF}">
                 <a14:hiddenLine xmlns:a14="http://schemas.microsoft.com/office/drawing/2010/main" w="9525">
                   <a:solidFill>
                     <a:srgbClr val="000000"/>
@@ -2348,7 +2348,7 @@
               <a:noFill/>
             </a:ln>
             <a:extLst>
-              <a:ext uri="{91240B29-F687-4F45-9708-019B960494DF}">
+              <a:ext uri="{91240B29-F687-4f45-9708-019B960494DF}">
                 <a14:hiddenLine xmlns:a14="http://schemas.microsoft.com/office/drawing/2010/main" w="9525">
                   <a:solidFill>
                     <a:srgbClr val="000000"/>
@@ -2438,7 +2438,7 @@
               <a:noFill/>
             </a:ln>
             <a:extLst>
-              <a:ext uri="{91240B29-F687-4F45-9708-019B960494DF}">
+              <a:ext uri="{91240B29-F687-4f45-9708-019B960494DF}">
                 <a14:hiddenLine xmlns:a14="http://schemas.microsoft.com/office/drawing/2010/main" w="9525">
                   <a:solidFill>
                     <a:srgbClr val="000000"/>
@@ -2500,7 +2500,7 @@
               <a:noFill/>
             </a:ln>
             <a:extLst>
-              <a:ext uri="{91240B29-F687-4F45-9708-019B960494DF}">
+              <a:ext uri="{91240B29-F687-4f45-9708-019B960494DF}">
                 <a14:hiddenLine xmlns:a14="http://schemas.microsoft.com/office/drawing/2010/main" w="9525">
                   <a:solidFill>
                     <a:srgbClr val="000000"/>
@@ -2562,7 +2562,7 @@
               <a:noFill/>
             </a:ln>
             <a:extLst>
-              <a:ext uri="{91240B29-F687-4F45-9708-019B960494DF}">
+              <a:ext uri="{91240B29-F687-4f45-9708-019B960494DF}">
                 <a14:hiddenLine xmlns:a14="http://schemas.microsoft.com/office/drawing/2010/main" w="9525">
                   <a:solidFill>
                     <a:srgbClr val="000000"/>
@@ -2652,7 +2652,7 @@
               <a:noFill/>
             </a:ln>
             <a:extLst>
-              <a:ext uri="{91240B29-F687-4F45-9708-019B960494DF}">
+              <a:ext uri="{91240B29-F687-4f45-9708-019B960494DF}">
                 <a14:hiddenLine xmlns:a14="http://schemas.microsoft.com/office/drawing/2010/main" w="9525">
                   <a:solidFill>
                     <a:srgbClr val="000000"/>
@@ -2720,7 +2720,7 @@
               <a:noFill/>
             </a:ln>
             <a:extLst>
-              <a:ext uri="{91240B29-F687-4F45-9708-019B960494DF}">
+              <a:ext uri="{91240B29-F687-4f45-9708-019B960494DF}">
                 <a14:hiddenLine xmlns:a14="http://schemas.microsoft.com/office/drawing/2010/main" w="9525">
                   <a:solidFill>
                     <a:srgbClr val="000000"/>
@@ -2782,7 +2782,7 @@
               <a:noFill/>
             </a:ln>
             <a:extLst>
-              <a:ext uri="{91240B29-F687-4F45-9708-019B960494DF}">
+              <a:ext uri="{91240B29-F687-4f45-9708-019B960494DF}">
                 <a14:hiddenLine xmlns:a14="http://schemas.microsoft.com/office/drawing/2010/main" w="9525">
                   <a:solidFill>
                     <a:srgbClr val="000000"/>
@@ -2872,7 +2872,7 @@
               <a:noFill/>
             </a:ln>
             <a:extLst>
-              <a:ext uri="{91240B29-F687-4F45-9708-019B960494DF}">
+              <a:ext uri="{91240B29-F687-4f45-9708-019B960494DF}">
                 <a14:hiddenLine xmlns:a14="http://schemas.microsoft.com/office/drawing/2010/main" w="9525">
                   <a:solidFill>
                     <a:srgbClr val="000000"/>
@@ -2934,7 +2934,7 @@
               <a:noFill/>
             </a:ln>
             <a:extLst>
-              <a:ext uri="{91240B29-F687-4F45-9708-019B960494DF}">
+              <a:ext uri="{91240B29-F687-4f45-9708-019B960494DF}">
                 <a14:hiddenLine xmlns:a14="http://schemas.microsoft.com/office/drawing/2010/main" w="9525">
                   <a:solidFill>
                     <a:srgbClr val="000000"/>
@@ -3024,7 +3024,7 @@
               <a:noFill/>
             </a:ln>
             <a:extLst>
-              <a:ext uri="{91240B29-F687-4F45-9708-019B960494DF}">
+              <a:ext uri="{91240B29-F687-4f45-9708-019B960494DF}">
                 <a14:hiddenLine xmlns:a14="http://schemas.microsoft.com/office/drawing/2010/main" w="9525">
                   <a:solidFill>
                     <a:srgbClr val="000000"/>
@@ -3086,7 +3086,7 @@
               <a:noFill/>
             </a:ln>
             <a:extLst>
-              <a:ext uri="{91240B29-F687-4F45-9708-019B960494DF}">
+              <a:ext uri="{91240B29-F687-4f45-9708-019B960494DF}">
                 <a14:hiddenLine xmlns:a14="http://schemas.microsoft.com/office/drawing/2010/main" w="9525">
                   <a:solidFill>
                     <a:srgbClr val="000000"/>
@@ -3176,7 +3176,7 @@
               <a:noFill/>
             </a:ln>
             <a:extLst>
-              <a:ext uri="{91240B29-F687-4F45-9708-019B960494DF}">
+              <a:ext uri="{91240B29-F687-4f45-9708-019B960494DF}">
                 <a14:hiddenLine xmlns:a14="http://schemas.microsoft.com/office/drawing/2010/main" w="9525">
                   <a:solidFill>
                     <a:srgbClr val="000000"/>
@@ -3210,7 +3210,7 @@
               <a:noFill/>
             </a:ln>
             <a:extLst>
-              <a:ext uri="{91240B29-F687-4F45-9708-019B960494DF}">
+              <a:ext uri="{91240B29-F687-4f45-9708-019B960494DF}">
                 <a14:hiddenLine xmlns:a14="http://schemas.microsoft.com/office/drawing/2010/main" w="9525">
                   <a:solidFill>
                     <a:srgbClr val="000000"/>
@@ -3275,7 +3275,7 @@
               <a:noFill/>
             </a:ln>
             <a:extLst>
-              <a:ext uri="{91240B29-F687-4F45-9708-019B960494DF}">
+              <a:ext uri="{91240B29-F687-4f45-9708-019B960494DF}">
                 <a14:hiddenLine xmlns:a14="http://schemas.microsoft.com/office/drawing/2010/main" w="9525">
                   <a:solidFill>
                     <a:srgbClr val="000000"/>
@@ -3365,7 +3365,7 @@
               <a:noFill/>
             </a:ln>
             <a:extLst>
-              <a:ext uri="{91240B29-F687-4F45-9708-019B960494DF}">
+              <a:ext uri="{91240B29-F687-4f45-9708-019B960494DF}">
                 <a14:hiddenLine xmlns:a14="http://schemas.microsoft.com/office/drawing/2010/main" w="9525">
                   <a:solidFill>
                     <a:srgbClr val="000000"/>
@@ -3427,7 +3427,7 @@
               <a:noFill/>
             </a:ln>
             <a:extLst>
-              <a:ext uri="{91240B29-F687-4F45-9708-019B960494DF}">
+              <a:ext uri="{91240B29-F687-4f45-9708-019B960494DF}">
                 <a14:hiddenLine xmlns:a14="http://schemas.microsoft.com/office/drawing/2010/main" w="9525">
                   <a:solidFill>
                     <a:srgbClr val="000000"/>
@@ -3517,7 +3517,7 @@
               <a:noFill/>
             </a:ln>
             <a:extLst>
-              <a:ext uri="{91240B29-F687-4F45-9708-019B960494DF}">
+              <a:ext uri="{91240B29-F687-4f45-9708-019B960494DF}">
                 <a14:hiddenLine xmlns:a14="http://schemas.microsoft.com/office/drawing/2010/main" w="9525">
                   <a:solidFill>
                     <a:srgbClr val="000000"/>
@@ -3607,7 +3607,7 @@
               <a:noFill/>
             </a:ln>
             <a:extLst>
-              <a:ext uri="{91240B29-F687-4F45-9708-019B960494DF}">
+              <a:ext uri="{91240B29-F687-4f45-9708-019B960494DF}">
                 <a14:hiddenLine xmlns:a14="http://schemas.microsoft.com/office/drawing/2010/main" w="9525">
                   <a:solidFill>
                     <a:srgbClr val="000000"/>
@@ -3672,7 +3672,7 @@
               <a:noFill/>
             </a:ln>
             <a:extLst>
-              <a:ext uri="{91240B29-F687-4F45-9708-019B960494DF}">
+              <a:ext uri="{91240B29-F687-4f45-9708-019B960494DF}">
                 <a14:hiddenLine xmlns:a14="http://schemas.microsoft.com/office/drawing/2010/main" w="9525">
                   <a:solidFill>
                     <a:srgbClr val="000000"/>
@@ -3734,7 +3734,7 @@
               <a:noFill/>
             </a:ln>
             <a:extLst>
-              <a:ext uri="{91240B29-F687-4F45-9708-019B960494DF}">
+              <a:ext uri="{91240B29-F687-4f45-9708-019B960494DF}">
                 <a14:hiddenLine xmlns:a14="http://schemas.microsoft.com/office/drawing/2010/main" w="9525">
                   <a:solidFill>
                     <a:srgbClr val="000000"/>
@@ -3824,7 +3824,7 @@
               <a:noFill/>
             </a:ln>
             <a:extLst>
-              <a:ext uri="{91240B29-F687-4F45-9708-019B960494DF}">
+              <a:ext uri="{91240B29-F687-4f45-9708-019B960494DF}">
                 <a14:hiddenLine xmlns:a14="http://schemas.microsoft.com/office/drawing/2010/main" w="9525">
                   <a:solidFill>
                     <a:srgbClr val="000000"/>
@@ -3914,7 +3914,7 @@
               <a:noFill/>
             </a:ln>
             <a:extLst>
-              <a:ext uri="{91240B29-F687-4F45-9708-019B960494DF}">
+              <a:ext uri="{91240B29-F687-4f45-9708-019B960494DF}">
                 <a14:hiddenLine xmlns:a14="http://schemas.microsoft.com/office/drawing/2010/main" w="9525">
                   <a:solidFill>
                     <a:srgbClr val="000000"/>
@@ -3976,7 +3976,7 @@
               <a:noFill/>
             </a:ln>
             <a:extLst>
-              <a:ext uri="{91240B29-F687-4F45-9708-019B960494DF}">
+              <a:ext uri="{91240B29-F687-4f45-9708-019B960494DF}">
                 <a14:hiddenLine xmlns:a14="http://schemas.microsoft.com/office/drawing/2010/main" w="9525">
                   <a:solidFill>
                     <a:srgbClr val="000000"/>
@@ -4096,7 +4096,7 @@
               <a:noFill/>
             </a:ln>
             <a:extLst>
-              <a:ext uri="{91240B29-F687-4F45-9708-019B960494DF}">
+              <a:ext uri="{91240B29-F687-4f45-9708-019B960494DF}">
                 <a14:hiddenLine xmlns:a14="http://schemas.microsoft.com/office/drawing/2010/main" w="9525">
                   <a:solidFill>
                     <a:srgbClr val="000000"/>
@@ -4164,7 +4164,7 @@
               <a:noFill/>
             </a:ln>
             <a:extLst>
-              <a:ext uri="{91240B29-F687-4F45-9708-019B960494DF}">
+              <a:ext uri="{91240B29-F687-4f45-9708-019B960494DF}">
                 <a14:hiddenLine xmlns:a14="http://schemas.microsoft.com/office/drawing/2010/main" w="9525">
                   <a:solidFill>
                     <a:srgbClr val="000000"/>
@@ -4254,7 +4254,7 @@
               <a:noFill/>
             </a:ln>
             <a:extLst>
-              <a:ext uri="{91240B29-F687-4F45-9708-019B960494DF}">
+              <a:ext uri="{91240B29-F687-4f45-9708-019B960494DF}">
                 <a14:hiddenLine xmlns:a14="http://schemas.microsoft.com/office/drawing/2010/main" w="9525">
                   <a:solidFill>
                     <a:srgbClr val="000000"/>
@@ -4395,7 +4395,7 @@
           <a:p>
             <a:fld id="{48A87A34-81AB-432B-8DAE-1953F412C126}" type="datetimeFigureOut">
               <a:rPr lang="en-US" dirty="0"/>
-              <a:t>3/18/2014</a:t>
+              <a:t>3/30/14</a:t>
             </a:fld>
             <a:endParaRPr lang="en-US" dirty="0"/>
           </a:p>
@@ -4657,7 +4657,7 @@
           <a:p>
             <a:fld id="{48A87A34-81AB-432B-8DAE-1953F412C126}" type="datetimeFigureOut">
               <a:rPr lang="en-US" dirty="0"/>
-              <a:t>3/18/2014</a:t>
+              <a:t>3/30/14</a:t>
             </a:fld>
             <a:endParaRPr lang="en-US" dirty="0"/>
           </a:p>
@@ -4848,7 +4848,7 @@
           <a:p>
             <a:fld id="{48A87A34-81AB-432B-8DAE-1953F412C126}" type="datetimeFigureOut">
               <a:rPr lang="en-US" dirty="0"/>
-              <a:t>3/18/2014</a:t>
+              <a:t>3/30/14</a:t>
             </a:fld>
             <a:endParaRPr lang="en-US" dirty="0"/>
           </a:p>
@@ -5106,7 +5106,7 @@
           <a:p>
             <a:fld id="{48A87A34-81AB-432B-8DAE-1953F412C126}" type="datetimeFigureOut">
               <a:rPr lang="en-US" dirty="0"/>
-              <a:t>3/18/2014</a:t>
+              <a:t>3/30/14</a:t>
             </a:fld>
             <a:endParaRPr lang="en-US" dirty="0"/>
           </a:p>
@@ -5535,7 +5535,7 @@
           <a:p>
             <a:fld id="{48A87A34-81AB-432B-8DAE-1953F412C126}" type="datetimeFigureOut">
               <a:rPr lang="en-US" dirty="0"/>
-              <a:t>3/18/2014</a:t>
+              <a:t>3/30/14</a:t>
             </a:fld>
             <a:endParaRPr lang="en-US" dirty="0"/>
           </a:p>
@@ -6076,7 +6076,7 @@
           <a:p>
             <a:fld id="{48A87A34-81AB-432B-8DAE-1953F412C126}" type="datetimeFigureOut">
               <a:rPr lang="en-US" dirty="0"/>
-              <a:t>3/18/2014</a:t>
+              <a:t>3/30/14</a:t>
             </a:fld>
             <a:endParaRPr lang="en-US" dirty="0"/>
           </a:p>
@@ -6791,7 +6791,7 @@
           <a:p>
             <a:fld id="{48A87A34-81AB-432B-8DAE-1953F412C126}" type="datetimeFigureOut">
               <a:rPr lang="en-US" dirty="0"/>
-              <a:t>3/18/2014</a:t>
+              <a:t>3/30/14</a:t>
             </a:fld>
             <a:endParaRPr lang="en-US" dirty="0"/>
           </a:p>
@@ -6956,7 +6956,7 @@
           <a:p>
             <a:fld id="{48A87A34-81AB-432B-8DAE-1953F412C126}" type="datetimeFigureOut">
               <a:rPr lang="en-US" dirty="0"/>
-              <a:t>3/18/2014</a:t>
+              <a:t>3/30/14</a:t>
             </a:fld>
             <a:endParaRPr lang="en-US" dirty="0"/>
           </a:p>
@@ -7131,7 +7131,7 @@
           <a:p>
             <a:fld id="{48A87A34-81AB-432B-8DAE-1953F412C126}" type="datetimeFigureOut">
               <a:rPr lang="en-US" dirty="0"/>
-              <a:t>3/18/2014</a:t>
+              <a:t>3/30/14</a:t>
             </a:fld>
             <a:endParaRPr lang="en-US" dirty="0"/>
           </a:p>
@@ -7296,7 +7296,7 @@
           <a:p>
             <a:fld id="{48A87A34-81AB-432B-8DAE-1953F412C126}" type="datetimeFigureOut">
               <a:rPr lang="en-US" dirty="0"/>
-              <a:t>3/18/2014</a:t>
+              <a:t>3/30/14</a:t>
             </a:fld>
             <a:endParaRPr lang="en-US" dirty="0"/>
           </a:p>
@@ -7541,7 +7541,7 @@
           <a:p>
             <a:fld id="{48A87A34-81AB-432B-8DAE-1953F412C126}" type="datetimeFigureOut">
               <a:rPr lang="en-US" dirty="0"/>
-              <a:t>3/18/2014</a:t>
+              <a:t>3/30/14</a:t>
             </a:fld>
             <a:endParaRPr lang="en-US" dirty="0"/>
           </a:p>
@@ -7768,7 +7768,7 @@
           <a:p>
             <a:fld id="{48A87A34-81AB-432B-8DAE-1953F412C126}" type="datetimeFigureOut">
               <a:rPr lang="en-US" dirty="0"/>
-              <a:t>3/18/2014</a:t>
+              <a:t>3/30/14</a:t>
             </a:fld>
             <a:endParaRPr lang="en-US" dirty="0"/>
           </a:p>
@@ -8144,7 +8144,7 @@
           <a:p>
             <a:fld id="{48A87A34-81AB-432B-8DAE-1953F412C126}" type="datetimeFigureOut">
               <a:rPr lang="en-US" dirty="0"/>
-              <a:t>3/18/2014</a:t>
+              <a:t>3/30/14</a:t>
             </a:fld>
             <a:endParaRPr lang="en-US" dirty="0"/>
           </a:p>
@@ -8257,7 +8257,7 @@
           <a:p>
             <a:fld id="{48A87A34-81AB-432B-8DAE-1953F412C126}" type="datetimeFigureOut">
               <a:rPr lang="en-US" dirty="0"/>
-              <a:t>3/18/2014</a:t>
+              <a:t>3/30/14</a:t>
             </a:fld>
             <a:endParaRPr lang="en-US" dirty="0"/>
           </a:p>
@@ -8347,7 +8347,7 @@
           <a:p>
             <a:fld id="{48A87A34-81AB-432B-8DAE-1953F412C126}" type="datetimeFigureOut">
               <a:rPr lang="en-US" dirty="0"/>
-              <a:t>3/18/2014</a:t>
+              <a:t>3/30/14</a:t>
             </a:fld>
             <a:endParaRPr lang="en-US" dirty="0"/>
           </a:p>
@@ -8591,7 +8591,7 @@
           <a:p>
             <a:fld id="{48A87A34-81AB-432B-8DAE-1953F412C126}" type="datetimeFigureOut">
               <a:rPr lang="en-US" dirty="0"/>
-              <a:t>3/18/2014</a:t>
+              <a:t>3/30/14</a:t>
             </a:fld>
             <a:endParaRPr lang="en-US" dirty="0"/>
           </a:p>
@@ -8866,7 +8866,7 @@
           <a:p>
             <a:fld id="{48A87A34-81AB-432B-8DAE-1953F412C126}" type="datetimeFigureOut">
               <a:rPr lang="en-US" dirty="0"/>
-              <a:t>3/18/2014</a:t>
+              <a:t>3/30/14</a:t>
             </a:fld>
             <a:endParaRPr lang="en-US" dirty="0"/>
           </a:p>
@@ -8983,7 +8983,7 @@
           </a:prstGeom>
           <a:noFill/>
           <a:extLst>
-            <a:ext uri="{909E8E84-426E-40DD-AFC4-6F175D3DCCD1}">
+            <a:ext uri="{909E8E84-426E-40dd-AFC4-6F175D3DCCD1}">
               <a14:hiddenFill xmlns:a14="http://schemas.microsoft.com/office/drawing/2010/main">
                 <a:solidFill>
                   <a:srgbClr val="FFFFFF"/>
@@ -9057,7 +9057,7 @@
                 <a:noFill/>
               </a:ln>
               <a:extLst>
-                <a:ext uri="{91240B29-F687-4F45-9708-019B960494DF}">
+                <a:ext uri="{91240B29-F687-4f45-9708-019B960494DF}">
                   <a14:hiddenLine xmlns:a14="http://schemas.microsoft.com/office/drawing/2010/main" w="9525">
                     <a:solidFill>
                       <a:srgbClr val="000000"/>
@@ -9147,7 +9147,7 @@
                 <a:noFill/>
               </a:ln>
               <a:extLst>
-                <a:ext uri="{91240B29-F687-4F45-9708-019B960494DF}">
+                <a:ext uri="{91240B29-F687-4f45-9708-019B960494DF}">
                   <a14:hiddenLine xmlns:a14="http://schemas.microsoft.com/office/drawing/2010/main" w="9525">
                     <a:solidFill>
                       <a:srgbClr val="000000"/>
@@ -9237,7 +9237,7 @@
                 <a:noFill/>
               </a:ln>
               <a:extLst>
-                <a:ext uri="{91240B29-F687-4F45-9708-019B960494DF}">
+                <a:ext uri="{91240B29-F687-4f45-9708-019B960494DF}">
                   <a14:hiddenLine xmlns:a14="http://schemas.microsoft.com/office/drawing/2010/main" w="9525">
                     <a:solidFill>
                       <a:srgbClr val="000000"/>
@@ -9299,7 +9299,7 @@
                 <a:noFill/>
               </a:ln>
               <a:extLst>
-                <a:ext uri="{91240B29-F687-4F45-9708-019B960494DF}">
+                <a:ext uri="{91240B29-F687-4f45-9708-019B960494DF}">
                   <a14:hiddenLine xmlns:a14="http://schemas.microsoft.com/office/drawing/2010/main" w="9525">
                     <a:solidFill>
                       <a:srgbClr val="000000"/>
@@ -9389,7 +9389,7 @@
                 <a:noFill/>
               </a:ln>
               <a:extLst>
-                <a:ext uri="{91240B29-F687-4F45-9708-019B960494DF}">
+                <a:ext uri="{91240B29-F687-4f45-9708-019B960494DF}">
                   <a14:hiddenLine xmlns:a14="http://schemas.microsoft.com/office/drawing/2010/main" w="9525">
                     <a:solidFill>
                       <a:srgbClr val="000000"/>
@@ -9451,7 +9451,7 @@
                 <a:noFill/>
               </a:ln>
               <a:extLst>
-                <a:ext uri="{91240B29-F687-4F45-9708-019B960494DF}">
+                <a:ext uri="{91240B29-F687-4f45-9708-019B960494DF}">
                   <a14:hiddenLine xmlns:a14="http://schemas.microsoft.com/office/drawing/2010/main" w="9525">
                     <a:solidFill>
                       <a:srgbClr val="000000"/>
@@ -9513,7 +9513,7 @@
                 <a:noFill/>
               </a:ln>
               <a:extLst>
-                <a:ext uri="{91240B29-F687-4F45-9708-019B960494DF}">
+                <a:ext uri="{91240B29-F687-4f45-9708-019B960494DF}">
                   <a14:hiddenLine xmlns:a14="http://schemas.microsoft.com/office/drawing/2010/main" w="9525">
                     <a:solidFill>
                       <a:srgbClr val="000000"/>
@@ -9603,7 +9603,7 @@
                 <a:noFill/>
               </a:ln>
               <a:extLst>
-                <a:ext uri="{91240B29-F687-4F45-9708-019B960494DF}">
+                <a:ext uri="{91240B29-F687-4f45-9708-019B960494DF}">
                   <a14:hiddenLine xmlns:a14="http://schemas.microsoft.com/office/drawing/2010/main" w="9525">
                     <a:solidFill>
                       <a:srgbClr val="000000"/>
@@ -9693,7 +9693,7 @@
                 <a:noFill/>
               </a:ln>
               <a:extLst>
-                <a:ext uri="{91240B29-F687-4F45-9708-019B960494DF}">
+                <a:ext uri="{91240B29-F687-4f45-9708-019B960494DF}">
                   <a14:hiddenLine xmlns:a14="http://schemas.microsoft.com/office/drawing/2010/main" w="9525">
                     <a:solidFill>
                       <a:srgbClr val="000000"/>
@@ -9755,7 +9755,7 @@
                 <a:noFill/>
               </a:ln>
               <a:extLst>
-                <a:ext uri="{91240B29-F687-4F45-9708-019B960494DF}">
+                <a:ext uri="{91240B29-F687-4f45-9708-019B960494DF}">
                   <a14:hiddenLine xmlns:a14="http://schemas.microsoft.com/office/drawing/2010/main" w="9525">
                     <a:solidFill>
                       <a:srgbClr val="000000"/>
@@ -9865,7 +9865,7 @@
                 <a:noFill/>
               </a:ln>
               <a:extLst>
-                <a:ext uri="{91240B29-F687-4F45-9708-019B960494DF}">
+                <a:ext uri="{91240B29-F687-4f45-9708-019B960494DF}">
                   <a14:hiddenLine xmlns:a14="http://schemas.microsoft.com/office/drawing/2010/main" w="9525">
                     <a:solidFill>
                       <a:srgbClr val="000000"/>
@@ -9949,7 +9949,7 @@
                 <a:noFill/>
               </a:ln>
               <a:extLst>
-                <a:ext uri="{91240B29-F687-4F45-9708-019B960494DF}">
+                <a:ext uri="{91240B29-F687-4f45-9708-019B960494DF}">
                   <a14:hiddenLine xmlns:a14="http://schemas.microsoft.com/office/drawing/2010/main" w="9525">
                     <a:solidFill>
                       <a:srgbClr val="000000"/>
@@ -10011,7 +10011,7 @@
                 <a:noFill/>
               </a:ln>
               <a:extLst>
-                <a:ext uri="{91240B29-F687-4F45-9708-019B960494DF}">
+                <a:ext uri="{91240B29-F687-4f45-9708-019B960494DF}">
                   <a14:hiddenLine xmlns:a14="http://schemas.microsoft.com/office/drawing/2010/main" w="9525">
                     <a:solidFill>
                       <a:srgbClr val="000000"/>
@@ -10073,7 +10073,7 @@
                 <a:noFill/>
               </a:ln>
               <a:extLst>
-                <a:ext uri="{91240B29-F687-4F45-9708-019B960494DF}">
+                <a:ext uri="{91240B29-F687-4f45-9708-019B960494DF}">
                   <a14:hiddenLine xmlns:a14="http://schemas.microsoft.com/office/drawing/2010/main" w="9525">
                     <a:solidFill>
                       <a:srgbClr val="000000"/>
@@ -10163,7 +10163,7 @@
                 <a:noFill/>
               </a:ln>
               <a:extLst>
-                <a:ext uri="{91240B29-F687-4F45-9708-019B960494DF}">
+                <a:ext uri="{91240B29-F687-4f45-9708-019B960494DF}">
                   <a14:hiddenLine xmlns:a14="http://schemas.microsoft.com/office/drawing/2010/main" w="9525">
                     <a:solidFill>
                       <a:srgbClr val="000000"/>
@@ -10197,7 +10197,7 @@
                 <a:noFill/>
               </a:ln>
               <a:extLst>
-                <a:ext uri="{91240B29-F687-4F45-9708-019B960494DF}">
+                <a:ext uri="{91240B29-F687-4f45-9708-019B960494DF}">
                   <a14:hiddenLine xmlns:a14="http://schemas.microsoft.com/office/drawing/2010/main" w="9525">
                     <a:solidFill>
                       <a:srgbClr val="000000"/>
@@ -10262,7 +10262,7 @@
                 <a:noFill/>
               </a:ln>
               <a:extLst>
-                <a:ext uri="{91240B29-F687-4F45-9708-019B960494DF}">
+                <a:ext uri="{91240B29-F687-4f45-9708-019B960494DF}">
                   <a14:hiddenLine xmlns:a14="http://schemas.microsoft.com/office/drawing/2010/main" w="9525">
                     <a:solidFill>
                       <a:srgbClr val="000000"/>
@@ -10352,7 +10352,7 @@
                 <a:noFill/>
               </a:ln>
               <a:extLst>
-                <a:ext uri="{91240B29-F687-4F45-9708-019B960494DF}">
+                <a:ext uri="{91240B29-F687-4f45-9708-019B960494DF}">
                   <a14:hiddenLine xmlns:a14="http://schemas.microsoft.com/office/drawing/2010/main" w="9525">
                     <a:solidFill>
                       <a:srgbClr val="000000"/>
@@ -10414,7 +10414,7 @@
                 <a:noFill/>
               </a:ln>
               <a:extLst>
-                <a:ext uri="{91240B29-F687-4F45-9708-019B960494DF}">
+                <a:ext uri="{91240B29-F687-4f45-9708-019B960494DF}">
                   <a14:hiddenLine xmlns:a14="http://schemas.microsoft.com/office/drawing/2010/main" w="9525">
                     <a:solidFill>
                       <a:srgbClr val="000000"/>
@@ -10504,7 +10504,7 @@
                 <a:noFill/>
               </a:ln>
               <a:extLst>
-                <a:ext uri="{91240B29-F687-4F45-9708-019B960494DF}">
+                <a:ext uri="{91240B29-F687-4f45-9708-019B960494DF}">
                   <a14:hiddenLine xmlns:a14="http://schemas.microsoft.com/office/drawing/2010/main" w="9525">
                     <a:solidFill>
                       <a:srgbClr val="000000"/>
@@ -10569,7 +10569,7 @@
                 <a:noFill/>
               </a:ln>
               <a:extLst>
-                <a:ext uri="{91240B29-F687-4F45-9708-019B960494DF}">
+                <a:ext uri="{91240B29-F687-4f45-9708-019B960494DF}">
                   <a14:hiddenLine xmlns:a14="http://schemas.microsoft.com/office/drawing/2010/main" w="9525">
                     <a:solidFill>
                       <a:srgbClr val="000000"/>
@@ -10631,7 +10631,7 @@
                 <a:noFill/>
               </a:ln>
               <a:extLst>
-                <a:ext uri="{91240B29-F687-4F45-9708-019B960494DF}">
+                <a:ext uri="{91240B29-F687-4f45-9708-019B960494DF}">
                   <a14:hiddenLine xmlns:a14="http://schemas.microsoft.com/office/drawing/2010/main" w="9525">
                     <a:solidFill>
                       <a:srgbClr val="000000"/>
@@ -10721,7 +10721,7 @@
                 <a:noFill/>
               </a:ln>
               <a:extLst>
-                <a:ext uri="{91240B29-F687-4F45-9708-019B960494DF}">
+                <a:ext uri="{91240B29-F687-4f45-9708-019B960494DF}">
                   <a14:hiddenLine xmlns:a14="http://schemas.microsoft.com/office/drawing/2010/main" w="9525">
                     <a:solidFill>
                       <a:srgbClr val="000000"/>
@@ -10811,7 +10811,7 @@
                 <a:noFill/>
               </a:ln>
               <a:extLst>
-                <a:ext uri="{91240B29-F687-4F45-9708-019B960494DF}">
+                <a:ext uri="{91240B29-F687-4f45-9708-019B960494DF}">
                   <a14:hiddenLine xmlns:a14="http://schemas.microsoft.com/office/drawing/2010/main" w="9525">
                     <a:solidFill>
                       <a:srgbClr val="000000"/>
@@ -10876,7 +10876,7 @@
                 <a:noFill/>
               </a:ln>
               <a:extLst>
-                <a:ext uri="{91240B29-F687-4F45-9708-019B960494DF}">
+                <a:ext uri="{91240B29-F687-4f45-9708-019B960494DF}">
                   <a14:hiddenLine xmlns:a14="http://schemas.microsoft.com/office/drawing/2010/main" w="9525">
                     <a:solidFill>
                       <a:srgbClr val="000000"/>
@@ -10996,7 +10996,7 @@
                 <a:noFill/>
               </a:ln>
               <a:extLst>
-                <a:ext uri="{91240B29-F687-4F45-9708-019B960494DF}">
+                <a:ext uri="{91240B29-F687-4f45-9708-019B960494DF}">
                   <a14:hiddenLine xmlns:a14="http://schemas.microsoft.com/office/drawing/2010/main" w="9525">
                     <a:solidFill>
                       <a:srgbClr val="000000"/>
@@ -11077,7 +11077,7 @@
                 <a:noFill/>
               </a:ln>
               <a:extLst>
-                <a:ext uri="{91240B29-F687-4F45-9708-019B960494DF}">
+                <a:ext uri="{91240B29-F687-4f45-9708-019B960494DF}">
                   <a14:hiddenLine xmlns:a14="http://schemas.microsoft.com/office/drawing/2010/main" w="9525">
                     <a:solidFill>
                       <a:srgbClr val="000000"/>
@@ -11192,7 +11192,7 @@
                 <a:noFill/>
               </a:ln>
               <a:extLst>
-                <a:ext uri="{91240B29-F687-4F45-9708-019B960494DF}">
+                <a:ext uri="{91240B29-F687-4f45-9708-019B960494DF}">
                   <a14:hiddenLine xmlns:a14="http://schemas.microsoft.com/office/drawing/2010/main" w="9525">
                     <a:solidFill>
                       <a:srgbClr val="000000"/>
@@ -11282,7 +11282,7 @@
                 <a:noFill/>
               </a:ln>
               <a:extLst>
-                <a:ext uri="{91240B29-F687-4F45-9708-019B960494DF}">
+                <a:ext uri="{91240B29-F687-4f45-9708-019B960494DF}">
                   <a14:hiddenLine xmlns:a14="http://schemas.microsoft.com/office/drawing/2010/main" w="9525">
                     <a:solidFill>
                       <a:srgbClr val="000000"/>
@@ -11347,7 +11347,7 @@
                 <a:noFill/>
               </a:ln>
               <a:extLst>
-                <a:ext uri="{91240B29-F687-4F45-9708-019B960494DF}">
+                <a:ext uri="{91240B29-F687-4f45-9708-019B960494DF}">
                   <a14:hiddenLine xmlns:a14="http://schemas.microsoft.com/office/drawing/2010/main" w="9525">
                     <a:solidFill>
                       <a:srgbClr val="000000"/>
@@ -11437,7 +11437,7 @@
                 <a:noFill/>
               </a:ln>
               <a:extLst>
-                <a:ext uri="{91240B29-F687-4F45-9708-019B960494DF}">
+                <a:ext uri="{91240B29-F687-4f45-9708-019B960494DF}">
                   <a14:hiddenLine xmlns:a14="http://schemas.microsoft.com/office/drawing/2010/main" w="9525">
                     <a:solidFill>
                       <a:srgbClr val="000000"/>
@@ -11505,7 +11505,7 @@
                 <a:noFill/>
               </a:ln>
               <a:extLst>
-                <a:ext uri="{91240B29-F687-4F45-9708-019B960494DF}">
+                <a:ext uri="{91240B29-F687-4f45-9708-019B960494DF}">
                   <a14:hiddenLine xmlns:a14="http://schemas.microsoft.com/office/drawing/2010/main" w="9525">
                     <a:solidFill>
                       <a:srgbClr val="000000"/>
@@ -11595,7 +11595,7 @@
                 <a:noFill/>
               </a:ln>
               <a:extLst>
-                <a:ext uri="{91240B29-F687-4F45-9708-019B960494DF}">
+                <a:ext uri="{91240B29-F687-4f45-9708-019B960494DF}">
                   <a14:hiddenLine xmlns:a14="http://schemas.microsoft.com/office/drawing/2010/main" w="9525">
                     <a:solidFill>
                       <a:srgbClr val="000000"/>
@@ -11663,7 +11663,7 @@
                 <a:noFill/>
               </a:ln>
               <a:extLst>
-                <a:ext uri="{91240B29-F687-4F45-9708-019B960494DF}">
+                <a:ext uri="{91240B29-F687-4f45-9708-019B960494DF}">
                   <a14:hiddenLine xmlns:a14="http://schemas.microsoft.com/office/drawing/2010/main" w="9525">
                     <a:solidFill>
                       <a:srgbClr val="000000"/>
@@ -11753,7 +11753,7 @@
                 <a:noFill/>
               </a:ln>
               <a:extLst>
-                <a:ext uri="{91240B29-F687-4F45-9708-019B960494DF}">
+                <a:ext uri="{91240B29-F687-4f45-9708-019B960494DF}">
                   <a14:hiddenLine xmlns:a14="http://schemas.microsoft.com/office/drawing/2010/main" w="9525">
                     <a:solidFill>
                       <a:srgbClr val="000000"/>
@@ -11787,7 +11787,7 @@
                 <a:noFill/>
               </a:ln>
               <a:extLst>
-                <a:ext uri="{91240B29-F687-4F45-9708-019B960494DF}">
+                <a:ext uri="{91240B29-F687-4f45-9708-019B960494DF}">
                   <a14:hiddenLine xmlns:a14="http://schemas.microsoft.com/office/drawing/2010/main" w="9525">
                     <a:solidFill>
                       <a:srgbClr val="000000"/>
@@ -11929,7 +11929,7 @@
             <a:fld id="{48A87A34-81AB-432B-8DAE-1953F412C126}" type="datetimeFigureOut">
               <a:rPr lang="en-US" dirty="0"/>
               <a:pPr/>
-              <a:t>3/18/2014</a:t>
+              <a:t>3/30/14</a:t>
             </a:fld>
             <a:endParaRPr lang="en-US" dirty="0"/>
           </a:p>
@@ -12362,7 +12362,7 @@
           <a:p>
             <a:r>
               <a:rPr lang="en-US" dirty="0" smtClean="0"/>
-              <a:t>SELLING SMILES!</a:t>
+              <a:t>Computer Game and simulation programming</a:t>
             </a:r>
             <a:endParaRPr lang="en-US" dirty="0"/>
           </a:p>
@@ -12385,14 +12385,10 @@
           <a:p>
             <a:r>
               <a:rPr lang="en-US" dirty="0" smtClean="0"/>
-              <a:t>By Yi Zhao, Jack Phillips </a:t>
+              <a:t>By Yi Zhao, Jack Phillips and Ken </a:t>
             </a:r>
             <a:r>
-              <a:rPr lang="en-US" dirty="0" smtClean="0"/>
-              <a:t>and Ken </a:t>
-            </a:r>
-            <a:r>
-              <a:rPr lang="en-US" smtClean="0"/>
+              <a:rPr lang="en-US" dirty="0" err="1" smtClean="0"/>
               <a:t>pomeranz</a:t>
             </a:r>
             <a:endParaRPr lang="en-US" dirty="0"/>
@@ -12446,7 +12442,7 @@
           <a:p>
             <a:r>
               <a:rPr lang="en-US" dirty="0" smtClean="0"/>
-              <a:t>Real world challenges</a:t>
+              <a:t>Task</a:t>
             </a:r>
             <a:endParaRPr lang="en-US" dirty="0"/>
           </a:p>
@@ -12467,62 +12463,14 @@
           <a:bodyPr/>
           <a:lstStyle/>
           <a:p>
-            <a:r>
-              <a:rPr lang="en-US" dirty="0" smtClean="0"/>
-              <a:t>Develops skills relevant to the working environment</a:t>
-            </a:r>
-          </a:p>
-          <a:p>
-            <a:r>
-              <a:rPr lang="en-US" dirty="0" smtClean="0"/>
-              <a:t>Gameplay revolves around five real business challenges:</a:t>
-            </a:r>
-          </a:p>
-          <a:p>
-            <a:pPr lvl="1"/>
-            <a:r>
-              <a:rPr lang="en-US" dirty="0" smtClean="0"/>
-              <a:t>Charisma-getting to know people better</a:t>
-            </a:r>
-          </a:p>
-          <a:p>
-            <a:pPr lvl="1"/>
-            <a:r>
-              <a:rPr lang="en-US" dirty="0" smtClean="0"/>
-              <a:t>Negotiation-selling items</a:t>
-            </a:r>
-          </a:p>
-          <a:p>
-            <a:pPr lvl="1"/>
-            <a:r>
-              <a:rPr lang="en-US" dirty="0" smtClean="0"/>
-              <a:t>Leadership-stepping in someone else's shoes and guiding them accordingly</a:t>
-            </a:r>
-          </a:p>
-          <a:p>
-            <a:pPr lvl="1"/>
-            <a:r>
-              <a:rPr lang="en-US" dirty="0" smtClean="0"/>
-              <a:t>Time management-finishing tasks with time restraints</a:t>
-            </a:r>
-          </a:p>
-          <a:p>
-            <a:pPr lvl="1"/>
-            <a:r>
-              <a:rPr lang="en-US" dirty="0" smtClean="0"/>
-              <a:t>Learning-learning new things in a pressured environment</a:t>
-            </a:r>
-          </a:p>
-          <a:p>
-            <a:pPr lvl="1"/>
-            <a:endParaRPr lang="en-US" dirty="0"/>
+            <a:endParaRPr lang="en-US"/>
           </a:p>
         </p:txBody>
       </p:sp>
     </p:spTree>
     <p:extLst>
       <p:ext uri="{BB962C8B-B14F-4D97-AF65-F5344CB8AC3E}">
-        <p14:creationId xmlns:p14="http://schemas.microsoft.com/office/powerpoint/2010/main" val="2772829097"/>
+        <p14:creationId xmlns:p14="http://schemas.microsoft.com/office/powerpoint/2010/main" val="694324875"/>
       </p:ext>
     </p:extLst>
   </p:cSld>
@@ -12566,7 +12514,7 @@
           <a:p>
             <a:r>
               <a:rPr lang="en-US" dirty="0" smtClean="0"/>
-              <a:t>Gameplay Challenges</a:t>
+              <a:t>Real world challenges</a:t>
             </a:r>
             <a:endParaRPr lang="en-US" dirty="0"/>
           </a:p>
@@ -12589,50 +12537,47 @@
           <a:p>
             <a:r>
               <a:rPr lang="en-US" dirty="0" smtClean="0"/>
-              <a:t>In the game, we mirror a real working environment and the challenges it poses</a:t>
+              <a:t>Charisma</a:t>
             </a:r>
           </a:p>
           <a:p>
-            <a:pPr lvl="1"/>
             <a:r>
               <a:rPr lang="en-US" dirty="0" smtClean="0"/>
-              <a:t>Charisma-meet other characters by handshaking</a:t>
+              <a:t>Negotiation</a:t>
             </a:r>
-          </a:p>
-          <a:p>
-            <a:pPr lvl="1"/>
+            <a:endParaRPr lang="en-US" dirty="0" smtClean="0"/>
+          </a:p>
+          <a:p>
             <a:r>
               <a:rPr lang="en-US" dirty="0" smtClean="0"/>
-              <a:t>Negotiation-carry the product to the customer</a:t>
+              <a:t>Leadership</a:t>
             </a:r>
-          </a:p>
-          <a:p>
-            <a:pPr lvl="1"/>
+            <a:endParaRPr lang="en-US" dirty="0" smtClean="0"/>
+          </a:p>
+          <a:p>
             <a:r>
               <a:rPr lang="en-US" dirty="0" smtClean="0"/>
-              <a:t>Leadership-lead a coworker to a destination</a:t>
+              <a:t>Time </a:t>
             </a:r>
-          </a:p>
-          <a:p>
-            <a:pPr lvl="1"/>
             <a:r>
               <a:rPr lang="en-US" dirty="0" smtClean="0"/>
-              <a:t>Time management-finish the level in a designated time period</a:t>
+              <a:t>management</a:t>
             </a:r>
-          </a:p>
-          <a:p>
-            <a:pPr lvl="1"/>
+            <a:endParaRPr lang="en-US" dirty="0"/>
+          </a:p>
+          <a:p>
             <a:r>
               <a:rPr lang="en-US" dirty="0" smtClean="0"/>
-              <a:t>Learning-learn new words integrated in the gameplay for end of level quiz</a:t>
+              <a:t>Learning</a:t>
             </a:r>
+            <a:endParaRPr lang="en-US" dirty="0"/>
           </a:p>
         </p:txBody>
       </p:sp>
     </p:spTree>
     <p:extLst>
       <p:ext uri="{BB962C8B-B14F-4D97-AF65-F5344CB8AC3E}">
-        <p14:creationId xmlns:p14="http://schemas.microsoft.com/office/powerpoint/2010/main" val="390817914"/>
+        <p14:creationId xmlns:p14="http://schemas.microsoft.com/office/powerpoint/2010/main" val="2772829097"/>
       </p:ext>
     </p:extLst>
   </p:cSld>
@@ -12682,77 +12627,117 @@
           </a:p>
         </p:txBody>
       </p:sp>
-      <p:sp>
-        <p:nvSpPr>
-          <p:cNvPr id="3" name="Content Placeholder 2"/>
-          <p:cNvSpPr>
-            <a:spLocks noGrp="1"/>
-          </p:cNvSpPr>
+      <p:pic>
+        <p:nvPicPr>
+          <p:cNvPr id="4" name="Content Placeholder 3" descr="Adobe_Flash_Professional_CS5_icon.png"/>
+          <p:cNvPicPr>
+            <a:picLocks noGrp="1" noChangeAspect="1"/>
+          </p:cNvPicPr>
           <p:nvPr>
             <p:ph idx="1"/>
           </p:nvPr>
+        </p:nvPicPr>
+        <p:blipFill>
+          <a:blip r:embed="rId2">
+            <a:extLst>
+              <a:ext uri="{28A0092B-C50C-407E-A947-70E740481C1C}">
+                <a14:useLocalDpi xmlns:a14="http://schemas.microsoft.com/office/drawing/2010/main" val="0"/>
+              </a:ext>
+            </a:extLst>
+          </a:blip>
+          <a:srcRect t="2279" b="2279"/>
+          <a:stretch>
+            <a:fillRect/>
+          </a:stretch>
+        </p:blipFill>
+        <p:spPr>
+          <a:xfrm>
+            <a:off x="2861507" y="2884457"/>
+            <a:ext cx="2781901" cy="2627612"/>
+          </a:xfrm>
+        </p:spPr>
+      </p:pic>
+      <p:sp>
+        <p:nvSpPr>
+          <p:cNvPr id="5" name="TextBox 4"/>
+          <p:cNvSpPr txBox="1"/>
+          <p:nvPr/>
         </p:nvSpPr>
-        <p:spPr/>
+        <p:spPr>
+          <a:xfrm>
+            <a:off x="3011066" y="2232936"/>
+            <a:ext cx="2482783" cy="646331"/>
+          </a:xfrm>
+          <a:prstGeom prst="rect">
+            <a:avLst/>
+          </a:prstGeom>
+          <a:noFill/>
+        </p:spPr>
         <p:txBody>
-          <a:bodyPr/>
+          <a:bodyPr wrap="square" rtlCol="0">
+            <a:spAutoFit/>
+          </a:bodyPr>
           <a:lstStyle/>
           <a:p>
             <a:r>
-              <a:rPr lang="en-US" dirty="0" smtClean="0"/>
-              <a:t>Used </a:t>
+              <a:rPr lang="en-US" sz="3600" dirty="0" smtClean="0"/>
+              <a:t>Adobe Flash</a:t>
             </a:r>
+            <a:endParaRPr lang="en-US" sz="3600" dirty="0"/>
+          </a:p>
+        </p:txBody>
+      </p:sp>
+      <p:pic>
+        <p:nvPicPr>
+          <p:cNvPr id="6" name="Picture 5"/>
+          <p:cNvPicPr>
+            <a:picLocks noChangeAspect="1"/>
+          </p:cNvPicPr>
+          <p:nvPr/>
+        </p:nvPicPr>
+        <p:blipFill>
+          <a:blip r:embed="rId3"/>
+          <a:stretch>
+            <a:fillRect/>
+          </a:stretch>
+        </p:blipFill>
+        <p:spPr>
+          <a:xfrm>
+            <a:off x="6436334" y="2337224"/>
+            <a:ext cx="3534795" cy="3534795"/>
+          </a:xfrm>
+          <a:prstGeom prst="rect">
+            <a:avLst/>
+          </a:prstGeom>
+        </p:spPr>
+      </p:pic>
+      <p:sp>
+        <p:nvSpPr>
+          <p:cNvPr id="7" name="TextBox 6"/>
+          <p:cNvSpPr txBox="1"/>
+          <p:nvPr/>
+        </p:nvSpPr>
+        <p:spPr>
+          <a:xfrm>
+            <a:off x="7468326" y="2232936"/>
+            <a:ext cx="1470811" cy="646331"/>
+          </a:xfrm>
+          <a:prstGeom prst="rect">
+            <a:avLst/>
+          </a:prstGeom>
+          <a:noFill/>
+        </p:spPr>
+        <p:txBody>
+          <a:bodyPr wrap="square" rtlCol="0">
+            <a:spAutoFit/>
+          </a:bodyPr>
+          <a:lstStyle/>
+          <a:p>
             <a:r>
-              <a:rPr lang="en-US" dirty="0" err="1" smtClean="0"/>
+              <a:rPr lang="en-US" sz="3600" dirty="0" err="1" smtClean="0"/>
               <a:t>Github</a:t>
             </a:r>
-            <a:r>
-              <a:rPr lang="en-US" dirty="0" smtClean="0"/>
-              <a:t> for version control and collaboration</a:t>
-            </a:r>
-          </a:p>
-          <a:p>
-            <a:r>
-              <a:rPr lang="en-US" dirty="0" smtClean="0"/>
-              <a:t>Used Adobe Flash and </a:t>
-            </a:r>
-            <a:r>
-              <a:rPr lang="en-US" dirty="0" err="1" smtClean="0"/>
-              <a:t>Actionscript</a:t>
-            </a:r>
-            <a:r>
-              <a:rPr lang="en-US" dirty="0" smtClean="0"/>
-              <a:t> for a programming and design</a:t>
-            </a:r>
-          </a:p>
-          <a:p>
-            <a:pPr lvl="1"/>
-            <a:r>
-              <a:rPr lang="en-US" dirty="0" smtClean="0"/>
-              <a:t>Adobe flash player is universal, so practically anyone can play our game</a:t>
-            </a:r>
-          </a:p>
-          <a:p>
-            <a:pPr lvl="1"/>
-            <a:r>
-              <a:rPr lang="en-US" dirty="0" smtClean="0"/>
-              <a:t>We used the object oriented </a:t>
-            </a:r>
-            <a:r>
-              <a:rPr lang="en-US" dirty="0" err="1" smtClean="0"/>
-              <a:t>Actionscript</a:t>
-            </a:r>
-            <a:r>
-              <a:rPr lang="en-US" dirty="0" smtClean="0"/>
-              <a:t> 3.0 for the API and scripting</a:t>
-            </a:r>
-          </a:p>
-          <a:p>
-            <a:pPr lvl="1"/>
-            <a:r>
-              <a:rPr lang="en-US" dirty="0" smtClean="0"/>
-              <a:t>We used Flash itself for artwork, animation and design.</a:t>
-            </a:r>
-            <a:endParaRPr lang="en-US" dirty="0"/>
+            <a:endParaRPr lang="en-US" sz="3600" dirty="0"/>
           </a:p>
         </p:txBody>
       </p:sp>
@@ -12826,62 +12811,15 @@
         <p:spPr/>
         <p:txBody>
           <a:bodyPr>
-            <a:normAutofit lnSpcReduction="10000"/>
+            <a:normAutofit/>
           </a:bodyPr>
           <a:lstStyle/>
           <a:p>
             <a:r>
               <a:rPr lang="en-US" dirty="0" smtClean="0"/>
-              <a:t>All code was written by our team members</a:t>
-            </a:r>
-          </a:p>
-          <a:p>
-            <a:r>
-              <a:rPr lang="en-US" dirty="0" smtClean="0"/>
-              <a:t>The API, which we made ourselves, is open-source and portable to other Flash projects</a:t>
-            </a:r>
-          </a:p>
-          <a:p>
-            <a:pPr lvl="1"/>
-            <a:r>
-              <a:rPr lang="en-US" dirty="0" smtClean="0"/>
-              <a:t>Xcf8u</a:t>
-            </a:r>
-          </a:p>
-          <a:p>
-            <a:pPr lvl="1"/>
-            <a:r>
-              <a:rPr lang="en-US" dirty="0" err="1" smtClean="0"/>
-              <a:t>Syatdfkds</a:t>
+              <a:t>Put some stuff here about coding</a:t>
             </a:r>
             <a:endParaRPr lang="en-US" dirty="0" smtClean="0"/>
-          </a:p>
-          <a:p>
-            <a:pPr lvl="1"/>
-            <a:r>
-              <a:rPr lang="en-US" dirty="0" err="1" smtClean="0"/>
-              <a:t>Jadf</a:t>
-            </a:r>
-            <a:endParaRPr lang="en-US" dirty="0" smtClean="0"/>
-          </a:p>
-          <a:p>
-            <a:pPr lvl="1"/>
-            <a:r>
-              <a:rPr lang="en-US" dirty="0" smtClean="0"/>
-              <a:t>WEAR</a:t>
-            </a:r>
-          </a:p>
-          <a:p>
-            <a:pPr lvl="1"/>
-            <a:r>
-              <a:rPr lang="en-US" dirty="0" err="1" smtClean="0"/>
-              <a:t>asdfd</a:t>
-            </a:r>
-            <a:endParaRPr lang="en-US" dirty="0" smtClean="0"/>
-          </a:p>
-          <a:p>
-            <a:pPr lvl="1"/>
-            <a:endParaRPr lang="en-US" dirty="0"/>
           </a:p>
         </p:txBody>
       </p:sp>
@@ -12955,28 +12893,41 @@
           <a:p>
             <a:r>
               <a:rPr lang="en-US" dirty="0" smtClean="0"/>
-              <a:t>Doodle style design philosophy</a:t>
+              <a:t>Doodle </a:t>
             </a:r>
-          </a:p>
-          <a:p>
             <a:r>
               <a:rPr lang="en-US" dirty="0" smtClean="0"/>
-              <a:t>Made to emulate a real world working place</a:t>
+              <a:t>style</a:t>
             </a:r>
           </a:p>
           <a:p>
+            <a:pPr lvl="1"/>
             <a:r>
               <a:rPr lang="en-US" dirty="0" smtClean="0"/>
-              <a:t>The backgrounds progressively become more complex</a:t>
+              <a:t>Black and white</a:t>
             </a:r>
+            <a:endParaRPr lang="en-US" dirty="0" smtClean="0"/>
           </a:p>
           <a:p>
             <a:r>
               <a:rPr lang="en-US" dirty="0" smtClean="0"/>
-              <a:t>The colors are used sparingly and for clarity only</a:t>
+              <a:t>Real world </a:t>
             </a:r>
-          </a:p>
-          <a:p>
+            <a:r>
+              <a:rPr lang="en-US" dirty="0" smtClean="0"/>
+              <a:t>working place</a:t>
+            </a:r>
+          </a:p>
+          <a:p>
+            <a:r>
+              <a:rPr lang="en-US" dirty="0" smtClean="0"/>
+              <a:t>Backgrounds are business themed</a:t>
+            </a:r>
+          </a:p>
+          <a:p>
+            <a:pPr marL="0" indent="0">
+              <a:buNone/>
+            </a:pPr>
             <a:endParaRPr lang="en-US" dirty="0" smtClean="0"/>
           </a:p>
         </p:txBody>
@@ -13109,7 +13060,7 @@
     </a:clrScheme>
     <a:fontScheme name="Circuit">
       <a:majorFont>
-        <a:latin typeface="Tw Cen MT" panose="020B0602020104020603"/>
+        <a:latin typeface="Tw Cen MT"/>
         <a:ea typeface=""/>
         <a:cs typeface=""/>
         <a:font script="Jpan" typeface="ＭＳ Ｐゴシック"/>
@@ -13144,7 +13095,7 @@
         <a:font script="Geor" typeface="Sylfaen"/>
       </a:majorFont>
       <a:minorFont>
-        <a:latin typeface="Tw Cen MT" panose="020B0602020104020603"/>
+        <a:latin typeface="Tw Cen MT"/>
         <a:ea typeface=""/>
         <a:cs typeface=""/>
         <a:font script="Jpan" typeface="ＭＳ Ｐゴシック"/>
@@ -13311,7 +13262,7 @@
   <a:extraClrSchemeLst/>
   <a:extLst>
     <a:ext uri="{05A4C25C-085E-4340-85A3-A5531E510DB2}">
-      <thm15:themeFamily xmlns:thm15="http://schemas.microsoft.com/office/thememl/2012/main" xmlns="" name="Circuit" id="{0AC2F7E7-15F5-431C-B2A2-456FE929F56C}" vid="{142578CA-DEC9-49C3-80AF-C113973CC9A9}"/>
+      <thm15:themeFamily xmlns="" xmlns:thm15="http://schemas.microsoft.com/office/thememl/2012/main" name="Circuit" id="{0AC2F7E7-15F5-431C-B2A2-456FE929F56C}" vid="{142578CA-DEC9-49C3-80AF-C113973CC9A9}"/>
     </a:ext>
   </a:extLst>
 </a:theme>

--- a/Powerpoint.pptx
+++ b/Powerpoint.pptx
@@ -169,7 +169,7 @@
           </a:prstGeom>
           <a:noFill/>
           <a:extLst>
-            <a:ext uri="{909E8E84-426E-40dd-AFC4-6F175D3DCCD1}">
+            <a:ext uri="{909E8E84-426E-40DD-AFC4-6F175D3DCCD1}">
               <a14:hiddenFill xmlns:a14="http://schemas.microsoft.com/office/drawing/2010/main">
                 <a:solidFill>
                   <a:srgbClr val="FFFFFF"/>
@@ -228,7 +228,7 @@
               <a:noFill/>
             </a:ln>
             <a:extLst>
-              <a:ext uri="{91240B29-F687-4f45-9708-019B960494DF}">
+              <a:ext uri="{91240B29-F687-4F45-9708-019B960494DF}">
                 <a14:hiddenLine xmlns:a14="http://schemas.microsoft.com/office/drawing/2010/main" w="9525">
                   <a:solidFill>
                     <a:srgbClr val="000000"/>
@@ -318,7 +318,7 @@
               <a:noFill/>
             </a:ln>
             <a:extLst>
-              <a:ext uri="{91240B29-F687-4f45-9708-019B960494DF}">
+              <a:ext uri="{91240B29-F687-4F45-9708-019B960494DF}">
                 <a14:hiddenLine xmlns:a14="http://schemas.microsoft.com/office/drawing/2010/main" w="9525">
                   <a:solidFill>
                     <a:srgbClr val="000000"/>
@@ -408,7 +408,7 @@
               <a:noFill/>
             </a:ln>
             <a:extLst>
-              <a:ext uri="{91240B29-F687-4f45-9708-019B960494DF}">
+              <a:ext uri="{91240B29-F687-4F45-9708-019B960494DF}">
                 <a14:hiddenLine xmlns:a14="http://schemas.microsoft.com/office/drawing/2010/main" w="9525">
                   <a:solidFill>
                     <a:srgbClr val="000000"/>
@@ -442,7 +442,7 @@
               <a:noFill/>
             </a:ln>
             <a:extLst>
-              <a:ext uri="{91240B29-F687-4f45-9708-019B960494DF}">
+              <a:ext uri="{91240B29-F687-4F45-9708-019B960494DF}">
                 <a14:hiddenLine xmlns:a14="http://schemas.microsoft.com/office/drawing/2010/main" w="9525">
                   <a:solidFill>
                     <a:srgbClr val="000000"/>
@@ -532,7 +532,7 @@
               <a:noFill/>
             </a:ln>
             <a:extLst>
-              <a:ext uri="{91240B29-F687-4f45-9708-019B960494DF}">
+              <a:ext uri="{91240B29-F687-4F45-9708-019B960494DF}">
                 <a14:hiddenLine xmlns:a14="http://schemas.microsoft.com/office/drawing/2010/main" w="9525">
                   <a:solidFill>
                     <a:srgbClr val="000000"/>
@@ -594,7 +594,7 @@
               <a:noFill/>
             </a:ln>
             <a:extLst>
-              <a:ext uri="{91240B29-F687-4f45-9708-019B960494DF}">
+              <a:ext uri="{91240B29-F687-4F45-9708-019B960494DF}">
                 <a14:hiddenLine xmlns:a14="http://schemas.microsoft.com/office/drawing/2010/main" w="9525">
                   <a:solidFill>
                     <a:srgbClr val="000000"/>
@@ -656,7 +656,7 @@
               <a:noFill/>
             </a:ln>
             <a:extLst>
-              <a:ext uri="{91240B29-F687-4f45-9708-019B960494DF}">
+              <a:ext uri="{91240B29-F687-4F45-9708-019B960494DF}">
                 <a14:hiddenLine xmlns:a14="http://schemas.microsoft.com/office/drawing/2010/main" w="9525">
                   <a:solidFill>
                     <a:srgbClr val="000000"/>
@@ -746,7 +746,7 @@
               <a:noFill/>
             </a:ln>
             <a:extLst>
-              <a:ext uri="{91240B29-F687-4f45-9708-019B960494DF}">
+              <a:ext uri="{91240B29-F687-4F45-9708-019B960494DF}">
                 <a14:hiddenLine xmlns:a14="http://schemas.microsoft.com/office/drawing/2010/main" w="9525">
                   <a:solidFill>
                     <a:srgbClr val="000000"/>
@@ -808,7 +808,7 @@
               <a:noFill/>
             </a:ln>
             <a:extLst>
-              <a:ext uri="{91240B29-F687-4f45-9708-019B960494DF}">
+              <a:ext uri="{91240B29-F687-4F45-9708-019B960494DF}">
                 <a14:hiddenLine xmlns:a14="http://schemas.microsoft.com/office/drawing/2010/main" w="9525">
                   <a:solidFill>
                     <a:srgbClr val="000000"/>
@@ -870,7 +870,7 @@
               <a:noFill/>
             </a:ln>
             <a:extLst>
-              <a:ext uri="{91240B29-F687-4f45-9708-019B960494DF}">
+              <a:ext uri="{91240B29-F687-4F45-9708-019B960494DF}">
                 <a14:hiddenLine xmlns:a14="http://schemas.microsoft.com/office/drawing/2010/main" w="9525">
                   <a:solidFill>
                     <a:srgbClr val="000000"/>
@@ -960,7 +960,7 @@
               <a:noFill/>
             </a:ln>
             <a:extLst>
-              <a:ext uri="{91240B29-F687-4f45-9708-019B960494DF}">
+              <a:ext uri="{91240B29-F687-4F45-9708-019B960494DF}">
                 <a14:hiddenLine xmlns:a14="http://schemas.microsoft.com/office/drawing/2010/main" w="9525">
                   <a:solidFill>
                     <a:srgbClr val="000000"/>
@@ -1050,7 +1050,7 @@
               <a:noFill/>
             </a:ln>
             <a:extLst>
-              <a:ext uri="{91240B29-F687-4f45-9708-019B960494DF}">
+              <a:ext uri="{91240B29-F687-4F45-9708-019B960494DF}">
                 <a14:hiddenLine xmlns:a14="http://schemas.microsoft.com/office/drawing/2010/main" w="9525">
                   <a:solidFill>
                     <a:srgbClr val="000000"/>
@@ -1112,7 +1112,7 @@
               <a:noFill/>
             </a:ln>
             <a:extLst>
-              <a:ext uri="{91240B29-F687-4f45-9708-019B960494DF}">
+              <a:ext uri="{91240B29-F687-4F45-9708-019B960494DF}">
                 <a14:hiddenLine xmlns:a14="http://schemas.microsoft.com/office/drawing/2010/main" w="9525">
                   <a:solidFill>
                     <a:srgbClr val="000000"/>
@@ -1222,7 +1222,7 @@
               <a:noFill/>
             </a:ln>
             <a:extLst>
-              <a:ext uri="{91240B29-F687-4f45-9708-019B960494DF}">
+              <a:ext uri="{91240B29-F687-4F45-9708-019B960494DF}">
                 <a14:hiddenLine xmlns:a14="http://schemas.microsoft.com/office/drawing/2010/main" w="9525">
                   <a:solidFill>
                     <a:srgbClr val="000000"/>
@@ -1284,7 +1284,7 @@
               <a:noFill/>
             </a:ln>
             <a:extLst>
-              <a:ext uri="{91240B29-F687-4f45-9708-019B960494DF}">
+              <a:ext uri="{91240B29-F687-4F45-9708-019B960494DF}">
                 <a14:hiddenLine xmlns:a14="http://schemas.microsoft.com/office/drawing/2010/main" w="9525">
                   <a:solidFill>
                     <a:srgbClr val="000000"/>
@@ -1374,7 +1374,7 @@
               <a:noFill/>
             </a:ln>
             <a:extLst>
-              <a:ext uri="{91240B29-F687-4f45-9708-019B960494DF}">
+              <a:ext uri="{91240B29-F687-4F45-9708-019B960494DF}">
                 <a14:hiddenLine xmlns:a14="http://schemas.microsoft.com/office/drawing/2010/main" w="9525">
                   <a:solidFill>
                     <a:srgbClr val="000000"/>
@@ -1464,7 +1464,7 @@
               <a:noFill/>
             </a:ln>
             <a:extLst>
-              <a:ext uri="{91240B29-F687-4f45-9708-019B960494DF}">
+              <a:ext uri="{91240B29-F687-4F45-9708-019B960494DF}">
                 <a14:hiddenLine xmlns:a14="http://schemas.microsoft.com/office/drawing/2010/main" w="9525">
                   <a:solidFill>
                     <a:srgbClr val="000000"/>
@@ -1526,7 +1526,7 @@
               <a:noFill/>
             </a:ln>
             <a:extLst>
-              <a:ext uri="{91240B29-F687-4f45-9708-019B960494DF}">
+              <a:ext uri="{91240B29-F687-4F45-9708-019B960494DF}">
                 <a14:hiddenLine xmlns:a14="http://schemas.microsoft.com/office/drawing/2010/main" w="9525">
                   <a:solidFill>
                     <a:srgbClr val="000000"/>
@@ -1616,7 +1616,7 @@
               <a:noFill/>
             </a:ln>
             <a:extLst>
-              <a:ext uri="{91240B29-F687-4f45-9708-019B960494DF}">
+              <a:ext uri="{91240B29-F687-4F45-9708-019B960494DF}">
                 <a14:hiddenLine xmlns:a14="http://schemas.microsoft.com/office/drawing/2010/main" w="9525">
                   <a:solidFill>
                     <a:srgbClr val="000000"/>
@@ -1706,7 +1706,7 @@
               <a:noFill/>
             </a:ln>
             <a:extLst>
-              <a:ext uri="{91240B29-F687-4f45-9708-019B960494DF}">
+              <a:ext uri="{91240B29-F687-4F45-9708-019B960494DF}">
                 <a14:hiddenLine xmlns:a14="http://schemas.microsoft.com/office/drawing/2010/main" w="9525">
                   <a:solidFill>
                     <a:srgbClr val="000000"/>
@@ -1762,7 +1762,7 @@
               <a:noFill/>
             </a:ln>
             <a:extLst>
-              <a:ext uri="{91240B29-F687-4f45-9708-019B960494DF}">
+              <a:ext uri="{91240B29-F687-4F45-9708-019B960494DF}">
                 <a14:hiddenLine xmlns:a14="http://schemas.microsoft.com/office/drawing/2010/main" w="9525">
                   <a:solidFill>
                     <a:srgbClr val="000000"/>
@@ -1852,7 +1852,7 @@
               <a:noFill/>
             </a:ln>
             <a:extLst>
-              <a:ext uri="{91240B29-F687-4f45-9708-019B960494DF}">
+              <a:ext uri="{91240B29-F687-4F45-9708-019B960494DF}">
                 <a14:hiddenLine xmlns:a14="http://schemas.microsoft.com/office/drawing/2010/main" w="9525">
                   <a:solidFill>
                     <a:srgbClr val="000000"/>
@@ -1908,7 +1908,7 @@
               <a:noFill/>
             </a:ln>
             <a:extLst>
-              <a:ext uri="{91240B29-F687-4f45-9708-019B960494DF}">
+              <a:ext uri="{91240B29-F687-4F45-9708-019B960494DF}">
                 <a14:hiddenLine xmlns:a14="http://schemas.microsoft.com/office/drawing/2010/main" w="9525">
                   <a:solidFill>
                     <a:srgbClr val="000000"/>
@@ -1998,7 +1998,7 @@
               <a:noFill/>
             </a:ln>
             <a:extLst>
-              <a:ext uri="{91240B29-F687-4f45-9708-019B960494DF}">
+              <a:ext uri="{91240B29-F687-4F45-9708-019B960494DF}">
                 <a14:hiddenLine xmlns:a14="http://schemas.microsoft.com/office/drawing/2010/main" w="9525">
                   <a:solidFill>
                     <a:srgbClr val="000000"/>
@@ -2066,7 +2066,7 @@
               <a:noFill/>
             </a:ln>
             <a:extLst>
-              <a:ext uri="{91240B29-F687-4f45-9708-019B960494DF}">
+              <a:ext uri="{91240B29-F687-4F45-9708-019B960494DF}">
                 <a14:hiddenLine xmlns:a14="http://schemas.microsoft.com/office/drawing/2010/main" w="9525">
                   <a:solidFill>
                     <a:srgbClr val="000000"/>
@@ -2156,7 +2156,7 @@
               <a:noFill/>
             </a:ln>
             <a:extLst>
-              <a:ext uri="{91240B29-F687-4f45-9708-019B960494DF}">
+              <a:ext uri="{91240B29-F687-4F45-9708-019B960494DF}">
                 <a14:hiddenLine xmlns:a14="http://schemas.microsoft.com/office/drawing/2010/main" w="9525">
                   <a:solidFill>
                     <a:srgbClr val="000000"/>
@@ -2224,7 +2224,7 @@
               <a:noFill/>
             </a:ln>
             <a:extLst>
-              <a:ext uri="{91240B29-F687-4f45-9708-019B960494DF}">
+              <a:ext uri="{91240B29-F687-4F45-9708-019B960494DF}">
                 <a14:hiddenLine xmlns:a14="http://schemas.microsoft.com/office/drawing/2010/main" w="9525">
                   <a:solidFill>
                     <a:srgbClr val="000000"/>
@@ -2314,7 +2314,7 @@
               <a:noFill/>
             </a:ln>
             <a:extLst>
-              <a:ext uri="{91240B29-F687-4f45-9708-019B960494DF}">
+              <a:ext uri="{91240B29-F687-4F45-9708-019B960494DF}">
                 <a14:hiddenLine xmlns:a14="http://schemas.microsoft.com/office/drawing/2010/main" w="9525">
                   <a:solidFill>
                     <a:srgbClr val="000000"/>
@@ -2348,7 +2348,7 @@
               <a:noFill/>
             </a:ln>
             <a:extLst>
-              <a:ext uri="{91240B29-F687-4f45-9708-019B960494DF}">
+              <a:ext uri="{91240B29-F687-4F45-9708-019B960494DF}">
                 <a14:hiddenLine xmlns:a14="http://schemas.microsoft.com/office/drawing/2010/main" w="9525">
                   <a:solidFill>
                     <a:srgbClr val="000000"/>
@@ -2438,7 +2438,7 @@
               <a:noFill/>
             </a:ln>
             <a:extLst>
-              <a:ext uri="{91240B29-F687-4f45-9708-019B960494DF}">
+              <a:ext uri="{91240B29-F687-4F45-9708-019B960494DF}">
                 <a14:hiddenLine xmlns:a14="http://schemas.microsoft.com/office/drawing/2010/main" w="9525">
                   <a:solidFill>
                     <a:srgbClr val="000000"/>
@@ -2500,7 +2500,7 @@
               <a:noFill/>
             </a:ln>
             <a:extLst>
-              <a:ext uri="{91240B29-F687-4f45-9708-019B960494DF}">
+              <a:ext uri="{91240B29-F687-4F45-9708-019B960494DF}">
                 <a14:hiddenLine xmlns:a14="http://schemas.microsoft.com/office/drawing/2010/main" w="9525">
                   <a:solidFill>
                     <a:srgbClr val="000000"/>
@@ -2562,7 +2562,7 @@
               <a:noFill/>
             </a:ln>
             <a:extLst>
-              <a:ext uri="{91240B29-F687-4f45-9708-019B960494DF}">
+              <a:ext uri="{91240B29-F687-4F45-9708-019B960494DF}">
                 <a14:hiddenLine xmlns:a14="http://schemas.microsoft.com/office/drawing/2010/main" w="9525">
                   <a:solidFill>
                     <a:srgbClr val="000000"/>
@@ -2652,7 +2652,7 @@
               <a:noFill/>
             </a:ln>
             <a:extLst>
-              <a:ext uri="{91240B29-F687-4f45-9708-019B960494DF}">
+              <a:ext uri="{91240B29-F687-4F45-9708-019B960494DF}">
                 <a14:hiddenLine xmlns:a14="http://schemas.microsoft.com/office/drawing/2010/main" w="9525">
                   <a:solidFill>
                     <a:srgbClr val="000000"/>
@@ -2720,7 +2720,7 @@
               <a:noFill/>
             </a:ln>
             <a:extLst>
-              <a:ext uri="{91240B29-F687-4f45-9708-019B960494DF}">
+              <a:ext uri="{91240B29-F687-4F45-9708-019B960494DF}">
                 <a14:hiddenLine xmlns:a14="http://schemas.microsoft.com/office/drawing/2010/main" w="9525">
                   <a:solidFill>
                     <a:srgbClr val="000000"/>
@@ -2782,7 +2782,7 @@
               <a:noFill/>
             </a:ln>
             <a:extLst>
-              <a:ext uri="{91240B29-F687-4f45-9708-019B960494DF}">
+              <a:ext uri="{91240B29-F687-4F45-9708-019B960494DF}">
                 <a14:hiddenLine xmlns:a14="http://schemas.microsoft.com/office/drawing/2010/main" w="9525">
                   <a:solidFill>
                     <a:srgbClr val="000000"/>
@@ -2872,7 +2872,7 @@
               <a:noFill/>
             </a:ln>
             <a:extLst>
-              <a:ext uri="{91240B29-F687-4f45-9708-019B960494DF}">
+              <a:ext uri="{91240B29-F687-4F45-9708-019B960494DF}">
                 <a14:hiddenLine xmlns:a14="http://schemas.microsoft.com/office/drawing/2010/main" w="9525">
                   <a:solidFill>
                     <a:srgbClr val="000000"/>
@@ -2934,7 +2934,7 @@
               <a:noFill/>
             </a:ln>
             <a:extLst>
-              <a:ext uri="{91240B29-F687-4f45-9708-019B960494DF}">
+              <a:ext uri="{91240B29-F687-4F45-9708-019B960494DF}">
                 <a14:hiddenLine xmlns:a14="http://schemas.microsoft.com/office/drawing/2010/main" w="9525">
                   <a:solidFill>
                     <a:srgbClr val="000000"/>
@@ -3024,7 +3024,7 @@
               <a:noFill/>
             </a:ln>
             <a:extLst>
-              <a:ext uri="{91240B29-F687-4f45-9708-019B960494DF}">
+              <a:ext uri="{91240B29-F687-4F45-9708-019B960494DF}">
                 <a14:hiddenLine xmlns:a14="http://schemas.microsoft.com/office/drawing/2010/main" w="9525">
                   <a:solidFill>
                     <a:srgbClr val="000000"/>
@@ -3086,7 +3086,7 @@
               <a:noFill/>
             </a:ln>
             <a:extLst>
-              <a:ext uri="{91240B29-F687-4f45-9708-019B960494DF}">
+              <a:ext uri="{91240B29-F687-4F45-9708-019B960494DF}">
                 <a14:hiddenLine xmlns:a14="http://schemas.microsoft.com/office/drawing/2010/main" w="9525">
                   <a:solidFill>
                     <a:srgbClr val="000000"/>
@@ -3176,7 +3176,7 @@
               <a:noFill/>
             </a:ln>
             <a:extLst>
-              <a:ext uri="{91240B29-F687-4f45-9708-019B960494DF}">
+              <a:ext uri="{91240B29-F687-4F45-9708-019B960494DF}">
                 <a14:hiddenLine xmlns:a14="http://schemas.microsoft.com/office/drawing/2010/main" w="9525">
                   <a:solidFill>
                     <a:srgbClr val="000000"/>
@@ -3210,7 +3210,7 @@
               <a:noFill/>
             </a:ln>
             <a:extLst>
-              <a:ext uri="{91240B29-F687-4f45-9708-019B960494DF}">
+              <a:ext uri="{91240B29-F687-4F45-9708-019B960494DF}">
                 <a14:hiddenLine xmlns:a14="http://schemas.microsoft.com/office/drawing/2010/main" w="9525">
                   <a:solidFill>
                     <a:srgbClr val="000000"/>
@@ -3275,7 +3275,7 @@
               <a:noFill/>
             </a:ln>
             <a:extLst>
-              <a:ext uri="{91240B29-F687-4f45-9708-019B960494DF}">
+              <a:ext uri="{91240B29-F687-4F45-9708-019B960494DF}">
                 <a14:hiddenLine xmlns:a14="http://schemas.microsoft.com/office/drawing/2010/main" w="9525">
                   <a:solidFill>
                     <a:srgbClr val="000000"/>
@@ -3365,7 +3365,7 @@
               <a:noFill/>
             </a:ln>
             <a:extLst>
-              <a:ext uri="{91240B29-F687-4f45-9708-019B960494DF}">
+              <a:ext uri="{91240B29-F687-4F45-9708-019B960494DF}">
                 <a14:hiddenLine xmlns:a14="http://schemas.microsoft.com/office/drawing/2010/main" w="9525">
                   <a:solidFill>
                     <a:srgbClr val="000000"/>
@@ -3427,7 +3427,7 @@
               <a:noFill/>
             </a:ln>
             <a:extLst>
-              <a:ext uri="{91240B29-F687-4f45-9708-019B960494DF}">
+              <a:ext uri="{91240B29-F687-4F45-9708-019B960494DF}">
                 <a14:hiddenLine xmlns:a14="http://schemas.microsoft.com/office/drawing/2010/main" w="9525">
                   <a:solidFill>
                     <a:srgbClr val="000000"/>
@@ -3517,7 +3517,7 @@
               <a:noFill/>
             </a:ln>
             <a:extLst>
-              <a:ext uri="{91240B29-F687-4f45-9708-019B960494DF}">
+              <a:ext uri="{91240B29-F687-4F45-9708-019B960494DF}">
                 <a14:hiddenLine xmlns:a14="http://schemas.microsoft.com/office/drawing/2010/main" w="9525">
                   <a:solidFill>
                     <a:srgbClr val="000000"/>
@@ -3607,7 +3607,7 @@
               <a:noFill/>
             </a:ln>
             <a:extLst>
-              <a:ext uri="{91240B29-F687-4f45-9708-019B960494DF}">
+              <a:ext uri="{91240B29-F687-4F45-9708-019B960494DF}">
                 <a14:hiddenLine xmlns:a14="http://schemas.microsoft.com/office/drawing/2010/main" w="9525">
                   <a:solidFill>
                     <a:srgbClr val="000000"/>
@@ -3672,7 +3672,7 @@
               <a:noFill/>
             </a:ln>
             <a:extLst>
-              <a:ext uri="{91240B29-F687-4f45-9708-019B960494DF}">
+              <a:ext uri="{91240B29-F687-4F45-9708-019B960494DF}">
                 <a14:hiddenLine xmlns:a14="http://schemas.microsoft.com/office/drawing/2010/main" w="9525">
                   <a:solidFill>
                     <a:srgbClr val="000000"/>
@@ -3734,7 +3734,7 @@
               <a:noFill/>
             </a:ln>
             <a:extLst>
-              <a:ext uri="{91240B29-F687-4f45-9708-019B960494DF}">
+              <a:ext uri="{91240B29-F687-4F45-9708-019B960494DF}">
                 <a14:hiddenLine xmlns:a14="http://schemas.microsoft.com/office/drawing/2010/main" w="9525">
                   <a:solidFill>
                     <a:srgbClr val="000000"/>
@@ -3824,7 +3824,7 @@
               <a:noFill/>
             </a:ln>
             <a:extLst>
-              <a:ext uri="{91240B29-F687-4f45-9708-019B960494DF}">
+              <a:ext uri="{91240B29-F687-4F45-9708-019B960494DF}">
                 <a14:hiddenLine xmlns:a14="http://schemas.microsoft.com/office/drawing/2010/main" w="9525">
                   <a:solidFill>
                     <a:srgbClr val="000000"/>
@@ -3914,7 +3914,7 @@
               <a:noFill/>
             </a:ln>
             <a:extLst>
-              <a:ext uri="{91240B29-F687-4f45-9708-019B960494DF}">
+              <a:ext uri="{91240B29-F687-4F45-9708-019B960494DF}">
                 <a14:hiddenLine xmlns:a14="http://schemas.microsoft.com/office/drawing/2010/main" w="9525">
                   <a:solidFill>
                     <a:srgbClr val="000000"/>
@@ -3976,7 +3976,7 @@
               <a:noFill/>
             </a:ln>
             <a:extLst>
-              <a:ext uri="{91240B29-F687-4f45-9708-019B960494DF}">
+              <a:ext uri="{91240B29-F687-4F45-9708-019B960494DF}">
                 <a14:hiddenLine xmlns:a14="http://schemas.microsoft.com/office/drawing/2010/main" w="9525">
                   <a:solidFill>
                     <a:srgbClr val="000000"/>
@@ -4096,7 +4096,7 @@
               <a:noFill/>
             </a:ln>
             <a:extLst>
-              <a:ext uri="{91240B29-F687-4f45-9708-019B960494DF}">
+              <a:ext uri="{91240B29-F687-4F45-9708-019B960494DF}">
                 <a14:hiddenLine xmlns:a14="http://schemas.microsoft.com/office/drawing/2010/main" w="9525">
                   <a:solidFill>
                     <a:srgbClr val="000000"/>
@@ -4164,7 +4164,7 @@
               <a:noFill/>
             </a:ln>
             <a:extLst>
-              <a:ext uri="{91240B29-F687-4f45-9708-019B960494DF}">
+              <a:ext uri="{91240B29-F687-4F45-9708-019B960494DF}">
                 <a14:hiddenLine xmlns:a14="http://schemas.microsoft.com/office/drawing/2010/main" w="9525">
                   <a:solidFill>
                     <a:srgbClr val="000000"/>
@@ -4254,7 +4254,7 @@
               <a:noFill/>
             </a:ln>
             <a:extLst>
-              <a:ext uri="{91240B29-F687-4f45-9708-019B960494DF}">
+              <a:ext uri="{91240B29-F687-4F45-9708-019B960494DF}">
                 <a14:hiddenLine xmlns:a14="http://schemas.microsoft.com/office/drawing/2010/main" w="9525">
                   <a:solidFill>
                     <a:srgbClr val="000000"/>
@@ -4395,7 +4395,7 @@
           <a:p>
             <a:fld id="{48A87A34-81AB-432B-8DAE-1953F412C126}" type="datetimeFigureOut">
               <a:rPr lang="en-US" dirty="0"/>
-              <a:t>3/30/14</a:t>
+              <a:t>3/30/2014</a:t>
             </a:fld>
             <a:endParaRPr lang="en-US" dirty="0"/>
           </a:p>
@@ -4657,7 +4657,7 @@
           <a:p>
             <a:fld id="{48A87A34-81AB-432B-8DAE-1953F412C126}" type="datetimeFigureOut">
               <a:rPr lang="en-US" dirty="0"/>
-              <a:t>3/30/14</a:t>
+              <a:t>3/30/2014</a:t>
             </a:fld>
             <a:endParaRPr lang="en-US" dirty="0"/>
           </a:p>
@@ -4848,7 +4848,7 @@
           <a:p>
             <a:fld id="{48A87A34-81AB-432B-8DAE-1953F412C126}" type="datetimeFigureOut">
               <a:rPr lang="en-US" dirty="0"/>
-              <a:t>3/30/14</a:t>
+              <a:t>3/30/2014</a:t>
             </a:fld>
             <a:endParaRPr lang="en-US" dirty="0"/>
           </a:p>
@@ -5106,7 +5106,7 @@
           <a:p>
             <a:fld id="{48A87A34-81AB-432B-8DAE-1953F412C126}" type="datetimeFigureOut">
               <a:rPr lang="en-US" dirty="0"/>
-              <a:t>3/30/14</a:t>
+              <a:t>3/30/2014</a:t>
             </a:fld>
             <a:endParaRPr lang="en-US" dirty="0"/>
           </a:p>
@@ -5535,7 +5535,7 @@
           <a:p>
             <a:fld id="{48A87A34-81AB-432B-8DAE-1953F412C126}" type="datetimeFigureOut">
               <a:rPr lang="en-US" dirty="0"/>
-              <a:t>3/30/14</a:t>
+              <a:t>3/30/2014</a:t>
             </a:fld>
             <a:endParaRPr lang="en-US" dirty="0"/>
           </a:p>
@@ -6076,7 +6076,7 @@
           <a:p>
             <a:fld id="{48A87A34-81AB-432B-8DAE-1953F412C126}" type="datetimeFigureOut">
               <a:rPr lang="en-US" dirty="0"/>
-              <a:t>3/30/14</a:t>
+              <a:t>3/30/2014</a:t>
             </a:fld>
             <a:endParaRPr lang="en-US" dirty="0"/>
           </a:p>
@@ -6791,7 +6791,7 @@
           <a:p>
             <a:fld id="{48A87A34-81AB-432B-8DAE-1953F412C126}" type="datetimeFigureOut">
               <a:rPr lang="en-US" dirty="0"/>
-              <a:t>3/30/14</a:t>
+              <a:t>3/30/2014</a:t>
             </a:fld>
             <a:endParaRPr lang="en-US" dirty="0"/>
           </a:p>
@@ -6956,7 +6956,7 @@
           <a:p>
             <a:fld id="{48A87A34-81AB-432B-8DAE-1953F412C126}" type="datetimeFigureOut">
               <a:rPr lang="en-US" dirty="0"/>
-              <a:t>3/30/14</a:t>
+              <a:t>3/30/2014</a:t>
             </a:fld>
             <a:endParaRPr lang="en-US" dirty="0"/>
           </a:p>
@@ -7131,7 +7131,7 @@
           <a:p>
             <a:fld id="{48A87A34-81AB-432B-8DAE-1953F412C126}" type="datetimeFigureOut">
               <a:rPr lang="en-US" dirty="0"/>
-              <a:t>3/30/14</a:t>
+              <a:t>3/30/2014</a:t>
             </a:fld>
             <a:endParaRPr lang="en-US" dirty="0"/>
           </a:p>
@@ -7296,7 +7296,7 @@
           <a:p>
             <a:fld id="{48A87A34-81AB-432B-8DAE-1953F412C126}" type="datetimeFigureOut">
               <a:rPr lang="en-US" dirty="0"/>
-              <a:t>3/30/14</a:t>
+              <a:t>3/30/2014</a:t>
             </a:fld>
             <a:endParaRPr lang="en-US" dirty="0"/>
           </a:p>
@@ -7541,7 +7541,7 @@
           <a:p>
             <a:fld id="{48A87A34-81AB-432B-8DAE-1953F412C126}" type="datetimeFigureOut">
               <a:rPr lang="en-US" dirty="0"/>
-              <a:t>3/30/14</a:t>
+              <a:t>3/30/2014</a:t>
             </a:fld>
             <a:endParaRPr lang="en-US" dirty="0"/>
           </a:p>
@@ -7768,7 +7768,7 @@
           <a:p>
             <a:fld id="{48A87A34-81AB-432B-8DAE-1953F412C126}" type="datetimeFigureOut">
               <a:rPr lang="en-US" dirty="0"/>
-              <a:t>3/30/14</a:t>
+              <a:t>3/30/2014</a:t>
             </a:fld>
             <a:endParaRPr lang="en-US" dirty="0"/>
           </a:p>
@@ -8144,7 +8144,7 @@
           <a:p>
             <a:fld id="{48A87A34-81AB-432B-8DAE-1953F412C126}" type="datetimeFigureOut">
               <a:rPr lang="en-US" dirty="0"/>
-              <a:t>3/30/14</a:t>
+              <a:t>3/30/2014</a:t>
             </a:fld>
             <a:endParaRPr lang="en-US" dirty="0"/>
           </a:p>
@@ -8257,7 +8257,7 @@
           <a:p>
             <a:fld id="{48A87A34-81AB-432B-8DAE-1953F412C126}" type="datetimeFigureOut">
               <a:rPr lang="en-US" dirty="0"/>
-              <a:t>3/30/14</a:t>
+              <a:t>3/30/2014</a:t>
             </a:fld>
             <a:endParaRPr lang="en-US" dirty="0"/>
           </a:p>
@@ -8347,7 +8347,7 @@
           <a:p>
             <a:fld id="{48A87A34-81AB-432B-8DAE-1953F412C126}" type="datetimeFigureOut">
               <a:rPr lang="en-US" dirty="0"/>
-              <a:t>3/30/14</a:t>
+              <a:t>3/30/2014</a:t>
             </a:fld>
             <a:endParaRPr lang="en-US" dirty="0"/>
           </a:p>
@@ -8591,7 +8591,7 @@
           <a:p>
             <a:fld id="{48A87A34-81AB-432B-8DAE-1953F412C126}" type="datetimeFigureOut">
               <a:rPr lang="en-US" dirty="0"/>
-              <a:t>3/30/14</a:t>
+              <a:t>3/30/2014</a:t>
             </a:fld>
             <a:endParaRPr lang="en-US" dirty="0"/>
           </a:p>
@@ -8866,7 +8866,7 @@
           <a:p>
             <a:fld id="{48A87A34-81AB-432B-8DAE-1953F412C126}" type="datetimeFigureOut">
               <a:rPr lang="en-US" dirty="0"/>
-              <a:t>3/30/14</a:t>
+              <a:t>3/30/2014</a:t>
             </a:fld>
             <a:endParaRPr lang="en-US" dirty="0"/>
           </a:p>
@@ -8983,7 +8983,7 @@
           </a:prstGeom>
           <a:noFill/>
           <a:extLst>
-            <a:ext uri="{909E8E84-426E-40dd-AFC4-6F175D3DCCD1}">
+            <a:ext uri="{909E8E84-426E-40DD-AFC4-6F175D3DCCD1}">
               <a14:hiddenFill xmlns:a14="http://schemas.microsoft.com/office/drawing/2010/main">
                 <a:solidFill>
                   <a:srgbClr val="FFFFFF"/>
@@ -9057,7 +9057,7 @@
                 <a:noFill/>
               </a:ln>
               <a:extLst>
-                <a:ext uri="{91240B29-F687-4f45-9708-019B960494DF}">
+                <a:ext uri="{91240B29-F687-4F45-9708-019B960494DF}">
                   <a14:hiddenLine xmlns:a14="http://schemas.microsoft.com/office/drawing/2010/main" w="9525">
                     <a:solidFill>
                       <a:srgbClr val="000000"/>
@@ -9147,7 +9147,7 @@
                 <a:noFill/>
               </a:ln>
               <a:extLst>
-                <a:ext uri="{91240B29-F687-4f45-9708-019B960494DF}">
+                <a:ext uri="{91240B29-F687-4F45-9708-019B960494DF}">
                   <a14:hiddenLine xmlns:a14="http://schemas.microsoft.com/office/drawing/2010/main" w="9525">
                     <a:solidFill>
                       <a:srgbClr val="000000"/>
@@ -9237,7 +9237,7 @@
                 <a:noFill/>
               </a:ln>
               <a:extLst>
-                <a:ext uri="{91240B29-F687-4f45-9708-019B960494DF}">
+                <a:ext uri="{91240B29-F687-4F45-9708-019B960494DF}">
                   <a14:hiddenLine xmlns:a14="http://schemas.microsoft.com/office/drawing/2010/main" w="9525">
                     <a:solidFill>
                       <a:srgbClr val="000000"/>
@@ -9299,7 +9299,7 @@
                 <a:noFill/>
               </a:ln>
               <a:extLst>
-                <a:ext uri="{91240B29-F687-4f45-9708-019B960494DF}">
+                <a:ext uri="{91240B29-F687-4F45-9708-019B960494DF}">
                   <a14:hiddenLine xmlns:a14="http://schemas.microsoft.com/office/drawing/2010/main" w="9525">
                     <a:solidFill>
                       <a:srgbClr val="000000"/>
@@ -9389,7 +9389,7 @@
                 <a:noFill/>
               </a:ln>
               <a:extLst>
-                <a:ext uri="{91240B29-F687-4f45-9708-019B960494DF}">
+                <a:ext uri="{91240B29-F687-4F45-9708-019B960494DF}">
                   <a14:hiddenLine xmlns:a14="http://schemas.microsoft.com/office/drawing/2010/main" w="9525">
                     <a:solidFill>
                       <a:srgbClr val="000000"/>
@@ -9451,7 +9451,7 @@
                 <a:noFill/>
               </a:ln>
               <a:extLst>
-                <a:ext uri="{91240B29-F687-4f45-9708-019B960494DF}">
+                <a:ext uri="{91240B29-F687-4F45-9708-019B960494DF}">
                   <a14:hiddenLine xmlns:a14="http://schemas.microsoft.com/office/drawing/2010/main" w="9525">
                     <a:solidFill>
                       <a:srgbClr val="000000"/>
@@ -9513,7 +9513,7 @@
                 <a:noFill/>
               </a:ln>
               <a:extLst>
-                <a:ext uri="{91240B29-F687-4f45-9708-019B960494DF}">
+                <a:ext uri="{91240B29-F687-4F45-9708-019B960494DF}">
                   <a14:hiddenLine xmlns:a14="http://schemas.microsoft.com/office/drawing/2010/main" w="9525">
                     <a:solidFill>
                       <a:srgbClr val="000000"/>
@@ -9603,7 +9603,7 @@
                 <a:noFill/>
               </a:ln>
               <a:extLst>
-                <a:ext uri="{91240B29-F687-4f45-9708-019B960494DF}">
+                <a:ext uri="{91240B29-F687-4F45-9708-019B960494DF}">
                   <a14:hiddenLine xmlns:a14="http://schemas.microsoft.com/office/drawing/2010/main" w="9525">
                     <a:solidFill>
                       <a:srgbClr val="000000"/>
@@ -9693,7 +9693,7 @@
                 <a:noFill/>
               </a:ln>
               <a:extLst>
-                <a:ext uri="{91240B29-F687-4f45-9708-019B960494DF}">
+                <a:ext uri="{91240B29-F687-4F45-9708-019B960494DF}">
                   <a14:hiddenLine xmlns:a14="http://schemas.microsoft.com/office/drawing/2010/main" w="9525">
                     <a:solidFill>
                       <a:srgbClr val="000000"/>
@@ -9755,7 +9755,7 @@
                 <a:noFill/>
               </a:ln>
               <a:extLst>
-                <a:ext uri="{91240B29-F687-4f45-9708-019B960494DF}">
+                <a:ext uri="{91240B29-F687-4F45-9708-019B960494DF}">
                   <a14:hiddenLine xmlns:a14="http://schemas.microsoft.com/office/drawing/2010/main" w="9525">
                     <a:solidFill>
                       <a:srgbClr val="000000"/>
@@ -9865,7 +9865,7 @@
                 <a:noFill/>
               </a:ln>
               <a:extLst>
-                <a:ext uri="{91240B29-F687-4f45-9708-019B960494DF}">
+                <a:ext uri="{91240B29-F687-4F45-9708-019B960494DF}">
                   <a14:hiddenLine xmlns:a14="http://schemas.microsoft.com/office/drawing/2010/main" w="9525">
                     <a:solidFill>
                       <a:srgbClr val="000000"/>
@@ -9949,7 +9949,7 @@
                 <a:noFill/>
               </a:ln>
               <a:extLst>
-                <a:ext uri="{91240B29-F687-4f45-9708-019B960494DF}">
+                <a:ext uri="{91240B29-F687-4F45-9708-019B960494DF}">
                   <a14:hiddenLine xmlns:a14="http://schemas.microsoft.com/office/drawing/2010/main" w="9525">
                     <a:solidFill>
                       <a:srgbClr val="000000"/>
@@ -10011,7 +10011,7 @@
                 <a:noFill/>
               </a:ln>
               <a:extLst>
-                <a:ext uri="{91240B29-F687-4f45-9708-019B960494DF}">
+                <a:ext uri="{91240B29-F687-4F45-9708-019B960494DF}">
                   <a14:hiddenLine xmlns:a14="http://schemas.microsoft.com/office/drawing/2010/main" w="9525">
                     <a:solidFill>
                       <a:srgbClr val="000000"/>
@@ -10073,7 +10073,7 @@
                 <a:noFill/>
               </a:ln>
               <a:extLst>
-                <a:ext uri="{91240B29-F687-4f45-9708-019B960494DF}">
+                <a:ext uri="{91240B29-F687-4F45-9708-019B960494DF}">
                   <a14:hiddenLine xmlns:a14="http://schemas.microsoft.com/office/drawing/2010/main" w="9525">
                     <a:solidFill>
                       <a:srgbClr val="000000"/>
@@ -10163,7 +10163,7 @@
                 <a:noFill/>
               </a:ln>
               <a:extLst>
-                <a:ext uri="{91240B29-F687-4f45-9708-019B960494DF}">
+                <a:ext uri="{91240B29-F687-4F45-9708-019B960494DF}">
                   <a14:hiddenLine xmlns:a14="http://schemas.microsoft.com/office/drawing/2010/main" w="9525">
                     <a:solidFill>
                       <a:srgbClr val="000000"/>
@@ -10197,7 +10197,7 @@
                 <a:noFill/>
               </a:ln>
               <a:extLst>
-                <a:ext uri="{91240B29-F687-4f45-9708-019B960494DF}">
+                <a:ext uri="{91240B29-F687-4F45-9708-019B960494DF}">
                   <a14:hiddenLine xmlns:a14="http://schemas.microsoft.com/office/drawing/2010/main" w="9525">
                     <a:solidFill>
                       <a:srgbClr val="000000"/>
@@ -10262,7 +10262,7 @@
                 <a:noFill/>
               </a:ln>
               <a:extLst>
-                <a:ext uri="{91240B29-F687-4f45-9708-019B960494DF}">
+                <a:ext uri="{91240B29-F687-4F45-9708-019B960494DF}">
                   <a14:hiddenLine xmlns:a14="http://schemas.microsoft.com/office/drawing/2010/main" w="9525">
                     <a:solidFill>
                       <a:srgbClr val="000000"/>
@@ -10352,7 +10352,7 @@
                 <a:noFill/>
               </a:ln>
               <a:extLst>
-                <a:ext uri="{91240B29-F687-4f45-9708-019B960494DF}">
+                <a:ext uri="{91240B29-F687-4F45-9708-019B960494DF}">
                   <a14:hiddenLine xmlns:a14="http://schemas.microsoft.com/office/drawing/2010/main" w="9525">
                     <a:solidFill>
                       <a:srgbClr val="000000"/>
@@ -10414,7 +10414,7 @@
                 <a:noFill/>
               </a:ln>
               <a:extLst>
-                <a:ext uri="{91240B29-F687-4f45-9708-019B960494DF}">
+                <a:ext uri="{91240B29-F687-4F45-9708-019B960494DF}">
                   <a14:hiddenLine xmlns:a14="http://schemas.microsoft.com/office/drawing/2010/main" w="9525">
                     <a:solidFill>
                       <a:srgbClr val="000000"/>
@@ -10504,7 +10504,7 @@
                 <a:noFill/>
               </a:ln>
               <a:extLst>
-                <a:ext uri="{91240B29-F687-4f45-9708-019B960494DF}">
+                <a:ext uri="{91240B29-F687-4F45-9708-019B960494DF}">
                   <a14:hiddenLine xmlns:a14="http://schemas.microsoft.com/office/drawing/2010/main" w="9525">
                     <a:solidFill>
                       <a:srgbClr val="000000"/>
@@ -10569,7 +10569,7 @@
                 <a:noFill/>
               </a:ln>
               <a:extLst>
-                <a:ext uri="{91240B29-F687-4f45-9708-019B960494DF}">
+                <a:ext uri="{91240B29-F687-4F45-9708-019B960494DF}">
                   <a14:hiddenLine xmlns:a14="http://schemas.microsoft.com/office/drawing/2010/main" w="9525">
                     <a:solidFill>
                       <a:srgbClr val="000000"/>
@@ -10631,7 +10631,7 @@
                 <a:noFill/>
               </a:ln>
               <a:extLst>
-                <a:ext uri="{91240B29-F687-4f45-9708-019B960494DF}">
+                <a:ext uri="{91240B29-F687-4F45-9708-019B960494DF}">
                   <a14:hiddenLine xmlns:a14="http://schemas.microsoft.com/office/drawing/2010/main" w="9525">
                     <a:solidFill>
                       <a:srgbClr val="000000"/>
@@ -10721,7 +10721,7 @@
                 <a:noFill/>
               </a:ln>
               <a:extLst>
-                <a:ext uri="{91240B29-F687-4f45-9708-019B960494DF}">
+                <a:ext uri="{91240B29-F687-4F45-9708-019B960494DF}">
                   <a14:hiddenLine xmlns:a14="http://schemas.microsoft.com/office/drawing/2010/main" w="9525">
                     <a:solidFill>
                       <a:srgbClr val="000000"/>
@@ -10811,7 +10811,7 @@
                 <a:noFill/>
               </a:ln>
               <a:extLst>
-                <a:ext uri="{91240B29-F687-4f45-9708-019B960494DF}">
+                <a:ext uri="{91240B29-F687-4F45-9708-019B960494DF}">
                   <a14:hiddenLine xmlns:a14="http://schemas.microsoft.com/office/drawing/2010/main" w="9525">
                     <a:solidFill>
                       <a:srgbClr val="000000"/>
@@ -10876,7 +10876,7 @@
                 <a:noFill/>
               </a:ln>
               <a:extLst>
-                <a:ext uri="{91240B29-F687-4f45-9708-019B960494DF}">
+                <a:ext uri="{91240B29-F687-4F45-9708-019B960494DF}">
                   <a14:hiddenLine xmlns:a14="http://schemas.microsoft.com/office/drawing/2010/main" w="9525">
                     <a:solidFill>
                       <a:srgbClr val="000000"/>
@@ -10996,7 +10996,7 @@
                 <a:noFill/>
               </a:ln>
               <a:extLst>
-                <a:ext uri="{91240B29-F687-4f45-9708-019B960494DF}">
+                <a:ext uri="{91240B29-F687-4F45-9708-019B960494DF}">
                   <a14:hiddenLine xmlns:a14="http://schemas.microsoft.com/office/drawing/2010/main" w="9525">
                     <a:solidFill>
                       <a:srgbClr val="000000"/>
@@ -11077,7 +11077,7 @@
                 <a:noFill/>
               </a:ln>
               <a:extLst>
-                <a:ext uri="{91240B29-F687-4f45-9708-019B960494DF}">
+                <a:ext uri="{91240B29-F687-4F45-9708-019B960494DF}">
                   <a14:hiddenLine xmlns:a14="http://schemas.microsoft.com/office/drawing/2010/main" w="9525">
                     <a:solidFill>
                       <a:srgbClr val="000000"/>
@@ -11192,7 +11192,7 @@
                 <a:noFill/>
               </a:ln>
               <a:extLst>
-                <a:ext uri="{91240B29-F687-4f45-9708-019B960494DF}">
+                <a:ext uri="{91240B29-F687-4F45-9708-019B960494DF}">
                   <a14:hiddenLine xmlns:a14="http://schemas.microsoft.com/office/drawing/2010/main" w="9525">
                     <a:solidFill>
                       <a:srgbClr val="000000"/>
@@ -11282,7 +11282,7 @@
                 <a:noFill/>
               </a:ln>
               <a:extLst>
-                <a:ext uri="{91240B29-F687-4f45-9708-019B960494DF}">
+                <a:ext uri="{91240B29-F687-4F45-9708-019B960494DF}">
                   <a14:hiddenLine xmlns:a14="http://schemas.microsoft.com/office/drawing/2010/main" w="9525">
                     <a:solidFill>
                       <a:srgbClr val="000000"/>
@@ -11347,7 +11347,7 @@
                 <a:noFill/>
               </a:ln>
               <a:extLst>
-                <a:ext uri="{91240B29-F687-4f45-9708-019B960494DF}">
+                <a:ext uri="{91240B29-F687-4F45-9708-019B960494DF}">
                   <a14:hiddenLine xmlns:a14="http://schemas.microsoft.com/office/drawing/2010/main" w="9525">
                     <a:solidFill>
                       <a:srgbClr val="000000"/>
@@ -11437,7 +11437,7 @@
                 <a:noFill/>
               </a:ln>
               <a:extLst>
-                <a:ext uri="{91240B29-F687-4f45-9708-019B960494DF}">
+                <a:ext uri="{91240B29-F687-4F45-9708-019B960494DF}">
                   <a14:hiddenLine xmlns:a14="http://schemas.microsoft.com/office/drawing/2010/main" w="9525">
                     <a:solidFill>
                       <a:srgbClr val="000000"/>
@@ -11505,7 +11505,7 @@
                 <a:noFill/>
               </a:ln>
               <a:extLst>
-                <a:ext uri="{91240B29-F687-4f45-9708-019B960494DF}">
+                <a:ext uri="{91240B29-F687-4F45-9708-019B960494DF}">
                   <a14:hiddenLine xmlns:a14="http://schemas.microsoft.com/office/drawing/2010/main" w="9525">
                     <a:solidFill>
                       <a:srgbClr val="000000"/>
@@ -11595,7 +11595,7 @@
                 <a:noFill/>
               </a:ln>
               <a:extLst>
-                <a:ext uri="{91240B29-F687-4f45-9708-019B960494DF}">
+                <a:ext uri="{91240B29-F687-4F45-9708-019B960494DF}">
                   <a14:hiddenLine xmlns:a14="http://schemas.microsoft.com/office/drawing/2010/main" w="9525">
                     <a:solidFill>
                       <a:srgbClr val="000000"/>
@@ -11663,7 +11663,7 @@
                 <a:noFill/>
               </a:ln>
               <a:extLst>
-                <a:ext uri="{91240B29-F687-4f45-9708-019B960494DF}">
+                <a:ext uri="{91240B29-F687-4F45-9708-019B960494DF}">
                   <a14:hiddenLine xmlns:a14="http://schemas.microsoft.com/office/drawing/2010/main" w="9525">
                     <a:solidFill>
                       <a:srgbClr val="000000"/>
@@ -11753,7 +11753,7 @@
                 <a:noFill/>
               </a:ln>
               <a:extLst>
-                <a:ext uri="{91240B29-F687-4f45-9708-019B960494DF}">
+                <a:ext uri="{91240B29-F687-4F45-9708-019B960494DF}">
                   <a14:hiddenLine xmlns:a14="http://schemas.microsoft.com/office/drawing/2010/main" w="9525">
                     <a:solidFill>
                       <a:srgbClr val="000000"/>
@@ -11787,7 +11787,7 @@
                 <a:noFill/>
               </a:ln>
               <a:extLst>
-                <a:ext uri="{91240B29-F687-4f45-9708-019B960494DF}">
+                <a:ext uri="{91240B29-F687-4F45-9708-019B960494DF}">
                   <a14:hiddenLine xmlns:a14="http://schemas.microsoft.com/office/drawing/2010/main" w="9525">
                     <a:solidFill>
                       <a:srgbClr val="000000"/>
@@ -11929,7 +11929,7 @@
             <a:fld id="{48A87A34-81AB-432B-8DAE-1953F412C126}" type="datetimeFigureOut">
               <a:rPr lang="en-US" dirty="0"/>
               <a:pPr/>
-              <a:t>3/30/14</a:t>
+              <a:t>3/30/2014</a:t>
             </a:fld>
             <a:endParaRPr lang="en-US" dirty="0"/>
           </a:p>
@@ -12405,6 +12405,13 @@
   <p:clrMapOvr>
     <a:masterClrMapping/>
   </p:clrMapOvr>
+  <p:timing>
+    <p:tnLst>
+      <p:par>
+        <p:cTn id="1" dur="indefinite" restart="never" nodeType="tmRoot"/>
+      </p:par>
+    </p:tnLst>
+  </p:timing>
 </p:sld>
 </file>
 
@@ -12463,7 +12470,26 @@
           <a:bodyPr/>
           <a:lstStyle/>
           <a:p>
-            <a:endParaRPr lang="en-US"/>
+            <a:r>
+              <a:rPr lang="en-US" dirty="0"/>
+              <a:t>M</a:t>
+            </a:r>
+            <a:r>
+              <a:rPr lang="en-US" dirty="0" smtClean="0"/>
+              <a:t>iddle school students</a:t>
+            </a:r>
+          </a:p>
+          <a:p>
+            <a:r>
+              <a:rPr lang="en-US" dirty="0" smtClean="0"/>
+              <a:t>Starting at intern, progress to CEO</a:t>
+            </a:r>
+          </a:p>
+          <a:p>
+            <a:r>
+              <a:rPr lang="en-US" dirty="0" smtClean="0"/>
+              <a:t>Develop competent business skills related to FBLA</a:t>
+            </a:r>
           </a:p>
         </p:txBody>
       </p:sp>
@@ -12477,6 +12503,13 @@
   <p:clrMapOvr>
     <a:masterClrMapping/>
   </p:clrMapOvr>
+  <p:timing>
+    <p:tnLst>
+      <p:par>
+        <p:cTn id="1" dur="indefinite" restart="never" nodeType="tmRoot"/>
+      </p:par>
+    </p:tnLst>
+  </p:timing>
 </p:sld>
 </file>
 
@@ -12545,23 +12578,17 @@
               <a:rPr lang="en-US" dirty="0" smtClean="0"/>
               <a:t>Negotiation</a:t>
             </a:r>
-            <a:endParaRPr lang="en-US" dirty="0" smtClean="0"/>
           </a:p>
           <a:p>
             <a:r>
               <a:rPr lang="en-US" dirty="0" smtClean="0"/>
               <a:t>Leadership</a:t>
             </a:r>
-            <a:endParaRPr lang="en-US" dirty="0" smtClean="0"/>
           </a:p>
           <a:p>
             <a:r>
               <a:rPr lang="en-US" dirty="0" smtClean="0"/>
-              <a:t>Time </a:t>
-            </a:r>
-            <a:r>
-              <a:rPr lang="en-US" dirty="0" smtClean="0"/>
-              <a:t>management</a:t>
+              <a:t>Time management</a:t>
             </a:r>
             <a:endParaRPr lang="en-US" dirty="0"/>
           </a:p>
@@ -12584,6 +12611,13 @@
   <p:clrMapOvr>
     <a:masterClrMapping/>
   </p:clrMapOvr>
+  <p:timing>
+    <p:tnLst>
+      <p:par>
+        <p:cTn id="1" dur="indefinite" restart="never" nodeType="tmRoot"/>
+      </p:par>
+    </p:tnLst>
+  </p:timing>
 </p:sld>
 </file>
 
@@ -12751,6 +12785,13 @@
   <p:clrMapOvr>
     <a:masterClrMapping/>
   </p:clrMapOvr>
+  <p:timing>
+    <p:tnLst>
+      <p:par>
+        <p:cTn id="1" dur="indefinite" restart="never" nodeType="tmRoot"/>
+      </p:par>
+    </p:tnLst>
+  </p:timing>
 </p:sld>
 </file>
 
@@ -12816,13 +12857,73 @@
           <a:lstStyle/>
           <a:p>
             <a:r>
-              <a:rPr lang="en-US" dirty="0" smtClean="0"/>
-              <a:t>Put some stuff here about coding</a:t>
+              <a:rPr lang="en-US" dirty="0" err="1" smtClean="0"/>
+              <a:t>Actionscript</a:t>
             </a:r>
             <a:endParaRPr lang="en-US" dirty="0" smtClean="0"/>
           </a:p>
+          <a:p>
+            <a:r>
+              <a:rPr lang="en-US" dirty="0" smtClean="0"/>
+              <a:t>Designed API through Inheritance</a:t>
+            </a:r>
+            <a:endParaRPr lang="en-US" dirty="0" smtClean="0"/>
+          </a:p>
         </p:txBody>
       </p:sp>
+      <p:pic>
+        <p:nvPicPr>
+          <p:cNvPr id="1026" name="Picture 2" descr="C:\Users\Yi\Desktop\Capture.PNG"/>
+          <p:cNvPicPr>
+            <a:picLocks noChangeAspect="1" noChangeArrowheads="1"/>
+          </p:cNvPicPr>
+          <p:nvPr/>
+        </p:nvPicPr>
+        <p:blipFill>
+          <a:blip r:embed="rId2">
+            <a:extLst>
+              <a:ext uri="{28A0092B-C50C-407E-A947-70E740481C1C}">
+                <a14:useLocalDpi xmlns:a14="http://schemas.microsoft.com/office/drawing/2010/main" val="0"/>
+              </a:ext>
+            </a:extLst>
+          </a:blip>
+          <a:srcRect/>
+          <a:stretch>
+            <a:fillRect/>
+          </a:stretch>
+        </p:blipFill>
+        <p:spPr bwMode="auto">
+          <a:xfrm>
+            <a:off x="6771345" y="2582870"/>
+            <a:ext cx="4058217" cy="2591162"/>
+          </a:xfrm>
+          <a:prstGeom prst="roundRect">
+            <a:avLst>
+              <a:gd name="adj" fmla="val 8594"/>
+            </a:avLst>
+          </a:prstGeom>
+          <a:solidFill>
+            <a:srgbClr val="FFFFFF">
+              <a:shade val="85000"/>
+            </a:srgbClr>
+          </a:solidFill>
+          <a:ln>
+            <a:noFill/>
+          </a:ln>
+          <a:effectLst>
+            <a:reflection blurRad="12700" stA="38000" endPos="28000" dist="5000" dir="5400000" sy="-100000" algn="bl" rotWithShape="0"/>
+          </a:effectLst>
+          <a:extLst>
+            <a:ext uri="{909E8E84-426E-40DD-AFC4-6F175D3DCCD1}">
+              <a14:hiddenFill xmlns:a14="http://schemas.microsoft.com/office/drawing/2010/main">
+                <a:solidFill>
+                  <a:srgbClr val="FFFFFF"/>
+                </a:solidFill>
+              </a14:hiddenFill>
+            </a:ext>
+          </a:extLst>
+        </p:spPr>
+      </p:pic>
     </p:spTree>
     <p:extLst>
       <p:ext uri="{BB962C8B-B14F-4D97-AF65-F5344CB8AC3E}">
@@ -12833,6 +12934,13 @@
   <p:clrMapOvr>
     <a:masterClrMapping/>
   </p:clrMapOvr>
+  <p:timing>
+    <p:tnLst>
+      <p:par>
+        <p:cTn id="1" dur="indefinite" restart="never" nodeType="tmRoot"/>
+      </p:par>
+    </p:tnLst>
+  </p:timing>
 </p:sld>
 </file>
 
@@ -12893,11 +13001,7 @@
           <a:p>
             <a:r>
               <a:rPr lang="en-US" dirty="0" smtClean="0"/>
-              <a:t>Doodle </a:t>
-            </a:r>
-            <a:r>
-              <a:rPr lang="en-US" dirty="0" smtClean="0"/>
-              <a:t>style</a:t>
+              <a:t>Doodle style</a:t>
             </a:r>
           </a:p>
           <a:p>
@@ -12906,16 +13010,11 @@
               <a:rPr lang="en-US" dirty="0" smtClean="0"/>
               <a:t>Black and white</a:t>
             </a:r>
-            <a:endParaRPr lang="en-US" dirty="0" smtClean="0"/>
           </a:p>
           <a:p>
             <a:r>
               <a:rPr lang="en-US" dirty="0" smtClean="0"/>
-              <a:t>Real world </a:t>
-            </a:r>
-            <a:r>
-              <a:rPr lang="en-US" dirty="0" smtClean="0"/>
-              <a:t>working place</a:t>
+              <a:t>Real world working place</a:t>
             </a:r>
           </a:p>
           <a:p>
@@ -12932,6 +13031,59 @@
           </a:p>
         </p:txBody>
       </p:sp>
+      <p:pic>
+        <p:nvPicPr>
+          <p:cNvPr id="2050" name="Picture 2" descr="C:\Users\Yi\Desktop\Capture.PNG"/>
+          <p:cNvPicPr>
+            <a:picLocks noChangeAspect="1" noChangeArrowheads="1"/>
+          </p:cNvPicPr>
+          <p:nvPr/>
+        </p:nvPicPr>
+        <p:blipFill>
+          <a:blip r:embed="rId2">
+            <a:extLst>
+              <a:ext uri="{28A0092B-C50C-407E-A947-70E740481C1C}">
+                <a14:useLocalDpi xmlns:a14="http://schemas.microsoft.com/office/drawing/2010/main" val="0"/>
+              </a:ext>
+            </a:extLst>
+          </a:blip>
+          <a:srcRect/>
+          <a:stretch>
+            <a:fillRect/>
+          </a:stretch>
+        </p:blipFill>
+        <p:spPr bwMode="auto">
+          <a:xfrm>
+            <a:off x="6735961" y="1597904"/>
+            <a:ext cx="3845576" cy="3532043"/>
+          </a:xfrm>
+          <a:prstGeom prst="roundRect">
+            <a:avLst>
+              <a:gd name="adj" fmla="val 8594"/>
+            </a:avLst>
+          </a:prstGeom>
+          <a:solidFill>
+            <a:srgbClr val="FFFFFF">
+              <a:shade val="85000"/>
+            </a:srgbClr>
+          </a:solidFill>
+          <a:ln>
+            <a:noFill/>
+          </a:ln>
+          <a:effectLst>
+            <a:reflection blurRad="12700" stA="38000" endPos="28000" dist="5000" dir="5400000" sy="-100000" algn="bl" rotWithShape="0"/>
+          </a:effectLst>
+          <a:extLst>
+            <a:ext uri="{909E8E84-426E-40DD-AFC4-6F175D3DCCD1}">
+              <a14:hiddenFill xmlns:a14="http://schemas.microsoft.com/office/drawing/2010/main">
+                <a:solidFill>
+                  <a:srgbClr val="FFFFFF"/>
+                </a:solidFill>
+              </a14:hiddenFill>
+            </a:ext>
+          </a:extLst>
+        </p:spPr>
+      </p:pic>
     </p:spTree>
     <p:extLst>
       <p:ext uri="{BB962C8B-B14F-4D97-AF65-F5344CB8AC3E}">
@@ -12942,6 +13094,13 @@
   <p:clrMapOvr>
     <a:masterClrMapping/>
   </p:clrMapOvr>
+  <p:timing>
+    <p:tnLst>
+      <p:par>
+        <p:cTn id="1" dur="indefinite" restart="never" nodeType="tmRoot"/>
+      </p:par>
+    </p:tnLst>
+  </p:timing>
 </p:sld>
 </file>
 
@@ -13014,6 +13173,13 @@
   <p:clrMapOvr>
     <a:masterClrMapping/>
   </p:clrMapOvr>
+  <p:timing>
+    <p:tnLst>
+      <p:par>
+        <p:cTn id="1" dur="indefinite" restart="never" nodeType="tmRoot"/>
+      </p:par>
+    </p:tnLst>
+  </p:timing>
 </p:sld>
 </file>
 
@@ -13262,7 +13428,7 @@
   <a:extraClrSchemeLst/>
   <a:extLst>
     <a:ext uri="{05A4C25C-085E-4340-85A3-A5531E510DB2}">
-      <thm15:themeFamily xmlns="" xmlns:thm15="http://schemas.microsoft.com/office/thememl/2012/main" name="Circuit" id="{0AC2F7E7-15F5-431C-B2A2-456FE929F56C}" vid="{142578CA-DEC9-49C3-80AF-C113973CC9A9}"/>
+      <thm15:themeFamily xmlns:thm15="http://schemas.microsoft.com/office/thememl/2012/main" xmlns="" name="Circuit" id="{0AC2F7E7-15F5-431C-B2A2-456FE929F56C}" vid="{142578CA-DEC9-49C3-80AF-C113973CC9A9}"/>
     </a:ext>
   </a:extLst>
 </a:theme>

--- a/Powerpoint.pptx
+++ b/Powerpoint.pptx
@@ -7,11 +7,12 @@
   <p:sldIdLst>
     <p:sldId id="256" r:id="rId2"/>
     <p:sldId id="263" r:id="rId3"/>
-    <p:sldId id="257" r:id="rId4"/>
-    <p:sldId id="258" r:id="rId5"/>
-    <p:sldId id="259" r:id="rId6"/>
-    <p:sldId id="260" r:id="rId7"/>
-    <p:sldId id="261" r:id="rId8"/>
+    <p:sldId id="264" r:id="rId4"/>
+    <p:sldId id="257" r:id="rId5"/>
+    <p:sldId id="258" r:id="rId6"/>
+    <p:sldId id="259" r:id="rId7"/>
+    <p:sldId id="260" r:id="rId8"/>
+    <p:sldId id="261" r:id="rId9"/>
   </p:sldIdLst>
   <p:sldSz cx="12192000" cy="6858000"/>
   <p:notesSz cx="6858000" cy="9144000"/>
@@ -4395,7 +4396,7 @@
           <a:p>
             <a:fld id="{48A87A34-81AB-432B-8DAE-1953F412C126}" type="datetimeFigureOut">
               <a:rPr lang="en-US" dirty="0"/>
-              <a:t>3/30/2014</a:t>
+              <a:t>4/1/2014</a:t>
             </a:fld>
             <a:endParaRPr lang="en-US" dirty="0"/>
           </a:p>
@@ -4657,7 +4658,7 @@
           <a:p>
             <a:fld id="{48A87A34-81AB-432B-8DAE-1953F412C126}" type="datetimeFigureOut">
               <a:rPr lang="en-US" dirty="0"/>
-              <a:t>3/30/2014</a:t>
+              <a:t>4/1/2014</a:t>
             </a:fld>
             <a:endParaRPr lang="en-US" dirty="0"/>
           </a:p>
@@ -4848,7 +4849,7 @@
           <a:p>
             <a:fld id="{48A87A34-81AB-432B-8DAE-1953F412C126}" type="datetimeFigureOut">
               <a:rPr lang="en-US" dirty="0"/>
-              <a:t>3/30/2014</a:t>
+              <a:t>4/1/2014</a:t>
             </a:fld>
             <a:endParaRPr lang="en-US" dirty="0"/>
           </a:p>
@@ -5106,7 +5107,7 @@
           <a:p>
             <a:fld id="{48A87A34-81AB-432B-8DAE-1953F412C126}" type="datetimeFigureOut">
               <a:rPr lang="en-US" dirty="0"/>
-              <a:t>3/30/2014</a:t>
+              <a:t>4/1/2014</a:t>
             </a:fld>
             <a:endParaRPr lang="en-US" dirty="0"/>
           </a:p>
@@ -5535,7 +5536,7 @@
           <a:p>
             <a:fld id="{48A87A34-81AB-432B-8DAE-1953F412C126}" type="datetimeFigureOut">
               <a:rPr lang="en-US" dirty="0"/>
-              <a:t>3/30/2014</a:t>
+              <a:t>4/1/2014</a:t>
             </a:fld>
             <a:endParaRPr lang="en-US" dirty="0"/>
           </a:p>
@@ -6076,7 +6077,7 @@
           <a:p>
             <a:fld id="{48A87A34-81AB-432B-8DAE-1953F412C126}" type="datetimeFigureOut">
               <a:rPr lang="en-US" dirty="0"/>
-              <a:t>3/30/2014</a:t>
+              <a:t>4/1/2014</a:t>
             </a:fld>
             <a:endParaRPr lang="en-US" dirty="0"/>
           </a:p>
@@ -6791,7 +6792,7 @@
           <a:p>
             <a:fld id="{48A87A34-81AB-432B-8DAE-1953F412C126}" type="datetimeFigureOut">
               <a:rPr lang="en-US" dirty="0"/>
-              <a:t>3/30/2014</a:t>
+              <a:t>4/1/2014</a:t>
             </a:fld>
             <a:endParaRPr lang="en-US" dirty="0"/>
           </a:p>
@@ -6956,7 +6957,7 @@
           <a:p>
             <a:fld id="{48A87A34-81AB-432B-8DAE-1953F412C126}" type="datetimeFigureOut">
               <a:rPr lang="en-US" dirty="0"/>
-              <a:t>3/30/2014</a:t>
+              <a:t>4/1/2014</a:t>
             </a:fld>
             <a:endParaRPr lang="en-US" dirty="0"/>
           </a:p>
@@ -7131,7 +7132,7 @@
           <a:p>
             <a:fld id="{48A87A34-81AB-432B-8DAE-1953F412C126}" type="datetimeFigureOut">
               <a:rPr lang="en-US" dirty="0"/>
-              <a:t>3/30/2014</a:t>
+              <a:t>4/1/2014</a:t>
             </a:fld>
             <a:endParaRPr lang="en-US" dirty="0"/>
           </a:p>
@@ -7296,7 +7297,7 @@
           <a:p>
             <a:fld id="{48A87A34-81AB-432B-8DAE-1953F412C126}" type="datetimeFigureOut">
               <a:rPr lang="en-US" dirty="0"/>
-              <a:t>3/30/2014</a:t>
+              <a:t>4/1/2014</a:t>
             </a:fld>
             <a:endParaRPr lang="en-US" dirty="0"/>
           </a:p>
@@ -7541,7 +7542,7 @@
           <a:p>
             <a:fld id="{48A87A34-81AB-432B-8DAE-1953F412C126}" type="datetimeFigureOut">
               <a:rPr lang="en-US" dirty="0"/>
-              <a:t>3/30/2014</a:t>
+              <a:t>4/1/2014</a:t>
             </a:fld>
             <a:endParaRPr lang="en-US" dirty="0"/>
           </a:p>
@@ -7768,7 +7769,7 @@
           <a:p>
             <a:fld id="{48A87A34-81AB-432B-8DAE-1953F412C126}" type="datetimeFigureOut">
               <a:rPr lang="en-US" dirty="0"/>
-              <a:t>3/30/2014</a:t>
+              <a:t>4/1/2014</a:t>
             </a:fld>
             <a:endParaRPr lang="en-US" dirty="0"/>
           </a:p>
@@ -8144,7 +8145,7 @@
           <a:p>
             <a:fld id="{48A87A34-81AB-432B-8DAE-1953F412C126}" type="datetimeFigureOut">
               <a:rPr lang="en-US" dirty="0"/>
-              <a:t>3/30/2014</a:t>
+              <a:t>4/1/2014</a:t>
             </a:fld>
             <a:endParaRPr lang="en-US" dirty="0"/>
           </a:p>
@@ -8257,7 +8258,7 @@
           <a:p>
             <a:fld id="{48A87A34-81AB-432B-8DAE-1953F412C126}" type="datetimeFigureOut">
               <a:rPr lang="en-US" dirty="0"/>
-              <a:t>3/30/2014</a:t>
+              <a:t>4/1/2014</a:t>
             </a:fld>
             <a:endParaRPr lang="en-US" dirty="0"/>
           </a:p>
@@ -8347,7 +8348,7 @@
           <a:p>
             <a:fld id="{48A87A34-81AB-432B-8DAE-1953F412C126}" type="datetimeFigureOut">
               <a:rPr lang="en-US" dirty="0"/>
-              <a:t>3/30/2014</a:t>
+              <a:t>4/1/2014</a:t>
             </a:fld>
             <a:endParaRPr lang="en-US" dirty="0"/>
           </a:p>
@@ -8591,7 +8592,7 @@
           <a:p>
             <a:fld id="{48A87A34-81AB-432B-8DAE-1953F412C126}" type="datetimeFigureOut">
               <a:rPr lang="en-US" dirty="0"/>
-              <a:t>3/30/2014</a:t>
+              <a:t>4/1/2014</a:t>
             </a:fld>
             <a:endParaRPr lang="en-US" dirty="0"/>
           </a:p>
@@ -8866,7 +8867,7 @@
           <a:p>
             <a:fld id="{48A87A34-81AB-432B-8DAE-1953F412C126}" type="datetimeFigureOut">
               <a:rPr lang="en-US" dirty="0"/>
-              <a:t>3/30/2014</a:t>
+              <a:t>4/1/2014</a:t>
             </a:fld>
             <a:endParaRPr lang="en-US" dirty="0"/>
           </a:p>
@@ -11929,7 +11930,7 @@
             <a:fld id="{48A87A34-81AB-432B-8DAE-1953F412C126}" type="datetimeFigureOut">
               <a:rPr lang="en-US" dirty="0"/>
               <a:pPr/>
-              <a:t>3/30/2014</a:t>
+              <a:t>4/1/2014</a:t>
             </a:fld>
             <a:endParaRPr lang="en-US" dirty="0"/>
           </a:p>
@@ -12547,6 +12548,156 @@
           <a:p>
             <a:r>
               <a:rPr lang="en-US" dirty="0" smtClean="0"/>
+              <a:t>Process</a:t>
+            </a:r>
+            <a:endParaRPr lang="en-US" dirty="0"/>
+          </a:p>
+        </p:txBody>
+      </p:sp>
+      <p:sp>
+        <p:nvSpPr>
+          <p:cNvPr id="3" name="Content Placeholder 2"/>
+          <p:cNvSpPr>
+            <a:spLocks noGrp="1"/>
+          </p:cNvSpPr>
+          <p:nvPr>
+            <p:ph idx="1"/>
+          </p:nvPr>
+        </p:nvSpPr>
+        <p:spPr/>
+        <p:txBody>
+          <a:bodyPr/>
+          <a:lstStyle/>
+          <a:p>
+            <a:pPr marL="457200" indent="-457200">
+              <a:buFont typeface="+mj-lt"/>
+              <a:buAutoNum type="arabicPeriod"/>
+            </a:pPr>
+            <a:r>
+              <a:rPr lang="en-US" dirty="0" smtClean="0"/>
+              <a:t>Content</a:t>
+            </a:r>
+          </a:p>
+          <a:p>
+            <a:pPr marL="457200" indent="-457200">
+              <a:buFont typeface="+mj-lt"/>
+              <a:buAutoNum type="arabicPeriod"/>
+            </a:pPr>
+            <a:r>
+              <a:rPr lang="en-US" dirty="0" smtClean="0"/>
+              <a:t>Style</a:t>
+            </a:r>
+          </a:p>
+          <a:p>
+            <a:pPr marL="457200" indent="-457200">
+              <a:buFont typeface="+mj-lt"/>
+              <a:buAutoNum type="arabicPeriod"/>
+            </a:pPr>
+            <a:r>
+              <a:rPr lang="en-US" dirty="0" smtClean="0"/>
+              <a:t>Storyboard</a:t>
+            </a:r>
+          </a:p>
+          <a:p>
+            <a:pPr marL="457200" indent="-457200">
+              <a:buFont typeface="+mj-lt"/>
+              <a:buAutoNum type="arabicPeriod"/>
+            </a:pPr>
+            <a:r>
+              <a:rPr lang="en-US" dirty="0" smtClean="0"/>
+              <a:t>Platform</a:t>
+            </a:r>
+          </a:p>
+          <a:p>
+            <a:pPr marL="457200" indent="-457200">
+              <a:buFont typeface="+mj-lt"/>
+              <a:buAutoNum type="arabicPeriod"/>
+            </a:pPr>
+            <a:r>
+              <a:rPr lang="en-US" dirty="0" smtClean="0"/>
+              <a:t>Design and Development</a:t>
+            </a:r>
+          </a:p>
+          <a:p>
+            <a:pPr marL="457200" indent="-457200">
+              <a:buFont typeface="+mj-lt"/>
+              <a:buAutoNum type="arabicPeriod"/>
+            </a:pPr>
+            <a:r>
+              <a:rPr lang="en-US" smtClean="0"/>
+              <a:t>Debugging</a:t>
+            </a:r>
+          </a:p>
+          <a:p>
+            <a:pPr marL="457200" indent="-457200">
+              <a:buFont typeface="+mj-lt"/>
+              <a:buAutoNum type="arabicPeriod"/>
+            </a:pPr>
+            <a:endParaRPr lang="en-US" dirty="0" smtClean="0"/>
+          </a:p>
+          <a:p>
+            <a:pPr marL="457200" indent="-457200">
+              <a:buFont typeface="+mj-lt"/>
+              <a:buAutoNum type="arabicPeriod"/>
+            </a:pPr>
+            <a:endParaRPr lang="en-US" dirty="0" smtClean="0"/>
+          </a:p>
+          <a:p>
+            <a:pPr marL="457200" indent="-457200">
+              <a:buFont typeface="+mj-lt"/>
+              <a:buAutoNum type="arabicPeriod"/>
+            </a:pPr>
+            <a:endParaRPr lang="en-US" dirty="0"/>
+          </a:p>
+        </p:txBody>
+      </p:sp>
+    </p:spTree>
+    <p:extLst>
+      <p:ext uri="{BB962C8B-B14F-4D97-AF65-F5344CB8AC3E}">
+        <p14:creationId xmlns:p14="http://schemas.microsoft.com/office/powerpoint/2010/main" val="1764151105"/>
+      </p:ext>
+    </p:extLst>
+  </p:cSld>
+  <p:clrMapOvr>
+    <a:masterClrMapping/>
+  </p:clrMapOvr>
+</p:sld>
+</file>
+
+<file path=ppt/slides/slide4.xml><?xml version="1.0" encoding="utf-8"?>
+<p:sld xmlns:a="http://schemas.openxmlformats.org/drawingml/2006/main" xmlns:r="http://schemas.openxmlformats.org/officeDocument/2006/relationships" xmlns:p="http://schemas.openxmlformats.org/presentationml/2006/main">
+  <p:cSld>
+    <p:spTree>
+      <p:nvGrpSpPr>
+        <p:cNvPr id="1" name=""/>
+        <p:cNvGrpSpPr/>
+        <p:nvPr/>
+      </p:nvGrpSpPr>
+      <p:grpSpPr>
+        <a:xfrm>
+          <a:off x="0" y="0"/>
+          <a:ext cx="0" cy="0"/>
+          <a:chOff x="0" y="0"/>
+          <a:chExt cx="0" cy="0"/>
+        </a:xfrm>
+      </p:grpSpPr>
+      <p:sp>
+        <p:nvSpPr>
+          <p:cNvPr id="2" name="Title 1"/>
+          <p:cNvSpPr>
+            <a:spLocks noGrp="1"/>
+          </p:cNvSpPr>
+          <p:nvPr>
+            <p:ph type="title"/>
+          </p:nvPr>
+        </p:nvSpPr>
+        <p:spPr/>
+        <p:txBody>
+          <a:bodyPr/>
+          <a:lstStyle/>
+          <a:p>
+            <a:r>
+              <a:rPr lang="en-US" dirty="0" smtClean="0"/>
               <a:t>Real world challenges</a:t>
             </a:r>
             <a:endParaRPr lang="en-US" dirty="0"/>
@@ -12621,7 +12772,7 @@
 </p:sld>
 </file>
 
-<file path=ppt/slides/slide4.xml><?xml version="1.0" encoding="utf-8"?>
+<file path=ppt/slides/slide5.xml><?xml version="1.0" encoding="utf-8"?>
 <p:sld xmlns:a="http://schemas.openxmlformats.org/drawingml/2006/main" xmlns:r="http://schemas.openxmlformats.org/officeDocument/2006/relationships" xmlns:p="http://schemas.openxmlformats.org/presentationml/2006/main">
   <p:cSld>
     <p:spTree>
@@ -12795,7 +12946,7 @@
 </p:sld>
 </file>
 
-<file path=ppt/slides/slide5.xml><?xml version="1.0" encoding="utf-8"?>
+<file path=ppt/slides/slide6.xml><?xml version="1.0" encoding="utf-8"?>
 <p:sld xmlns:a="http://schemas.openxmlformats.org/drawingml/2006/main" xmlns:r="http://schemas.openxmlformats.org/officeDocument/2006/relationships" xmlns:p="http://schemas.openxmlformats.org/presentationml/2006/main">
   <p:cSld>
     <p:spTree>
@@ -12867,7 +13018,6 @@
               <a:rPr lang="en-US" dirty="0" smtClean="0"/>
               <a:t>Designed API through Inheritance</a:t>
             </a:r>
-            <a:endParaRPr lang="en-US" dirty="0" smtClean="0"/>
           </a:p>
         </p:txBody>
       </p:sp>
@@ -12913,15 +13063,7 @@
           <a:effectLst>
             <a:reflection blurRad="12700" stA="38000" endPos="28000" dist="5000" dir="5400000" sy="-100000" algn="bl" rotWithShape="0"/>
           </a:effectLst>
-          <a:extLst>
-            <a:ext uri="{909E8E84-426E-40DD-AFC4-6F175D3DCCD1}">
-              <a14:hiddenFill xmlns:a14="http://schemas.microsoft.com/office/drawing/2010/main">
-                <a:solidFill>
-                  <a:srgbClr val="FFFFFF"/>
-                </a:solidFill>
-              </a14:hiddenFill>
-            </a:ext>
-          </a:extLst>
+          <a:extLst/>
         </p:spPr>
       </p:pic>
     </p:spTree>
@@ -12944,7 +13086,7 @@
 </p:sld>
 </file>
 
-<file path=ppt/slides/slide6.xml><?xml version="1.0" encoding="utf-8"?>
+<file path=ppt/slides/slide7.xml><?xml version="1.0" encoding="utf-8"?>
 <p:sld xmlns:a="http://schemas.openxmlformats.org/drawingml/2006/main" xmlns:r="http://schemas.openxmlformats.org/officeDocument/2006/relationships" xmlns:p="http://schemas.openxmlformats.org/presentationml/2006/main">
   <p:cSld>
     <p:spTree>
@@ -13073,15 +13215,7 @@
           <a:effectLst>
             <a:reflection blurRad="12700" stA="38000" endPos="28000" dist="5000" dir="5400000" sy="-100000" algn="bl" rotWithShape="0"/>
           </a:effectLst>
-          <a:extLst>
-            <a:ext uri="{909E8E84-426E-40DD-AFC4-6F175D3DCCD1}">
-              <a14:hiddenFill xmlns:a14="http://schemas.microsoft.com/office/drawing/2010/main">
-                <a:solidFill>
-                  <a:srgbClr val="FFFFFF"/>
-                </a:solidFill>
-              </a14:hiddenFill>
-            </a:ext>
-          </a:extLst>
+          <a:extLst/>
         </p:spPr>
       </p:pic>
     </p:spTree>
@@ -13104,7 +13238,7 @@
 </p:sld>
 </file>
 
-<file path=ppt/slides/slide7.xml><?xml version="1.0" encoding="utf-8"?>
+<file path=ppt/slides/slide8.xml><?xml version="1.0" encoding="utf-8"?>
 <p:sld xmlns:a="http://schemas.openxmlformats.org/drawingml/2006/main" xmlns:r="http://schemas.openxmlformats.org/officeDocument/2006/relationships" xmlns:p="http://schemas.openxmlformats.org/presentationml/2006/main">
   <p:cSld>
     <p:spTree>
@@ -13428,7 +13562,7 @@
   <a:extraClrSchemeLst/>
   <a:extLst>
     <a:ext uri="{05A4C25C-085E-4340-85A3-A5531E510DB2}">
-      <thm15:themeFamily xmlns:thm15="http://schemas.microsoft.com/office/thememl/2012/main" xmlns="" name="Circuit" id="{0AC2F7E7-15F5-431C-B2A2-456FE929F56C}" vid="{142578CA-DEC9-49C3-80AF-C113973CC9A9}"/>
+      <thm15:themeFamily xmlns="" xmlns:thm15="http://schemas.microsoft.com/office/thememl/2012/main" name="Circuit" id="{0AC2F7E7-15F5-431C-B2A2-456FE929F56C}" vid="{142578CA-DEC9-49C3-80AF-C113973CC9A9}"/>
     </a:ext>
   </a:extLst>
 </a:theme>

--- a/Powerpoint.pptx
+++ b/Powerpoint.pptx
@@ -9,10 +9,11 @@
     <p:sldId id="263" r:id="rId3"/>
     <p:sldId id="264" r:id="rId4"/>
     <p:sldId id="257" r:id="rId5"/>
-    <p:sldId id="258" r:id="rId6"/>
-    <p:sldId id="259" r:id="rId7"/>
-    <p:sldId id="260" r:id="rId8"/>
-    <p:sldId id="261" r:id="rId9"/>
+    <p:sldId id="265" r:id="rId6"/>
+    <p:sldId id="258" r:id="rId7"/>
+    <p:sldId id="259" r:id="rId8"/>
+    <p:sldId id="260" r:id="rId9"/>
+    <p:sldId id="261" r:id="rId10"/>
   </p:sldIdLst>
   <p:sldSz cx="12192000" cy="6858000"/>
   <p:notesSz cx="6858000" cy="9144000"/>
@@ -12585,17 +12586,7 @@
             </a:pPr>
             <a:r>
               <a:rPr lang="en-US" dirty="0" smtClean="0"/>
-              <a:t>Style</a:t>
-            </a:r>
-          </a:p>
-          <a:p>
-            <a:pPr marL="457200" indent="-457200">
-              <a:buFont typeface="+mj-lt"/>
-              <a:buAutoNum type="arabicPeriod"/>
-            </a:pPr>
-            <a:r>
-              <a:rPr lang="en-US" dirty="0" smtClean="0"/>
-              <a:t>Storyboard</a:t>
+              <a:t>Style/ Storyboard</a:t>
             </a:r>
           </a:p>
           <a:p>
@@ -12624,7 +12615,7 @@
               <a:buAutoNum type="arabicPeriod"/>
             </a:pPr>
             <a:r>
-              <a:rPr lang="en-US" smtClean="0"/>
+              <a:rPr lang="en-US" dirty="0" smtClean="0"/>
               <a:t>Debugging</a:t>
             </a:r>
           </a:p>
@@ -12661,6 +12652,13 @@
   <p:clrMapOvr>
     <a:masterClrMapping/>
   </p:clrMapOvr>
+  <p:timing>
+    <p:tnLst>
+      <p:par>
+        <p:cTn id="1" dur="indefinite" restart="never" nodeType="tmRoot"/>
+      </p:par>
+    </p:tnLst>
+  </p:timing>
 </p:sld>
 </file>
 
@@ -12698,7 +12696,7 @@
           <a:p>
             <a:r>
               <a:rPr lang="en-US" dirty="0" smtClean="0"/>
-              <a:t>Real world challenges</a:t>
+              <a:t>Content</a:t>
             </a:r>
             <a:endParaRPr lang="en-US" dirty="0"/>
           </a:p>
@@ -12720,23 +12718,34 @@
           <a:lstStyle/>
           <a:p>
             <a:r>
+              <a:rPr lang="en-US" dirty="0"/>
+              <a:t>Real world challenges</a:t>
+            </a:r>
+          </a:p>
+          <a:p>
+            <a:pPr lvl="1"/>
+            <a:r>
               <a:rPr lang="en-US" dirty="0" smtClean="0"/>
               <a:t>Charisma</a:t>
             </a:r>
-          </a:p>
-          <a:p>
+            <a:endParaRPr lang="en-US" dirty="0" smtClean="0"/>
+          </a:p>
+          <a:p>
+            <a:pPr lvl="1"/>
             <a:r>
               <a:rPr lang="en-US" dirty="0" smtClean="0"/>
               <a:t>Negotiation</a:t>
             </a:r>
           </a:p>
           <a:p>
+            <a:pPr lvl="1"/>
             <a:r>
               <a:rPr lang="en-US" dirty="0" smtClean="0"/>
               <a:t>Leadership</a:t>
             </a:r>
           </a:p>
           <a:p>
+            <a:pPr lvl="1"/>
             <a:r>
               <a:rPr lang="en-US" dirty="0" smtClean="0"/>
               <a:t>Time management</a:t>
@@ -12744,11 +12753,11 @@
             <a:endParaRPr lang="en-US" dirty="0"/>
           </a:p>
           <a:p>
+            <a:pPr lvl="1"/>
             <a:r>
               <a:rPr lang="en-US" dirty="0" smtClean="0"/>
               <a:t>Learning</a:t>
             </a:r>
-            <a:endParaRPr lang="en-US" dirty="0"/>
           </a:p>
         </p:txBody>
       </p:sp>
@@ -12806,7 +12815,109 @@
           <a:p>
             <a:r>
               <a:rPr lang="en-US" dirty="0" smtClean="0"/>
-              <a:t>Tools</a:t>
+              <a:t>Style</a:t>
+            </a:r>
+            <a:endParaRPr lang="en-US" dirty="0"/>
+          </a:p>
+        </p:txBody>
+      </p:sp>
+      <p:sp>
+        <p:nvSpPr>
+          <p:cNvPr id="3" name="Content Placeholder 2"/>
+          <p:cNvSpPr>
+            <a:spLocks noGrp="1"/>
+          </p:cNvSpPr>
+          <p:nvPr>
+            <p:ph idx="1"/>
+          </p:nvPr>
+        </p:nvSpPr>
+        <p:spPr/>
+        <p:txBody>
+          <a:bodyPr/>
+          <a:lstStyle/>
+          <a:p>
+            <a:r>
+              <a:rPr lang="en-US" dirty="0" smtClean="0"/>
+              <a:t>Puzzle </a:t>
+            </a:r>
+            <a:r>
+              <a:rPr lang="en-US" dirty="0" err="1" smtClean="0"/>
+              <a:t>Platformer</a:t>
+            </a:r>
+            <a:endParaRPr lang="en-US" dirty="0" smtClean="0"/>
+          </a:p>
+          <a:p>
+            <a:r>
+              <a:rPr lang="en-US" dirty="0" smtClean="0"/>
+              <a:t>Doodle Style</a:t>
+            </a:r>
+          </a:p>
+          <a:p>
+            <a:r>
+              <a:rPr lang="en-US" dirty="0" smtClean="0"/>
+              <a:t>Storyboard</a:t>
+            </a:r>
+          </a:p>
+          <a:p>
+            <a:endParaRPr lang="en-US" dirty="0"/>
+          </a:p>
+        </p:txBody>
+      </p:sp>
+    </p:spTree>
+    <p:extLst>
+      <p:ext uri="{BB962C8B-B14F-4D97-AF65-F5344CB8AC3E}">
+        <p14:creationId xmlns:p14="http://schemas.microsoft.com/office/powerpoint/2010/main" val="2530008441"/>
+      </p:ext>
+    </p:extLst>
+  </p:cSld>
+  <p:clrMapOvr>
+    <a:masterClrMapping/>
+  </p:clrMapOvr>
+  <p:timing>
+    <p:tnLst>
+      <p:par>
+        <p:cTn id="1" dur="indefinite" restart="never" nodeType="tmRoot"/>
+      </p:par>
+    </p:tnLst>
+  </p:timing>
+</p:sld>
+</file>
+
+<file path=ppt/slides/slide6.xml><?xml version="1.0" encoding="utf-8"?>
+<p:sld xmlns:a="http://schemas.openxmlformats.org/drawingml/2006/main" xmlns:r="http://schemas.openxmlformats.org/officeDocument/2006/relationships" xmlns:p="http://schemas.openxmlformats.org/presentationml/2006/main">
+  <p:cSld>
+    <p:spTree>
+      <p:nvGrpSpPr>
+        <p:cNvPr id="1" name=""/>
+        <p:cNvGrpSpPr/>
+        <p:nvPr/>
+      </p:nvGrpSpPr>
+      <p:grpSpPr>
+        <a:xfrm>
+          <a:off x="0" y="0"/>
+          <a:ext cx="0" cy="0"/>
+          <a:chOff x="0" y="0"/>
+          <a:chExt cx="0" cy="0"/>
+        </a:xfrm>
+      </p:grpSpPr>
+      <p:sp>
+        <p:nvSpPr>
+          <p:cNvPr id="2" name="Title 1"/>
+          <p:cNvSpPr>
+            <a:spLocks noGrp="1"/>
+          </p:cNvSpPr>
+          <p:nvPr>
+            <p:ph type="title"/>
+          </p:nvPr>
+        </p:nvSpPr>
+        <p:spPr/>
+        <p:txBody>
+          <a:bodyPr/>
+          <a:lstStyle/>
+          <a:p>
+            <a:r>
+              <a:rPr lang="en-US" dirty="0" smtClean="0"/>
+              <a:t>Platform</a:t>
             </a:r>
             <a:endParaRPr lang="en-US" dirty="0"/>
           </a:p>
@@ -12946,7 +13057,7 @@
 </p:sld>
 </file>
 
-<file path=ppt/slides/slide6.xml><?xml version="1.0" encoding="utf-8"?>
+<file path=ppt/slides/slide7.xml><?xml version="1.0" encoding="utf-8"?>
 <p:sld xmlns:a="http://schemas.openxmlformats.org/drawingml/2006/main" xmlns:r="http://schemas.openxmlformats.org/officeDocument/2006/relationships" xmlns:p="http://schemas.openxmlformats.org/presentationml/2006/main">
   <p:cSld>
     <p:spTree>
@@ -12979,12 +13090,8 @@
           <a:lstStyle/>
           <a:p>
             <a:r>
-              <a:rPr lang="en-US" dirty="0" err="1" smtClean="0"/>
-              <a:t>Api</a:t>
-            </a:r>
-            <a:r>
               <a:rPr lang="en-US" dirty="0" smtClean="0"/>
-              <a:t>/Code</a:t>
+              <a:t>Development</a:t>
             </a:r>
             <a:endParaRPr lang="en-US" dirty="0"/>
           </a:p>
@@ -13008,12 +13115,20 @@
           <a:lstStyle/>
           <a:p>
             <a:r>
+              <a:rPr lang="en-US" dirty="0" smtClean="0"/>
+              <a:t>API/ CODE</a:t>
+            </a:r>
+          </a:p>
+          <a:p>
+            <a:pPr lvl="1"/>
+            <a:r>
               <a:rPr lang="en-US" dirty="0" err="1" smtClean="0"/>
               <a:t>Actionscript</a:t>
             </a:r>
             <a:endParaRPr lang="en-US" dirty="0" smtClean="0"/>
           </a:p>
           <a:p>
+            <a:pPr lvl="1"/>
             <a:r>
               <a:rPr lang="en-US" dirty="0" smtClean="0"/>
               <a:t>Designed API through Inheritance</a:t>
@@ -13086,7 +13201,7 @@
 </p:sld>
 </file>
 
-<file path=ppt/slides/slide7.xml><?xml version="1.0" encoding="utf-8"?>
+<file path=ppt/slides/slide8.xml><?xml version="1.0" encoding="utf-8"?>
 <p:sld xmlns:a="http://schemas.openxmlformats.org/drawingml/2006/main" xmlns:r="http://schemas.openxmlformats.org/officeDocument/2006/relationships" xmlns:p="http://schemas.openxmlformats.org/presentationml/2006/main">
   <p:cSld>
     <p:spTree>
@@ -13238,7 +13353,7 @@
 </p:sld>
 </file>
 
-<file path=ppt/slides/slide8.xml><?xml version="1.0" encoding="utf-8"?>
+<file path=ppt/slides/slide9.xml><?xml version="1.0" encoding="utf-8"?>
 <p:sld xmlns:a="http://schemas.openxmlformats.org/drawingml/2006/main" xmlns:r="http://schemas.openxmlformats.org/officeDocument/2006/relationships" xmlns:p="http://schemas.openxmlformats.org/presentationml/2006/main">
   <p:cSld>
     <p:spTree>
